--- a/Where_Are_The_Drugs.pptx
+++ b/Where_Are_The_Drugs.pptx
@@ -8,8 +8,13 @@
     <p:sldId id="256" r:id="rId2"/>
     <p:sldId id="257" r:id="rId3"/>
     <p:sldId id="258" r:id="rId4"/>
-    <p:sldId id="259" r:id="rId5"/>
-    <p:sldId id="262" r:id="rId6"/>
+    <p:sldId id="263" r:id="rId5"/>
+    <p:sldId id="264" r:id="rId6"/>
+    <p:sldId id="259" r:id="rId7"/>
+    <p:sldId id="265" r:id="rId8"/>
+    <p:sldId id="266" r:id="rId9"/>
+    <p:sldId id="267" r:id="rId10"/>
+    <p:sldId id="262" r:id="rId11"/>
   </p:sldIdLst>
   <p:sldSz cx="12192000" cy="6858000"/>
   <p:notesSz cx="6858000" cy="9144000"/>
@@ -108,7 +113,3805 @@
       </a:defRPr>
     </a:lvl9pPr>
   </p:defaultTextStyle>
+  <p:extLst>
+    <p:ext uri="{EFAFB233-063F-42B5-8137-9DF3F51BA10A}">
+      <p15:sldGuideLst xmlns:p15="http://schemas.microsoft.com/office/powerpoint/2012/main"/>
+    </p:ext>
+  </p:extLst>
 </p:presentation>
+</file>
+
+<file path=ppt/diagrams/colors1.xml><?xml version="1.0" encoding="utf-8"?>
+<dgm:colorsDef xmlns:dgm="http://schemas.openxmlformats.org/drawingml/2006/diagram" xmlns:a="http://schemas.openxmlformats.org/drawingml/2006/main" uniqueId="urn:microsoft.com/office/officeart/2018/5/colors/Iconchunking_neutralicontext_colorful1">
+  <dgm:title val=""/>
+  <dgm:desc val=""/>
+  <dgm:catLst>
+    <dgm:cat type="colorful" pri="10100"/>
+  </dgm:catLst>
+  <dgm:styleLbl name="node0">
+    <dgm:fillClrLst meth="repeat">
+      <a:schemeClr val="accent1"/>
+    </dgm:fillClrLst>
+    <dgm:linClrLst meth="repeat">
+      <a:schemeClr val="lt1"/>
+    </dgm:linClrLst>
+    <dgm:effectClrLst/>
+    <dgm:txLinClrLst/>
+    <dgm:txFillClrLst/>
+    <dgm:txEffectClrLst/>
+  </dgm:styleLbl>
+  <dgm:styleLbl name="node1">
+    <dgm:fillClrLst meth="repeat">
+      <a:schemeClr val="bg1"/>
+    </dgm:fillClrLst>
+    <dgm:linClrLst meth="repeat">
+      <a:schemeClr val="lt1">
+        <a:alpha val="0"/>
+      </a:schemeClr>
+    </dgm:linClrLst>
+    <dgm:effectClrLst/>
+    <dgm:txLinClrLst/>
+    <dgm:txFillClrLst meth="repeat">
+      <a:schemeClr val="dk1"/>
+    </dgm:txFillClrLst>
+    <dgm:txEffectClrLst/>
+  </dgm:styleLbl>
+  <dgm:styleLbl name="alignNode1">
+    <dgm:fillClrLst meth="repeat">
+      <a:schemeClr val="accent2"/>
+      <a:schemeClr val="accent3"/>
+      <a:schemeClr val="accent4"/>
+      <a:schemeClr val="accent5"/>
+      <a:schemeClr val="accent6"/>
+    </dgm:fillClrLst>
+    <dgm:linClrLst meth="repeat">
+      <a:schemeClr val="accent2"/>
+      <a:schemeClr val="accent3"/>
+      <a:schemeClr val="accent4"/>
+      <a:schemeClr val="accent5"/>
+      <a:schemeClr val="accent6"/>
+    </dgm:linClrLst>
+    <dgm:effectClrLst/>
+    <dgm:txLinClrLst/>
+    <dgm:txFillClrLst/>
+    <dgm:txEffectClrLst/>
+  </dgm:styleLbl>
+  <dgm:styleLbl name="lnNode1">
+    <dgm:fillClrLst meth="repeat">
+      <a:schemeClr val="accent2"/>
+      <a:schemeClr val="accent3"/>
+      <a:schemeClr val="accent4"/>
+      <a:schemeClr val="accent5"/>
+      <a:schemeClr val="accent6"/>
+    </dgm:fillClrLst>
+    <dgm:linClrLst meth="repeat">
+      <a:schemeClr val="lt1"/>
+    </dgm:linClrLst>
+    <dgm:effectClrLst/>
+    <dgm:txLinClrLst/>
+    <dgm:txFillClrLst/>
+    <dgm:txEffectClrLst/>
+  </dgm:styleLbl>
+  <dgm:styleLbl name="vennNode1">
+    <dgm:fillClrLst meth="repeat">
+      <a:schemeClr val="accent2">
+        <a:alpha val="50000"/>
+      </a:schemeClr>
+      <a:schemeClr val="accent3">
+        <a:alpha val="50000"/>
+      </a:schemeClr>
+      <a:schemeClr val="accent4">
+        <a:alpha val="50000"/>
+      </a:schemeClr>
+      <a:schemeClr val="accent5">
+        <a:alpha val="50000"/>
+      </a:schemeClr>
+      <a:schemeClr val="accent6">
+        <a:alpha val="50000"/>
+      </a:schemeClr>
+    </dgm:fillClrLst>
+    <dgm:linClrLst meth="repeat">
+      <a:schemeClr val="lt1"/>
+    </dgm:linClrLst>
+    <dgm:effectClrLst/>
+    <dgm:txLinClrLst/>
+    <dgm:txFillClrLst/>
+    <dgm:txEffectClrLst/>
+  </dgm:styleLbl>
+  <dgm:styleLbl name="node2">
+    <dgm:fillClrLst>
+      <a:schemeClr val="accent2"/>
+    </dgm:fillClrLst>
+    <dgm:linClrLst meth="repeat">
+      <a:schemeClr val="lt1"/>
+    </dgm:linClrLst>
+    <dgm:effectClrLst/>
+    <dgm:txLinClrLst/>
+    <dgm:txFillClrLst/>
+    <dgm:txEffectClrLst/>
+  </dgm:styleLbl>
+  <dgm:styleLbl name="node3">
+    <dgm:fillClrLst>
+      <a:schemeClr val="accent3"/>
+    </dgm:fillClrLst>
+    <dgm:linClrLst meth="repeat">
+      <a:schemeClr val="lt1"/>
+    </dgm:linClrLst>
+    <dgm:effectClrLst/>
+    <dgm:txLinClrLst/>
+    <dgm:txFillClrLst/>
+    <dgm:txEffectClrLst/>
+  </dgm:styleLbl>
+  <dgm:styleLbl name="node4">
+    <dgm:fillClrLst>
+      <a:schemeClr val="accent4"/>
+    </dgm:fillClrLst>
+    <dgm:linClrLst meth="repeat">
+      <a:schemeClr val="lt1"/>
+    </dgm:linClrLst>
+    <dgm:effectClrLst/>
+    <dgm:txLinClrLst/>
+    <dgm:txFillClrLst/>
+    <dgm:txEffectClrLst/>
+  </dgm:styleLbl>
+  <dgm:styleLbl name="fgImgPlace1">
+    <dgm:fillClrLst meth="repeat">
+      <a:schemeClr val="accent2">
+        <a:tint val="50000"/>
+      </a:schemeClr>
+      <a:schemeClr val="accent3">
+        <a:tint val="50000"/>
+      </a:schemeClr>
+      <a:schemeClr val="accent4">
+        <a:tint val="50000"/>
+      </a:schemeClr>
+      <a:schemeClr val="accent5">
+        <a:tint val="50000"/>
+      </a:schemeClr>
+      <a:schemeClr val="accent6">
+        <a:tint val="50000"/>
+      </a:schemeClr>
+    </dgm:fillClrLst>
+    <dgm:linClrLst meth="repeat">
+      <a:schemeClr val="lt1"/>
+    </dgm:linClrLst>
+    <dgm:effectClrLst/>
+    <dgm:txLinClrLst/>
+    <dgm:txFillClrLst meth="repeat">
+      <a:schemeClr val="lt1"/>
+    </dgm:txFillClrLst>
+    <dgm:txEffectClrLst/>
+  </dgm:styleLbl>
+  <dgm:styleLbl name="alignImgPlace1">
+    <dgm:fillClrLst>
+      <a:schemeClr val="accent1">
+        <a:tint val="50000"/>
+      </a:schemeClr>
+      <a:schemeClr val="accent2">
+        <a:tint val="20000"/>
+      </a:schemeClr>
+    </dgm:fillClrLst>
+    <dgm:linClrLst meth="repeat">
+      <a:schemeClr val="lt1"/>
+    </dgm:linClrLst>
+    <dgm:effectClrLst/>
+    <dgm:txLinClrLst/>
+    <dgm:txFillClrLst meth="repeat">
+      <a:schemeClr val="lt1"/>
+    </dgm:txFillClrLst>
+    <dgm:txEffectClrLst/>
+  </dgm:styleLbl>
+  <dgm:styleLbl name="bgImgPlace1">
+    <dgm:fillClrLst>
+      <a:schemeClr val="accent1">
+        <a:tint val="50000"/>
+      </a:schemeClr>
+      <a:schemeClr val="accent2">
+        <a:tint val="20000"/>
+      </a:schemeClr>
+    </dgm:fillClrLst>
+    <dgm:linClrLst meth="repeat">
+      <a:schemeClr val="lt1"/>
+    </dgm:linClrLst>
+    <dgm:effectClrLst/>
+    <dgm:txLinClrLst/>
+    <dgm:txFillClrLst meth="repeat">
+      <a:schemeClr val="lt1"/>
+    </dgm:txFillClrLst>
+    <dgm:txEffectClrLst/>
+  </dgm:styleLbl>
+  <dgm:styleLbl name="sibTrans2D1">
+    <dgm:fillClrLst meth="repeat">
+      <a:schemeClr val="accent2"/>
+      <a:schemeClr val="accent3"/>
+      <a:schemeClr val="accent4"/>
+      <a:schemeClr val="accent5"/>
+      <a:schemeClr val="accent6"/>
+    </dgm:fillClrLst>
+    <dgm:linClrLst meth="cycle">
+      <a:schemeClr val="lt1"/>
+    </dgm:linClrLst>
+    <dgm:effectClrLst/>
+    <dgm:txLinClrLst/>
+    <dgm:txFillClrLst/>
+    <dgm:txEffectClrLst/>
+  </dgm:styleLbl>
+  <dgm:styleLbl name="fgSibTrans2D1">
+    <dgm:fillClrLst meth="repeat">
+      <a:schemeClr val="accent2"/>
+      <a:schemeClr val="accent3"/>
+      <a:schemeClr val="accent4"/>
+      <a:schemeClr val="accent5"/>
+      <a:schemeClr val="accent6"/>
+    </dgm:fillClrLst>
+    <dgm:linClrLst meth="cycle">
+      <a:schemeClr val="lt1"/>
+    </dgm:linClrLst>
+    <dgm:effectClrLst/>
+    <dgm:txLinClrLst/>
+    <dgm:txFillClrLst meth="repeat">
+      <a:schemeClr val="lt1"/>
+    </dgm:txFillClrLst>
+    <dgm:txEffectClrLst/>
+  </dgm:styleLbl>
+  <dgm:styleLbl name="bgSibTrans2D1">
+    <dgm:fillClrLst meth="repeat">
+      <a:schemeClr val="accent2"/>
+      <a:schemeClr val="accent3"/>
+      <a:schemeClr val="accent4"/>
+      <a:schemeClr val="accent5"/>
+      <a:schemeClr val="accent6"/>
+    </dgm:fillClrLst>
+    <dgm:linClrLst meth="cycle">
+      <a:schemeClr val="lt1"/>
+    </dgm:linClrLst>
+    <dgm:effectClrLst/>
+    <dgm:txLinClrLst/>
+    <dgm:txFillClrLst meth="repeat">
+      <a:schemeClr val="lt1"/>
+    </dgm:txFillClrLst>
+    <dgm:txEffectClrLst/>
+  </dgm:styleLbl>
+  <dgm:styleLbl name="sibTrans1D1">
+    <dgm:fillClrLst meth="repeat">
+      <a:schemeClr val="accent2"/>
+      <a:schemeClr val="accent3"/>
+      <a:schemeClr val="accent4"/>
+      <a:schemeClr val="accent5"/>
+      <a:schemeClr val="accent6"/>
+    </dgm:fillClrLst>
+    <dgm:linClrLst meth="repeat">
+      <a:schemeClr val="accent2"/>
+      <a:schemeClr val="accent3"/>
+      <a:schemeClr val="accent4"/>
+      <a:schemeClr val="accent5"/>
+      <a:schemeClr val="accent6"/>
+    </dgm:linClrLst>
+    <dgm:effectClrLst/>
+    <dgm:txLinClrLst/>
+    <dgm:txFillClrLst meth="repeat">
+      <a:schemeClr val="tx1"/>
+    </dgm:txFillClrLst>
+    <dgm:txEffectClrLst/>
+  </dgm:styleLbl>
+  <dgm:styleLbl name="callout">
+    <dgm:fillClrLst meth="repeat">
+      <a:schemeClr val="accent2"/>
+    </dgm:fillClrLst>
+    <dgm:linClrLst meth="repeat">
+      <a:schemeClr val="accent2">
+        <a:tint val="50000"/>
+      </a:schemeClr>
+    </dgm:linClrLst>
+    <dgm:effectClrLst/>
+    <dgm:txLinClrLst/>
+    <dgm:txFillClrLst meth="repeat">
+      <a:schemeClr val="tx1"/>
+    </dgm:txFillClrLst>
+    <dgm:txEffectClrLst/>
+  </dgm:styleLbl>
+  <dgm:styleLbl name="asst0">
+    <dgm:fillClrLst meth="repeat">
+      <a:schemeClr val="accent1"/>
+    </dgm:fillClrLst>
+    <dgm:linClrLst meth="repeat">
+      <a:schemeClr val="lt1"/>
+    </dgm:linClrLst>
+    <dgm:effectClrLst/>
+    <dgm:txLinClrLst/>
+    <dgm:txFillClrLst/>
+    <dgm:txEffectClrLst/>
+  </dgm:styleLbl>
+  <dgm:styleLbl name="asst1">
+    <dgm:fillClrLst meth="repeat">
+      <a:schemeClr val="accent2"/>
+    </dgm:fillClrLst>
+    <dgm:linClrLst meth="repeat">
+      <a:schemeClr val="lt1"/>
+    </dgm:linClrLst>
+    <dgm:effectClrLst/>
+    <dgm:txLinClrLst/>
+    <dgm:txFillClrLst/>
+    <dgm:txEffectClrLst/>
+  </dgm:styleLbl>
+  <dgm:styleLbl name="asst2">
+    <dgm:fillClrLst>
+      <a:schemeClr val="accent3"/>
+    </dgm:fillClrLst>
+    <dgm:linClrLst meth="repeat">
+      <a:schemeClr val="lt1"/>
+    </dgm:linClrLst>
+    <dgm:effectClrLst/>
+    <dgm:txLinClrLst/>
+    <dgm:txFillClrLst/>
+    <dgm:txEffectClrLst/>
+  </dgm:styleLbl>
+  <dgm:styleLbl name="asst3">
+    <dgm:fillClrLst>
+      <a:schemeClr val="accent4"/>
+    </dgm:fillClrLst>
+    <dgm:linClrLst meth="repeat">
+      <a:schemeClr val="lt1"/>
+    </dgm:linClrLst>
+    <dgm:effectClrLst/>
+    <dgm:txLinClrLst/>
+    <dgm:txFillClrLst/>
+    <dgm:txEffectClrLst/>
+  </dgm:styleLbl>
+  <dgm:styleLbl name="asst4">
+    <dgm:fillClrLst>
+      <a:schemeClr val="accent5"/>
+    </dgm:fillClrLst>
+    <dgm:linClrLst meth="repeat">
+      <a:schemeClr val="lt1"/>
+    </dgm:linClrLst>
+    <dgm:effectClrLst/>
+    <dgm:txLinClrLst/>
+    <dgm:txFillClrLst/>
+    <dgm:txEffectClrLst/>
+  </dgm:styleLbl>
+  <dgm:styleLbl name="parChTrans2D1">
+    <dgm:fillClrLst meth="repeat">
+      <a:schemeClr val="accent2"/>
+    </dgm:fillClrLst>
+    <dgm:linClrLst meth="repeat">
+      <a:schemeClr val="lt1"/>
+    </dgm:linClrLst>
+    <dgm:effectClrLst/>
+    <dgm:txLinClrLst/>
+    <dgm:txFillClrLst meth="repeat">
+      <a:schemeClr val="lt1"/>
+    </dgm:txFillClrLst>
+    <dgm:txEffectClrLst/>
+  </dgm:styleLbl>
+  <dgm:styleLbl name="parChTrans2D2">
+    <dgm:fillClrLst meth="repeat">
+      <a:schemeClr val="accent3"/>
+    </dgm:fillClrLst>
+    <dgm:linClrLst meth="repeat">
+      <a:schemeClr val="lt1"/>
+    </dgm:linClrLst>
+    <dgm:effectClrLst/>
+    <dgm:txLinClrLst/>
+    <dgm:txFillClrLst/>
+    <dgm:txEffectClrLst/>
+  </dgm:styleLbl>
+  <dgm:styleLbl name="parChTrans2D3">
+    <dgm:fillClrLst meth="repeat">
+      <a:schemeClr val="accent4"/>
+    </dgm:fillClrLst>
+    <dgm:linClrLst meth="repeat">
+      <a:schemeClr val="lt1"/>
+    </dgm:linClrLst>
+    <dgm:effectClrLst/>
+    <dgm:txLinClrLst/>
+    <dgm:txFillClrLst/>
+    <dgm:txEffectClrLst/>
+  </dgm:styleLbl>
+  <dgm:styleLbl name="parChTrans2D4">
+    <dgm:fillClrLst meth="repeat">
+      <a:schemeClr val="accent5"/>
+    </dgm:fillClrLst>
+    <dgm:linClrLst meth="repeat">
+      <a:schemeClr val="lt1"/>
+    </dgm:linClrLst>
+    <dgm:effectClrLst/>
+    <dgm:txLinClrLst/>
+    <dgm:txFillClrLst meth="repeat">
+      <a:schemeClr val="lt1"/>
+    </dgm:txFillClrLst>
+    <dgm:txEffectClrLst/>
+  </dgm:styleLbl>
+  <dgm:styleLbl name="parChTrans1D1">
+    <dgm:fillClrLst meth="repeat">
+      <a:schemeClr val="accent2"/>
+    </dgm:fillClrLst>
+    <dgm:linClrLst meth="repeat">
+      <a:schemeClr val="accent1"/>
+    </dgm:linClrLst>
+    <dgm:effectClrLst/>
+    <dgm:txLinClrLst/>
+    <dgm:txFillClrLst meth="repeat">
+      <a:schemeClr val="tx1"/>
+    </dgm:txFillClrLst>
+    <dgm:txEffectClrLst/>
+  </dgm:styleLbl>
+  <dgm:styleLbl name="parChTrans1D2">
+    <dgm:fillClrLst meth="repeat">
+      <a:schemeClr val="accent3">
+        <a:tint val="90000"/>
+      </a:schemeClr>
+    </dgm:fillClrLst>
+    <dgm:linClrLst meth="repeat">
+      <a:schemeClr val="accent2"/>
+    </dgm:linClrLst>
+    <dgm:effectClrLst/>
+    <dgm:txLinClrLst/>
+    <dgm:txFillClrLst meth="repeat">
+      <a:schemeClr val="tx1"/>
+    </dgm:txFillClrLst>
+    <dgm:txEffectClrLst/>
+  </dgm:styleLbl>
+  <dgm:styleLbl name="parChTrans1D3">
+    <dgm:fillClrLst meth="repeat">
+      <a:schemeClr val="accent4">
+        <a:tint val="70000"/>
+      </a:schemeClr>
+    </dgm:fillClrLst>
+    <dgm:linClrLst meth="repeat">
+      <a:schemeClr val="accent3"/>
+    </dgm:linClrLst>
+    <dgm:effectClrLst/>
+    <dgm:txLinClrLst/>
+    <dgm:txFillClrLst meth="repeat">
+      <a:schemeClr val="tx1"/>
+    </dgm:txFillClrLst>
+    <dgm:txEffectClrLst/>
+  </dgm:styleLbl>
+  <dgm:styleLbl name="parChTrans1D4">
+    <dgm:fillClrLst meth="repeat">
+      <a:schemeClr val="accent5">
+        <a:tint val="50000"/>
+      </a:schemeClr>
+    </dgm:fillClrLst>
+    <dgm:linClrLst meth="repeat">
+      <a:schemeClr val="accent4"/>
+    </dgm:linClrLst>
+    <dgm:effectClrLst/>
+    <dgm:txLinClrLst/>
+    <dgm:txFillClrLst meth="repeat">
+      <a:schemeClr val="tx1"/>
+    </dgm:txFillClrLst>
+    <dgm:txEffectClrLst/>
+  </dgm:styleLbl>
+  <dgm:styleLbl name="fgAcc1">
+    <dgm:fillClrLst meth="repeat">
+      <a:schemeClr val="lt1">
+        <a:alpha val="90000"/>
+      </a:schemeClr>
+    </dgm:fillClrLst>
+    <dgm:linClrLst meth="repeat">
+      <a:schemeClr val="accent2"/>
+      <a:schemeClr val="accent3"/>
+      <a:schemeClr val="accent4"/>
+      <a:schemeClr val="accent5"/>
+      <a:schemeClr val="accent6"/>
+    </dgm:linClrLst>
+    <dgm:effectClrLst/>
+    <dgm:txLinClrLst/>
+    <dgm:txFillClrLst meth="repeat">
+      <a:schemeClr val="dk1"/>
+    </dgm:txFillClrLst>
+    <dgm:txEffectClrLst/>
+  </dgm:styleLbl>
+  <dgm:styleLbl name="conFgAcc1">
+    <dgm:fillClrLst meth="repeat">
+      <a:schemeClr val="lt1">
+        <a:alpha val="90000"/>
+      </a:schemeClr>
+    </dgm:fillClrLst>
+    <dgm:linClrLst meth="repeat">
+      <a:schemeClr val="accent2"/>
+      <a:schemeClr val="accent3"/>
+      <a:schemeClr val="accent4"/>
+      <a:schemeClr val="accent5"/>
+      <a:schemeClr val="accent6"/>
+    </dgm:linClrLst>
+    <dgm:effectClrLst/>
+    <dgm:txLinClrLst/>
+    <dgm:txFillClrLst meth="repeat">
+      <a:schemeClr val="dk1"/>
+    </dgm:txFillClrLst>
+    <dgm:txEffectClrLst/>
+  </dgm:styleLbl>
+  <dgm:styleLbl name="alignAcc1">
+    <dgm:fillClrLst meth="repeat">
+      <a:schemeClr val="lt1">
+        <a:alpha val="90000"/>
+      </a:schemeClr>
+    </dgm:fillClrLst>
+    <dgm:linClrLst meth="repeat">
+      <a:schemeClr val="accent2"/>
+      <a:schemeClr val="accent3"/>
+      <a:schemeClr val="accent4"/>
+      <a:schemeClr val="accent5"/>
+      <a:schemeClr val="accent6"/>
+    </dgm:linClrLst>
+    <dgm:effectClrLst/>
+    <dgm:txLinClrLst/>
+    <dgm:txFillClrLst meth="repeat">
+      <a:schemeClr val="dk1"/>
+    </dgm:txFillClrLst>
+    <dgm:txEffectClrLst/>
+  </dgm:styleLbl>
+  <dgm:styleLbl name="trAlignAcc1">
+    <dgm:fillClrLst meth="repeat">
+      <a:schemeClr val="lt1">
+        <a:alpha val="40000"/>
+      </a:schemeClr>
+    </dgm:fillClrLst>
+    <dgm:linClrLst meth="repeat">
+      <a:schemeClr val="accent1"/>
+    </dgm:linClrLst>
+    <dgm:effectClrLst/>
+    <dgm:txLinClrLst/>
+    <dgm:txFillClrLst meth="repeat">
+      <a:schemeClr val="dk1"/>
+    </dgm:txFillClrLst>
+    <dgm:txEffectClrLst/>
+  </dgm:styleLbl>
+  <dgm:styleLbl name="bgAcc1">
+    <dgm:fillClrLst meth="repeat">
+      <a:schemeClr val="lt1">
+        <a:alpha val="90000"/>
+      </a:schemeClr>
+    </dgm:fillClrLst>
+    <dgm:linClrLst meth="repeat">
+      <a:schemeClr val="accent2"/>
+      <a:schemeClr val="accent3"/>
+      <a:schemeClr val="accent4"/>
+      <a:schemeClr val="accent5"/>
+      <a:schemeClr val="accent6"/>
+    </dgm:linClrLst>
+    <dgm:effectClrLst/>
+    <dgm:txLinClrLst/>
+    <dgm:txFillClrLst meth="repeat">
+      <a:schemeClr val="dk1"/>
+    </dgm:txFillClrLst>
+    <dgm:txEffectClrLst/>
+  </dgm:styleLbl>
+  <dgm:styleLbl name="solidFgAcc1">
+    <dgm:fillClrLst meth="repeat">
+      <a:schemeClr val="lt1"/>
+    </dgm:fillClrLst>
+    <dgm:linClrLst meth="repeat">
+      <a:schemeClr val="accent2"/>
+      <a:schemeClr val="accent3"/>
+      <a:schemeClr val="accent4"/>
+      <a:schemeClr val="accent5"/>
+      <a:schemeClr val="accent6"/>
+    </dgm:linClrLst>
+    <dgm:effectClrLst/>
+    <dgm:txLinClrLst/>
+    <dgm:txFillClrLst meth="repeat">
+      <a:schemeClr val="dk1"/>
+    </dgm:txFillClrLst>
+    <dgm:txEffectClrLst/>
+  </dgm:styleLbl>
+  <dgm:styleLbl name="solidAlignAcc1">
+    <dgm:fillClrLst meth="repeat">
+      <a:schemeClr val="lt1"/>
+    </dgm:fillClrLst>
+    <dgm:linClrLst meth="repeat">
+      <a:schemeClr val="accent2"/>
+      <a:schemeClr val="accent3"/>
+      <a:schemeClr val="accent4"/>
+      <a:schemeClr val="accent5"/>
+      <a:schemeClr val="accent6"/>
+    </dgm:linClrLst>
+    <dgm:effectClrLst/>
+    <dgm:txLinClrLst/>
+    <dgm:txFillClrLst meth="repeat">
+      <a:schemeClr val="dk1"/>
+    </dgm:txFillClrLst>
+    <dgm:txEffectClrLst/>
+  </dgm:styleLbl>
+  <dgm:styleLbl name="solidBgAcc1">
+    <dgm:fillClrLst meth="repeat">
+      <a:schemeClr val="lt1"/>
+    </dgm:fillClrLst>
+    <dgm:linClrLst meth="repeat">
+      <a:schemeClr val="accent2"/>
+      <a:schemeClr val="accent3"/>
+      <a:schemeClr val="accent4"/>
+      <a:schemeClr val="accent5"/>
+      <a:schemeClr val="accent6"/>
+    </dgm:linClrLst>
+    <dgm:effectClrLst/>
+    <dgm:txLinClrLst/>
+    <dgm:txFillClrLst meth="repeat">
+      <a:schemeClr val="dk1"/>
+    </dgm:txFillClrLst>
+    <dgm:txEffectClrLst/>
+  </dgm:styleLbl>
+  <dgm:styleLbl name="fgAccFollowNode1">
+    <dgm:fillClrLst meth="repeat">
+      <a:schemeClr val="accent2">
+        <a:tint val="40000"/>
+        <a:alpha val="90000"/>
+      </a:schemeClr>
+      <a:schemeClr val="accent3">
+        <a:tint val="40000"/>
+        <a:alpha val="90000"/>
+      </a:schemeClr>
+      <a:schemeClr val="accent4">
+        <a:tint val="40000"/>
+        <a:alpha val="90000"/>
+      </a:schemeClr>
+      <a:schemeClr val="accent5">
+        <a:tint val="40000"/>
+        <a:alpha val="90000"/>
+      </a:schemeClr>
+      <a:schemeClr val="accent6">
+        <a:tint val="40000"/>
+        <a:alpha val="90000"/>
+      </a:schemeClr>
+    </dgm:fillClrLst>
+    <dgm:linClrLst meth="repeat">
+      <a:schemeClr val="accent2">
+        <a:tint val="40000"/>
+        <a:alpha val="90000"/>
+      </a:schemeClr>
+      <a:schemeClr val="accent3">
+        <a:tint val="40000"/>
+        <a:alpha val="90000"/>
+      </a:schemeClr>
+      <a:schemeClr val="accent4">
+        <a:tint val="40000"/>
+        <a:alpha val="90000"/>
+      </a:schemeClr>
+      <a:schemeClr val="accent5">
+        <a:tint val="40000"/>
+        <a:alpha val="90000"/>
+      </a:schemeClr>
+      <a:schemeClr val="accent6">
+        <a:tint val="40000"/>
+        <a:alpha val="90000"/>
+      </a:schemeClr>
+    </dgm:linClrLst>
+    <dgm:effectClrLst/>
+    <dgm:txLinClrLst/>
+    <dgm:txFillClrLst meth="repeat">
+      <a:schemeClr val="dk1"/>
+    </dgm:txFillClrLst>
+    <dgm:txEffectClrLst/>
+  </dgm:styleLbl>
+  <dgm:styleLbl name="alignAccFollowNode1">
+    <dgm:fillClrLst meth="repeat">
+      <a:schemeClr val="accent2">
+        <a:tint val="40000"/>
+        <a:alpha val="90000"/>
+      </a:schemeClr>
+      <a:schemeClr val="accent3">
+        <a:tint val="40000"/>
+        <a:alpha val="90000"/>
+      </a:schemeClr>
+      <a:schemeClr val="accent4">
+        <a:tint val="40000"/>
+        <a:alpha val="90000"/>
+      </a:schemeClr>
+      <a:schemeClr val="accent5">
+        <a:tint val="40000"/>
+        <a:alpha val="90000"/>
+      </a:schemeClr>
+      <a:schemeClr val="accent6">
+        <a:tint val="40000"/>
+        <a:alpha val="90000"/>
+      </a:schemeClr>
+    </dgm:fillClrLst>
+    <dgm:linClrLst meth="repeat">
+      <a:schemeClr val="accent2">
+        <a:tint val="40000"/>
+        <a:alpha val="90000"/>
+      </a:schemeClr>
+      <a:schemeClr val="accent3">
+        <a:tint val="40000"/>
+        <a:alpha val="90000"/>
+      </a:schemeClr>
+      <a:schemeClr val="accent4">
+        <a:tint val="40000"/>
+        <a:alpha val="90000"/>
+      </a:schemeClr>
+      <a:schemeClr val="accent5">
+        <a:tint val="40000"/>
+        <a:alpha val="90000"/>
+      </a:schemeClr>
+      <a:schemeClr val="accent6">
+        <a:tint val="40000"/>
+        <a:alpha val="90000"/>
+      </a:schemeClr>
+    </dgm:linClrLst>
+    <dgm:effectClrLst/>
+    <dgm:txLinClrLst/>
+    <dgm:txFillClrLst meth="repeat">
+      <a:schemeClr val="dk1"/>
+    </dgm:txFillClrLst>
+    <dgm:txEffectClrLst/>
+  </dgm:styleLbl>
+  <dgm:styleLbl name="bgAccFollowNode1">
+    <dgm:fillClrLst meth="repeat">
+      <a:schemeClr val="accent2">
+        <a:tint val="40000"/>
+        <a:alpha val="90000"/>
+      </a:schemeClr>
+      <a:schemeClr val="accent3">
+        <a:tint val="40000"/>
+        <a:alpha val="90000"/>
+      </a:schemeClr>
+      <a:schemeClr val="accent4">
+        <a:tint val="40000"/>
+        <a:alpha val="90000"/>
+      </a:schemeClr>
+      <a:schemeClr val="accent5">
+        <a:tint val="40000"/>
+        <a:alpha val="90000"/>
+      </a:schemeClr>
+      <a:schemeClr val="accent6">
+        <a:tint val="40000"/>
+        <a:alpha val="90000"/>
+      </a:schemeClr>
+    </dgm:fillClrLst>
+    <dgm:linClrLst meth="repeat">
+      <a:schemeClr val="accent2">
+        <a:tint val="40000"/>
+        <a:alpha val="90000"/>
+      </a:schemeClr>
+      <a:schemeClr val="accent3">
+        <a:tint val="40000"/>
+        <a:alpha val="90000"/>
+      </a:schemeClr>
+      <a:schemeClr val="accent4">
+        <a:tint val="40000"/>
+        <a:alpha val="90000"/>
+      </a:schemeClr>
+      <a:schemeClr val="accent5">
+        <a:tint val="40000"/>
+        <a:alpha val="90000"/>
+      </a:schemeClr>
+      <a:schemeClr val="accent6">
+        <a:tint val="40000"/>
+        <a:alpha val="90000"/>
+      </a:schemeClr>
+    </dgm:linClrLst>
+    <dgm:effectClrLst/>
+    <dgm:txLinClrLst/>
+    <dgm:txFillClrLst meth="repeat">
+      <a:schemeClr val="dk1"/>
+    </dgm:txFillClrLst>
+    <dgm:txEffectClrLst/>
+  </dgm:styleLbl>
+  <dgm:styleLbl name="fgAcc0">
+    <dgm:fillClrLst meth="repeat">
+      <a:schemeClr val="lt1">
+        <a:alpha val="90000"/>
+      </a:schemeClr>
+    </dgm:fillClrLst>
+    <dgm:linClrLst>
+      <a:schemeClr val="accent1"/>
+    </dgm:linClrLst>
+    <dgm:effectClrLst/>
+    <dgm:txLinClrLst/>
+    <dgm:txFillClrLst meth="repeat">
+      <a:schemeClr val="dk1"/>
+    </dgm:txFillClrLst>
+    <dgm:txEffectClrLst/>
+  </dgm:styleLbl>
+  <dgm:styleLbl name="fgAcc2">
+    <dgm:fillClrLst meth="repeat">
+      <a:schemeClr val="lt1">
+        <a:alpha val="90000"/>
+      </a:schemeClr>
+    </dgm:fillClrLst>
+    <dgm:linClrLst>
+      <a:schemeClr val="accent2"/>
+    </dgm:linClrLst>
+    <dgm:effectClrLst/>
+    <dgm:txLinClrLst/>
+    <dgm:txFillClrLst meth="repeat">
+      <a:schemeClr val="dk1"/>
+    </dgm:txFillClrLst>
+    <dgm:txEffectClrLst/>
+  </dgm:styleLbl>
+  <dgm:styleLbl name="fgAcc3">
+    <dgm:fillClrLst meth="repeat">
+      <a:schemeClr val="lt1">
+        <a:alpha val="90000"/>
+      </a:schemeClr>
+    </dgm:fillClrLst>
+    <dgm:linClrLst>
+      <a:schemeClr val="accent3"/>
+    </dgm:linClrLst>
+    <dgm:effectClrLst/>
+    <dgm:txLinClrLst/>
+    <dgm:txFillClrLst meth="repeat">
+      <a:schemeClr val="dk1"/>
+    </dgm:txFillClrLst>
+    <dgm:txEffectClrLst/>
+  </dgm:styleLbl>
+  <dgm:styleLbl name="fgAcc4">
+    <dgm:fillClrLst meth="repeat">
+      <a:schemeClr val="lt1">
+        <a:alpha val="90000"/>
+      </a:schemeClr>
+    </dgm:fillClrLst>
+    <dgm:linClrLst>
+      <a:schemeClr val="accent4"/>
+    </dgm:linClrLst>
+    <dgm:effectClrLst/>
+    <dgm:txLinClrLst/>
+    <dgm:txFillClrLst meth="repeat">
+      <a:schemeClr val="dk1"/>
+    </dgm:txFillClrLst>
+    <dgm:txEffectClrLst/>
+  </dgm:styleLbl>
+  <dgm:styleLbl name="bgShp">
+    <dgm:fillClrLst meth="repeat">
+      <a:schemeClr val="accent2"/>
+      <a:schemeClr val="accent3"/>
+      <a:schemeClr val="accent4"/>
+      <a:schemeClr val="accent5"/>
+      <a:schemeClr val="accent6"/>
+    </dgm:fillClrLst>
+    <dgm:linClrLst meth="repeat">
+      <a:schemeClr val="lt1">
+        <a:alpha val="0"/>
+      </a:schemeClr>
+    </dgm:linClrLst>
+    <dgm:effectClrLst/>
+    <dgm:txLinClrLst/>
+    <dgm:txFillClrLst/>
+    <dgm:txEffectClrLst/>
+  </dgm:styleLbl>
+  <dgm:styleLbl name="dkBgShp">
+    <dgm:fillClrLst meth="repeat">
+      <a:schemeClr val="accent2">
+        <a:shade val="90000"/>
+      </a:schemeClr>
+    </dgm:fillClrLst>
+    <dgm:linClrLst meth="repeat">
+      <a:schemeClr val="dk1"/>
+    </dgm:linClrLst>
+    <dgm:effectClrLst/>
+    <dgm:txLinClrLst/>
+    <dgm:txFillClrLst meth="repeat">
+      <a:schemeClr val="lt1"/>
+    </dgm:txFillClrLst>
+    <dgm:txEffectClrLst/>
+  </dgm:styleLbl>
+  <dgm:styleLbl name="trBgShp">
+    <dgm:fillClrLst meth="repeat">
+      <a:schemeClr val="accent1">
+        <a:tint val="50000"/>
+        <a:alpha val="40000"/>
+      </a:schemeClr>
+    </dgm:fillClrLst>
+    <dgm:linClrLst meth="repeat">
+      <a:schemeClr val="accent2"/>
+    </dgm:linClrLst>
+    <dgm:effectClrLst/>
+    <dgm:txLinClrLst/>
+    <dgm:txFillClrLst meth="repeat">
+      <a:schemeClr val="lt1"/>
+    </dgm:txFillClrLst>
+    <dgm:txEffectClrLst/>
+  </dgm:styleLbl>
+  <dgm:styleLbl name="fgShp">
+    <dgm:fillClrLst meth="repeat">
+      <a:schemeClr val="accent2">
+        <a:tint val="40000"/>
+      </a:schemeClr>
+    </dgm:fillClrLst>
+    <dgm:linClrLst meth="repeat">
+      <a:schemeClr val="lt1"/>
+    </dgm:linClrLst>
+    <dgm:effectClrLst/>
+    <dgm:txLinClrLst/>
+    <dgm:txFillClrLst meth="repeat">
+      <a:schemeClr val="dk1"/>
+    </dgm:txFillClrLst>
+    <dgm:txEffectClrLst/>
+  </dgm:styleLbl>
+  <dgm:styleLbl name="revTx">
+    <dgm:fillClrLst meth="repeat">
+      <a:schemeClr val="lt1">
+        <a:alpha val="0"/>
+      </a:schemeClr>
+    </dgm:fillClrLst>
+    <dgm:linClrLst meth="repeat">
+      <a:schemeClr val="dk1">
+        <a:alpha val="0"/>
+      </a:schemeClr>
+    </dgm:linClrLst>
+    <dgm:effectClrLst/>
+    <dgm:txLinClrLst/>
+    <dgm:txFillClrLst meth="repeat">
+      <a:schemeClr val="bg1"/>
+    </dgm:txFillClrLst>
+    <dgm:txEffectClrLst/>
+  </dgm:styleLbl>
+</dgm:colorsDef>
+</file>
+
+<file path=ppt/diagrams/data1.xml><?xml version="1.0" encoding="utf-8"?>
+<dgm:dataModel xmlns:dgm="http://schemas.openxmlformats.org/drawingml/2006/diagram" xmlns:a="http://schemas.openxmlformats.org/drawingml/2006/main">
+  <dgm:ptLst>
+    <dgm:pt modelId="{5155CA6A-1D70-4F88-916F-CB235E585B55}" type="doc">
+      <dgm:prSet loTypeId="urn:microsoft.com/office/officeart/2018/2/layout/IconVerticalSolidList" loCatId="icon" qsTypeId="urn:microsoft.com/office/officeart/2005/8/quickstyle/simple1" qsCatId="simple" csTypeId="urn:microsoft.com/office/officeart/2018/5/colors/Iconchunking_neutralicontext_colorful1" csCatId="colorful" phldr="1"/>
+      <dgm:spPr/>
+      <dgm:t>
+        <a:bodyPr/>
+        <a:lstStyle/>
+        <a:p>
+          <a:endParaRPr lang="en-US"/>
+        </a:p>
+      </dgm:t>
+    </dgm:pt>
+    <dgm:pt modelId="{C497D504-C13D-479C-9E01-BF3B98CEDD5F}">
+      <dgm:prSet/>
+      <dgm:spPr/>
+      <dgm:t>
+        <a:bodyPr/>
+        <a:lstStyle/>
+        <a:p>
+          <a:r>
+            <a:rPr lang="en-US" b="1"/>
+            <a:t>Setup</a:t>
+          </a:r>
+          <a:endParaRPr lang="en-US"/>
+        </a:p>
+      </dgm:t>
+    </dgm:pt>
+    <dgm:pt modelId="{17CD80BA-91F6-43B3-9BC4-5528EB34F1F9}" type="parTrans" cxnId="{109E5654-8E0F-464F-98C3-6F70AC675E7E}">
+      <dgm:prSet/>
+      <dgm:spPr/>
+      <dgm:t>
+        <a:bodyPr/>
+        <a:lstStyle/>
+        <a:p>
+          <a:endParaRPr lang="en-US"/>
+        </a:p>
+      </dgm:t>
+    </dgm:pt>
+    <dgm:pt modelId="{2E7F1DFB-F98D-43C9-88BD-08737B47D94D}" type="sibTrans" cxnId="{109E5654-8E0F-464F-98C3-6F70AC675E7E}">
+      <dgm:prSet/>
+      <dgm:spPr/>
+      <dgm:t>
+        <a:bodyPr/>
+        <a:lstStyle/>
+        <a:p>
+          <a:endParaRPr lang="en-US"/>
+        </a:p>
+      </dgm:t>
+    </dgm:pt>
+    <dgm:pt modelId="{0A004E0A-132E-498B-BD09-A2E91A550276}">
+      <dgm:prSet/>
+      <dgm:spPr/>
+      <dgm:t>
+        <a:bodyPr/>
+        <a:lstStyle/>
+        <a:p>
+          <a:r>
+            <a:rPr lang="en-US" b="1" dirty="0"/>
+            <a:t>Take a Skeptical Stance, and Clearly State This Hypothesis</a:t>
+          </a:r>
+          <a:endParaRPr lang="en-US" dirty="0"/>
+        </a:p>
+      </dgm:t>
+    </dgm:pt>
+    <dgm:pt modelId="{753A5306-497A-488D-B97C-D051A04F4E03}" type="parTrans" cxnId="{B3FAB9D0-6A01-4934-B524-5BAF8483D750}">
+      <dgm:prSet/>
+      <dgm:spPr/>
+      <dgm:t>
+        <a:bodyPr/>
+        <a:lstStyle/>
+        <a:p>
+          <a:endParaRPr lang="en-US"/>
+        </a:p>
+      </dgm:t>
+    </dgm:pt>
+    <dgm:pt modelId="{CCCCA724-6707-402C-8A65-002ADC9A5AE1}" type="sibTrans" cxnId="{B3FAB9D0-6A01-4934-B524-5BAF8483D750}">
+      <dgm:prSet/>
+      <dgm:spPr/>
+      <dgm:t>
+        <a:bodyPr/>
+        <a:lstStyle/>
+        <a:p>
+          <a:endParaRPr lang="en-US"/>
+        </a:p>
+      </dgm:t>
+    </dgm:pt>
+    <dgm:pt modelId="{1977887C-AB74-4E1D-B3DE-BBC3816A122D}">
+      <dgm:prSet/>
+      <dgm:spPr/>
+      <dgm:t>
+        <a:bodyPr/>
+        <a:lstStyle/>
+        <a:p>
+          <a:r>
+            <a:rPr lang="en-US" b="1" dirty="0"/>
+            <a:t>Create a Probabilistic Model of the Situation Assuming the Null Hypothesis is True</a:t>
+          </a:r>
+          <a:endParaRPr lang="en-US" dirty="0"/>
+        </a:p>
+      </dgm:t>
+    </dgm:pt>
+    <dgm:pt modelId="{5AA00BAD-0218-4D51-B9BB-BD94F6D662EF}" type="parTrans" cxnId="{940A509F-A631-40C2-BD4D-E5902D948EFE}">
+      <dgm:prSet/>
+      <dgm:spPr/>
+      <dgm:t>
+        <a:bodyPr/>
+        <a:lstStyle/>
+        <a:p>
+          <a:endParaRPr lang="en-US"/>
+        </a:p>
+      </dgm:t>
+    </dgm:pt>
+    <dgm:pt modelId="{D9381459-E9CA-4109-A545-9E5428643B6B}" type="sibTrans" cxnId="{940A509F-A631-40C2-BD4D-E5902D948EFE}">
+      <dgm:prSet/>
+      <dgm:spPr/>
+      <dgm:t>
+        <a:bodyPr/>
+        <a:lstStyle/>
+        <a:p>
+          <a:endParaRPr lang="en-US"/>
+        </a:p>
+      </dgm:t>
+    </dgm:pt>
+    <dgm:pt modelId="{4BB839E4-309A-41E3-8328-8A4D91F3254C}">
+      <dgm:prSet/>
+      <dgm:spPr/>
+      <dgm:t>
+        <a:bodyPr/>
+        <a:lstStyle/>
+        <a:p>
+          <a:r>
+            <a:rPr lang="en-US" b="1"/>
+            <a:t>Decide how certain You Need to Be to Reject Your Skeptical Assumption</a:t>
+          </a:r>
+          <a:endParaRPr lang="en-US"/>
+        </a:p>
+      </dgm:t>
+    </dgm:pt>
+    <dgm:pt modelId="{7477CAC1-549F-4C1F-BF90-A9311FA6F264}" type="parTrans" cxnId="{C4164FAB-DD94-403B-AA3B-64851B7382C1}">
+      <dgm:prSet/>
+      <dgm:spPr/>
+      <dgm:t>
+        <a:bodyPr/>
+        <a:lstStyle/>
+        <a:p>
+          <a:endParaRPr lang="en-US"/>
+        </a:p>
+      </dgm:t>
+    </dgm:pt>
+    <dgm:pt modelId="{FCBD1832-E53B-4C84-9B31-7CD3519AC083}" type="sibTrans" cxnId="{C4164FAB-DD94-403B-AA3B-64851B7382C1}">
+      <dgm:prSet/>
+      <dgm:spPr/>
+      <dgm:t>
+        <a:bodyPr/>
+        <a:lstStyle/>
+        <a:p>
+          <a:endParaRPr lang="en-US"/>
+        </a:p>
+      </dgm:t>
+    </dgm:pt>
+    <dgm:pt modelId="{3E883DFA-9D6D-485F-8C43-1819B38582E9}">
+      <dgm:prSet/>
+      <dgm:spPr/>
+      <dgm:t>
+        <a:bodyPr/>
+        <a:lstStyle/>
+        <a:p>
+          <a:r>
+            <a:rPr lang="en-US" b="1"/>
+            <a:t>Collect Your Data</a:t>
+          </a:r>
+          <a:endParaRPr lang="en-US"/>
+        </a:p>
+      </dgm:t>
+    </dgm:pt>
+    <dgm:pt modelId="{A249E2FD-D888-4622-BD06-276E987E9F7C}" type="parTrans" cxnId="{06A05DDA-7873-4E1A-844C-68E5E0E479E0}">
+      <dgm:prSet/>
+      <dgm:spPr/>
+      <dgm:t>
+        <a:bodyPr/>
+        <a:lstStyle/>
+        <a:p>
+          <a:endParaRPr lang="en-US"/>
+        </a:p>
+      </dgm:t>
+    </dgm:pt>
+    <dgm:pt modelId="{8C6F0A60-2E38-4F1C-87B1-616AFCD73952}" type="sibTrans" cxnId="{06A05DDA-7873-4E1A-844C-68E5E0E479E0}">
+      <dgm:prSet/>
+      <dgm:spPr/>
+      <dgm:t>
+        <a:bodyPr/>
+        <a:lstStyle/>
+        <a:p>
+          <a:endParaRPr lang="en-US"/>
+        </a:p>
+      </dgm:t>
+    </dgm:pt>
+    <dgm:pt modelId="{466FDE4F-1B3E-48FE-96DF-65EDCBA7401C}">
+      <dgm:prSet/>
+      <dgm:spPr/>
+      <dgm:t>
+        <a:bodyPr/>
+        <a:lstStyle/>
+        <a:p>
+          <a:r>
+            <a:rPr lang="en-US" b="1"/>
+            <a:t>Calculate the Probability of Finding a Result Equally or More Extreme than Actually Observed</a:t>
+          </a:r>
+          <a:endParaRPr lang="en-US"/>
+        </a:p>
+      </dgm:t>
+    </dgm:pt>
+    <dgm:pt modelId="{7997993F-0664-4A04-9DB6-A75D7062927B}" type="parTrans" cxnId="{38CA6790-BDB0-4283-B8E5-0B295E5ADDEE}">
+      <dgm:prSet/>
+      <dgm:spPr/>
+      <dgm:t>
+        <a:bodyPr/>
+        <a:lstStyle/>
+        <a:p>
+          <a:endParaRPr lang="en-US"/>
+        </a:p>
+      </dgm:t>
+    </dgm:pt>
+    <dgm:pt modelId="{E6E1A9C2-0B32-41A6-9C86-019513DAB54A}" type="sibTrans" cxnId="{38CA6790-BDB0-4283-B8E5-0B295E5ADDEE}">
+      <dgm:prSet/>
+      <dgm:spPr/>
+      <dgm:t>
+        <a:bodyPr/>
+        <a:lstStyle/>
+        <a:p>
+          <a:endParaRPr lang="en-US"/>
+        </a:p>
+      </dgm:t>
+    </dgm:pt>
+    <dgm:pt modelId="{0FB8262B-5D5B-4E45-B7C4-C43436F6A838}" type="pres">
+      <dgm:prSet presAssocID="{5155CA6A-1D70-4F88-916F-CB235E585B55}" presName="root" presStyleCnt="0">
+        <dgm:presLayoutVars>
+          <dgm:dir/>
+          <dgm:resizeHandles val="exact"/>
+        </dgm:presLayoutVars>
+      </dgm:prSet>
+      <dgm:spPr/>
+    </dgm:pt>
+    <dgm:pt modelId="{F9B1C5CE-2807-464F-8625-319B849ECCCA}" type="pres">
+      <dgm:prSet presAssocID="{C497D504-C13D-479C-9E01-BF3B98CEDD5F}" presName="compNode" presStyleCnt="0"/>
+      <dgm:spPr/>
+    </dgm:pt>
+    <dgm:pt modelId="{6985E87B-B784-4ED1-9DDE-CA550B24DCC7}" type="pres">
+      <dgm:prSet presAssocID="{C497D504-C13D-479C-9E01-BF3B98CEDD5F}" presName="bgRect" presStyleLbl="bgShp" presStyleIdx="0" presStyleCnt="6"/>
+      <dgm:spPr/>
+    </dgm:pt>
+    <dgm:pt modelId="{E65168C7-7CC6-44C7-9FF9-14DE36BC4509}" type="pres">
+      <dgm:prSet presAssocID="{C497D504-C13D-479C-9E01-BF3B98CEDD5F}" presName="iconRect" presStyleLbl="node1" presStyleIdx="0" presStyleCnt="6"/>
+      <dgm:spPr>
+        <a:blipFill>
+          <a:blip xmlns:r="http://schemas.openxmlformats.org/officeDocument/2006/relationships" r:embed="rId1">
+            <a:extLst>
+              <a:ext uri="{28A0092B-C50C-407E-A947-70E740481C1C}">
+                <a14:useLocalDpi xmlns:a14="http://schemas.microsoft.com/office/drawing/2010/main" val="0"/>
+              </a:ext>
+              <a:ext uri="{96DAC541-7B7A-43D3-8B79-37D633B846F1}">
+                <asvg:svgBlip xmlns:asvg="http://schemas.microsoft.com/office/drawing/2016/SVG/main" r:embed="rId2"/>
+              </a:ext>
+            </a:extLst>
+          </a:blip>
+          <a:stretch>
+            <a:fillRect/>
+          </a:stretch>
+        </a:blipFill>
+        <a:ln>
+          <a:noFill/>
+        </a:ln>
+      </dgm:spPr>
+      <dgm:extLst>
+        <a:ext uri="{E40237B7-FDA0-4F09-8148-C483321AD2D9}">
+          <dgm14:cNvPr xmlns:dgm14="http://schemas.microsoft.com/office/drawing/2010/diagram" id="0" name="" descr="Gears"/>
+        </a:ext>
+      </dgm:extLst>
+    </dgm:pt>
+    <dgm:pt modelId="{7BB42803-0821-4288-BA75-98B1AFB07EAE}" type="pres">
+      <dgm:prSet presAssocID="{C497D504-C13D-479C-9E01-BF3B98CEDD5F}" presName="spaceRect" presStyleCnt="0"/>
+      <dgm:spPr/>
+    </dgm:pt>
+    <dgm:pt modelId="{7A94F198-2DBF-472D-8903-E844F42EC443}" type="pres">
+      <dgm:prSet presAssocID="{C497D504-C13D-479C-9E01-BF3B98CEDD5F}" presName="parTx" presStyleLbl="revTx" presStyleIdx="0" presStyleCnt="6">
+        <dgm:presLayoutVars>
+          <dgm:chMax val="0"/>
+          <dgm:chPref val="0"/>
+        </dgm:presLayoutVars>
+      </dgm:prSet>
+      <dgm:spPr/>
+    </dgm:pt>
+    <dgm:pt modelId="{2318FB9F-9BC0-4E20-808F-51C7606E5E33}" type="pres">
+      <dgm:prSet presAssocID="{2E7F1DFB-F98D-43C9-88BD-08737B47D94D}" presName="sibTrans" presStyleCnt="0"/>
+      <dgm:spPr/>
+    </dgm:pt>
+    <dgm:pt modelId="{05223F07-F757-4881-83B9-24278D11CAE5}" type="pres">
+      <dgm:prSet presAssocID="{0A004E0A-132E-498B-BD09-A2E91A550276}" presName="compNode" presStyleCnt="0"/>
+      <dgm:spPr/>
+    </dgm:pt>
+    <dgm:pt modelId="{9BB550AD-3D84-4F49-AC8D-5CCAA22AD631}" type="pres">
+      <dgm:prSet presAssocID="{0A004E0A-132E-498B-BD09-A2E91A550276}" presName="bgRect" presStyleLbl="bgShp" presStyleIdx="1" presStyleCnt="6"/>
+      <dgm:spPr/>
+    </dgm:pt>
+    <dgm:pt modelId="{9A3F33B1-5943-49A0-85C2-589113AD5F8D}" type="pres">
+      <dgm:prSet presAssocID="{0A004E0A-132E-498B-BD09-A2E91A550276}" presName="iconRect" presStyleLbl="node1" presStyleIdx="1" presStyleCnt="6"/>
+      <dgm:spPr>
+        <a:blipFill>
+          <a:blip xmlns:r="http://schemas.openxmlformats.org/officeDocument/2006/relationships" r:embed="rId3">
+            <a:extLst>
+              <a:ext uri="{28A0092B-C50C-407E-A947-70E740481C1C}">
+                <a14:useLocalDpi xmlns:a14="http://schemas.microsoft.com/office/drawing/2010/main" val="0"/>
+              </a:ext>
+              <a:ext uri="{96DAC541-7B7A-43D3-8B79-37D633B846F1}">
+                <asvg:svgBlip xmlns:asvg="http://schemas.microsoft.com/office/drawing/2016/SVG/main" r:embed="rId4"/>
+              </a:ext>
+            </a:extLst>
+          </a:blip>
+          <a:stretch>
+            <a:fillRect/>
+          </a:stretch>
+        </a:blipFill>
+        <a:ln>
+          <a:noFill/>
+        </a:ln>
+      </dgm:spPr>
+      <dgm:extLst>
+        <a:ext uri="{E40237B7-FDA0-4F09-8148-C483321AD2D9}">
+          <dgm14:cNvPr xmlns:dgm14="http://schemas.microsoft.com/office/drawing/2010/diagram" id="0" name="" descr="Confused Person"/>
+        </a:ext>
+      </dgm:extLst>
+    </dgm:pt>
+    <dgm:pt modelId="{8240CB53-644C-4471-9C5C-38511E2B7282}" type="pres">
+      <dgm:prSet presAssocID="{0A004E0A-132E-498B-BD09-A2E91A550276}" presName="spaceRect" presStyleCnt="0"/>
+      <dgm:spPr/>
+    </dgm:pt>
+    <dgm:pt modelId="{343E3C84-C2BB-4FF8-9AEE-0A4FEAFED655}" type="pres">
+      <dgm:prSet presAssocID="{0A004E0A-132E-498B-BD09-A2E91A550276}" presName="parTx" presStyleLbl="revTx" presStyleIdx="1" presStyleCnt="6">
+        <dgm:presLayoutVars>
+          <dgm:chMax val="0"/>
+          <dgm:chPref val="0"/>
+        </dgm:presLayoutVars>
+      </dgm:prSet>
+      <dgm:spPr/>
+    </dgm:pt>
+    <dgm:pt modelId="{6A47D5DA-A201-4646-BD6C-DAE34DD71232}" type="pres">
+      <dgm:prSet presAssocID="{CCCCA724-6707-402C-8A65-002ADC9A5AE1}" presName="sibTrans" presStyleCnt="0"/>
+      <dgm:spPr/>
+    </dgm:pt>
+    <dgm:pt modelId="{AD3D4D7A-03A4-426E-8FAE-A83FC45CE159}" type="pres">
+      <dgm:prSet presAssocID="{1977887C-AB74-4E1D-B3DE-BBC3816A122D}" presName="compNode" presStyleCnt="0"/>
+      <dgm:spPr/>
+    </dgm:pt>
+    <dgm:pt modelId="{50559EEF-7FE4-4135-802D-75A852885540}" type="pres">
+      <dgm:prSet presAssocID="{1977887C-AB74-4E1D-B3DE-BBC3816A122D}" presName="bgRect" presStyleLbl="bgShp" presStyleIdx="2" presStyleCnt="6"/>
+      <dgm:spPr/>
+    </dgm:pt>
+    <dgm:pt modelId="{746D16A7-D527-4D2A-97D2-F9E327DD352B}" type="pres">
+      <dgm:prSet presAssocID="{1977887C-AB74-4E1D-B3DE-BBC3816A122D}" presName="iconRect" presStyleLbl="node1" presStyleIdx="2" presStyleCnt="6"/>
+      <dgm:spPr>
+        <a:blipFill>
+          <a:blip xmlns:r="http://schemas.openxmlformats.org/officeDocument/2006/relationships" r:embed="rId5">
+            <a:extLst>
+              <a:ext uri="{28A0092B-C50C-407E-A947-70E740481C1C}">
+                <a14:useLocalDpi xmlns:a14="http://schemas.microsoft.com/office/drawing/2010/main" val="0"/>
+              </a:ext>
+              <a:ext uri="{96DAC541-7B7A-43D3-8B79-37D633B846F1}">
+                <asvg:svgBlip xmlns:asvg="http://schemas.microsoft.com/office/drawing/2016/SVG/main" r:embed="rId6"/>
+              </a:ext>
+            </a:extLst>
+          </a:blip>
+          <a:stretch>
+            <a:fillRect/>
+          </a:stretch>
+        </a:blipFill>
+        <a:ln>
+          <a:noFill/>
+        </a:ln>
+      </dgm:spPr>
+      <dgm:extLst>
+        <a:ext uri="{E40237B7-FDA0-4F09-8148-C483321AD2D9}">
+          <dgm14:cNvPr xmlns:dgm14="http://schemas.microsoft.com/office/drawing/2010/diagram" id="0" name="" descr="Lightbulb"/>
+        </a:ext>
+      </dgm:extLst>
+    </dgm:pt>
+    <dgm:pt modelId="{6A5F29BD-819A-4E3A-BACF-70E0DF7AF28A}" type="pres">
+      <dgm:prSet presAssocID="{1977887C-AB74-4E1D-B3DE-BBC3816A122D}" presName="spaceRect" presStyleCnt="0"/>
+      <dgm:spPr/>
+    </dgm:pt>
+    <dgm:pt modelId="{6B2A3384-ADA7-4E45-A1F6-CFD120D5B353}" type="pres">
+      <dgm:prSet presAssocID="{1977887C-AB74-4E1D-B3DE-BBC3816A122D}" presName="parTx" presStyleLbl="revTx" presStyleIdx="2" presStyleCnt="6">
+        <dgm:presLayoutVars>
+          <dgm:chMax val="0"/>
+          <dgm:chPref val="0"/>
+        </dgm:presLayoutVars>
+      </dgm:prSet>
+      <dgm:spPr/>
+    </dgm:pt>
+    <dgm:pt modelId="{935C5F15-7978-4E12-9562-5737F3496129}" type="pres">
+      <dgm:prSet presAssocID="{D9381459-E9CA-4109-A545-9E5428643B6B}" presName="sibTrans" presStyleCnt="0"/>
+      <dgm:spPr/>
+    </dgm:pt>
+    <dgm:pt modelId="{A0E60CCE-4D69-47ED-87A2-0AC096956D32}" type="pres">
+      <dgm:prSet presAssocID="{4BB839E4-309A-41E3-8328-8A4D91F3254C}" presName="compNode" presStyleCnt="0"/>
+      <dgm:spPr/>
+    </dgm:pt>
+    <dgm:pt modelId="{5C5B1C79-5FD0-4696-A454-FFD93F4DF835}" type="pres">
+      <dgm:prSet presAssocID="{4BB839E4-309A-41E3-8328-8A4D91F3254C}" presName="bgRect" presStyleLbl="bgShp" presStyleIdx="3" presStyleCnt="6"/>
+      <dgm:spPr/>
+    </dgm:pt>
+    <dgm:pt modelId="{AEEAA5F2-895D-42F3-9C12-BCCD9A5CF247}" type="pres">
+      <dgm:prSet presAssocID="{4BB839E4-309A-41E3-8328-8A4D91F3254C}" presName="iconRect" presStyleLbl="node1" presStyleIdx="3" presStyleCnt="6"/>
+      <dgm:spPr>
+        <a:blipFill>
+          <a:blip xmlns:r="http://schemas.openxmlformats.org/officeDocument/2006/relationships" r:embed="rId7">
+            <a:extLst>
+              <a:ext uri="{28A0092B-C50C-407E-A947-70E740481C1C}">
+                <a14:useLocalDpi xmlns:a14="http://schemas.microsoft.com/office/drawing/2010/main" val="0"/>
+              </a:ext>
+              <a:ext uri="{96DAC541-7B7A-43D3-8B79-37D633B846F1}">
+                <asvg:svgBlip xmlns:asvg="http://schemas.microsoft.com/office/drawing/2016/SVG/main" r:embed="rId8"/>
+              </a:ext>
+            </a:extLst>
+          </a:blip>
+          <a:stretch>
+            <a:fillRect/>
+          </a:stretch>
+        </a:blipFill>
+        <a:ln>
+          <a:noFill/>
+        </a:ln>
+      </dgm:spPr>
+      <dgm:extLst>
+        <a:ext uri="{E40237B7-FDA0-4F09-8148-C483321AD2D9}">
+          <dgm14:cNvPr xmlns:dgm14="http://schemas.microsoft.com/office/drawing/2010/diagram" id="0" name="" descr="Irritant"/>
+        </a:ext>
+      </dgm:extLst>
+    </dgm:pt>
+    <dgm:pt modelId="{B4CF7937-259A-4802-AC9C-CE88FFF1F580}" type="pres">
+      <dgm:prSet presAssocID="{4BB839E4-309A-41E3-8328-8A4D91F3254C}" presName="spaceRect" presStyleCnt="0"/>
+      <dgm:spPr/>
+    </dgm:pt>
+    <dgm:pt modelId="{4A1F8146-9E05-4165-8CD2-3B72AFEB9874}" type="pres">
+      <dgm:prSet presAssocID="{4BB839E4-309A-41E3-8328-8A4D91F3254C}" presName="parTx" presStyleLbl="revTx" presStyleIdx="3" presStyleCnt="6">
+        <dgm:presLayoutVars>
+          <dgm:chMax val="0"/>
+          <dgm:chPref val="0"/>
+        </dgm:presLayoutVars>
+      </dgm:prSet>
+      <dgm:spPr/>
+    </dgm:pt>
+    <dgm:pt modelId="{611613F7-F807-4B33-9C70-0275D1FE9E52}" type="pres">
+      <dgm:prSet presAssocID="{FCBD1832-E53B-4C84-9B31-7CD3519AC083}" presName="sibTrans" presStyleCnt="0"/>
+      <dgm:spPr/>
+    </dgm:pt>
+    <dgm:pt modelId="{46E3C6E0-E493-49F0-B48A-4BFF78092EAD}" type="pres">
+      <dgm:prSet presAssocID="{3E883DFA-9D6D-485F-8C43-1819B38582E9}" presName="compNode" presStyleCnt="0"/>
+      <dgm:spPr/>
+    </dgm:pt>
+    <dgm:pt modelId="{2AC38445-E862-4018-9132-8B005DCE8038}" type="pres">
+      <dgm:prSet presAssocID="{3E883DFA-9D6D-485F-8C43-1819B38582E9}" presName="bgRect" presStyleLbl="bgShp" presStyleIdx="4" presStyleCnt="6"/>
+      <dgm:spPr/>
+    </dgm:pt>
+    <dgm:pt modelId="{45F9E6BC-D948-4749-9AE4-94D5D334BB72}" type="pres">
+      <dgm:prSet presAssocID="{3E883DFA-9D6D-485F-8C43-1819B38582E9}" presName="iconRect" presStyleLbl="node1" presStyleIdx="4" presStyleCnt="6"/>
+      <dgm:spPr>
+        <a:blipFill>
+          <a:blip xmlns:r="http://schemas.openxmlformats.org/officeDocument/2006/relationships" r:embed="rId9">
+            <a:extLst>
+              <a:ext uri="{28A0092B-C50C-407E-A947-70E740481C1C}">
+                <a14:useLocalDpi xmlns:a14="http://schemas.microsoft.com/office/drawing/2010/main" val="0"/>
+              </a:ext>
+              <a:ext uri="{96DAC541-7B7A-43D3-8B79-37D633B846F1}">
+                <asvg:svgBlip xmlns:asvg="http://schemas.microsoft.com/office/drawing/2016/SVG/main" r:embed="rId10"/>
+              </a:ext>
+            </a:extLst>
+          </a:blip>
+          <a:stretch>
+            <a:fillRect/>
+          </a:stretch>
+        </a:blipFill>
+        <a:ln>
+          <a:noFill/>
+        </a:ln>
+      </dgm:spPr>
+      <dgm:extLst>
+        <a:ext uri="{E40237B7-FDA0-4F09-8148-C483321AD2D9}">
+          <dgm14:cNvPr xmlns:dgm14="http://schemas.microsoft.com/office/drawing/2010/diagram" id="0" name="" descr="Disk"/>
+        </a:ext>
+      </dgm:extLst>
+    </dgm:pt>
+    <dgm:pt modelId="{BF27EE40-F6D2-4583-B65A-A230605C0258}" type="pres">
+      <dgm:prSet presAssocID="{3E883DFA-9D6D-485F-8C43-1819B38582E9}" presName="spaceRect" presStyleCnt="0"/>
+      <dgm:spPr/>
+    </dgm:pt>
+    <dgm:pt modelId="{F825BD00-9EE7-49EC-BE4D-84B7F641D966}" type="pres">
+      <dgm:prSet presAssocID="{3E883DFA-9D6D-485F-8C43-1819B38582E9}" presName="parTx" presStyleLbl="revTx" presStyleIdx="4" presStyleCnt="6">
+        <dgm:presLayoutVars>
+          <dgm:chMax val="0"/>
+          <dgm:chPref val="0"/>
+        </dgm:presLayoutVars>
+      </dgm:prSet>
+      <dgm:spPr/>
+    </dgm:pt>
+    <dgm:pt modelId="{29642E87-3C7A-4D74-B24A-7DF89E6EA5EC}" type="pres">
+      <dgm:prSet presAssocID="{8C6F0A60-2E38-4F1C-87B1-616AFCD73952}" presName="sibTrans" presStyleCnt="0"/>
+      <dgm:spPr/>
+    </dgm:pt>
+    <dgm:pt modelId="{EF69E85E-CCBF-4617-B21E-91B63F46FCA1}" type="pres">
+      <dgm:prSet presAssocID="{466FDE4F-1B3E-48FE-96DF-65EDCBA7401C}" presName="compNode" presStyleCnt="0"/>
+      <dgm:spPr/>
+    </dgm:pt>
+    <dgm:pt modelId="{EAE309C7-70D7-45D9-9665-71F7ECAACF8F}" type="pres">
+      <dgm:prSet presAssocID="{466FDE4F-1B3E-48FE-96DF-65EDCBA7401C}" presName="bgRect" presStyleLbl="bgShp" presStyleIdx="5" presStyleCnt="6"/>
+      <dgm:spPr/>
+    </dgm:pt>
+    <dgm:pt modelId="{19D60BDE-9529-4EAB-B8AC-106CF495B81C}" type="pres">
+      <dgm:prSet presAssocID="{466FDE4F-1B3E-48FE-96DF-65EDCBA7401C}" presName="iconRect" presStyleLbl="node1" presStyleIdx="5" presStyleCnt="6"/>
+      <dgm:spPr>
+        <a:blipFill>
+          <a:blip xmlns:r="http://schemas.openxmlformats.org/officeDocument/2006/relationships" r:embed="rId11">
+            <a:extLst>
+              <a:ext uri="{28A0092B-C50C-407E-A947-70E740481C1C}">
+                <a14:useLocalDpi xmlns:a14="http://schemas.microsoft.com/office/drawing/2010/main" val="0"/>
+              </a:ext>
+              <a:ext uri="{96DAC541-7B7A-43D3-8B79-37D633B846F1}">
+                <asvg:svgBlip xmlns:asvg="http://schemas.microsoft.com/office/drawing/2016/SVG/main" r:embed="rId12"/>
+              </a:ext>
+            </a:extLst>
+          </a:blip>
+          <a:stretch>
+            <a:fillRect/>
+          </a:stretch>
+        </a:blipFill>
+        <a:ln>
+          <a:noFill/>
+        </a:ln>
+      </dgm:spPr>
+      <dgm:extLst>
+        <a:ext uri="{E40237B7-FDA0-4F09-8148-C483321AD2D9}">
+          <dgm14:cNvPr xmlns:dgm14="http://schemas.microsoft.com/office/drawing/2010/diagram" id="0" name="" descr="Calculator"/>
+        </a:ext>
+      </dgm:extLst>
+    </dgm:pt>
+    <dgm:pt modelId="{B0D4B8E2-67A2-43E9-B1DA-93FDFCA3FE83}" type="pres">
+      <dgm:prSet presAssocID="{466FDE4F-1B3E-48FE-96DF-65EDCBA7401C}" presName="spaceRect" presStyleCnt="0"/>
+      <dgm:spPr/>
+    </dgm:pt>
+    <dgm:pt modelId="{8C3770C9-8795-4352-A16A-56A268FA1C2F}" type="pres">
+      <dgm:prSet presAssocID="{466FDE4F-1B3E-48FE-96DF-65EDCBA7401C}" presName="parTx" presStyleLbl="revTx" presStyleIdx="5" presStyleCnt="6">
+        <dgm:presLayoutVars>
+          <dgm:chMax val="0"/>
+          <dgm:chPref val="0"/>
+        </dgm:presLayoutVars>
+      </dgm:prSet>
+      <dgm:spPr/>
+    </dgm:pt>
+  </dgm:ptLst>
+  <dgm:cxnLst>
+    <dgm:cxn modelId="{11EA600C-8F0E-49B2-ABD1-108C8C853584}" type="presOf" srcId="{4BB839E4-309A-41E3-8328-8A4D91F3254C}" destId="{4A1F8146-9E05-4165-8CD2-3B72AFEB9874}" srcOrd="0" destOrd="0" presId="urn:microsoft.com/office/officeart/2018/2/layout/IconVerticalSolidList"/>
+    <dgm:cxn modelId="{7D236E39-4D49-4105-8C30-B6B84CA580F7}" type="presOf" srcId="{5155CA6A-1D70-4F88-916F-CB235E585B55}" destId="{0FB8262B-5D5B-4E45-B7C4-C43436F6A838}" srcOrd="0" destOrd="0" presId="urn:microsoft.com/office/officeart/2018/2/layout/IconVerticalSolidList"/>
+    <dgm:cxn modelId="{109E5654-8E0F-464F-98C3-6F70AC675E7E}" srcId="{5155CA6A-1D70-4F88-916F-CB235E585B55}" destId="{C497D504-C13D-479C-9E01-BF3B98CEDD5F}" srcOrd="0" destOrd="0" parTransId="{17CD80BA-91F6-43B3-9BC4-5528EB34F1F9}" sibTransId="{2E7F1DFB-F98D-43C9-88BD-08737B47D94D}"/>
+    <dgm:cxn modelId="{12B34A56-470F-4760-A99E-B2607C435F7C}" type="presOf" srcId="{466FDE4F-1B3E-48FE-96DF-65EDCBA7401C}" destId="{8C3770C9-8795-4352-A16A-56A268FA1C2F}" srcOrd="0" destOrd="0" presId="urn:microsoft.com/office/officeart/2018/2/layout/IconVerticalSolidList"/>
+    <dgm:cxn modelId="{7879CD8B-6679-413C-BF03-866920420973}" type="presOf" srcId="{1977887C-AB74-4E1D-B3DE-BBC3816A122D}" destId="{6B2A3384-ADA7-4E45-A1F6-CFD120D5B353}" srcOrd="0" destOrd="0" presId="urn:microsoft.com/office/officeart/2018/2/layout/IconVerticalSolidList"/>
+    <dgm:cxn modelId="{38CA6790-BDB0-4283-B8E5-0B295E5ADDEE}" srcId="{5155CA6A-1D70-4F88-916F-CB235E585B55}" destId="{466FDE4F-1B3E-48FE-96DF-65EDCBA7401C}" srcOrd="5" destOrd="0" parTransId="{7997993F-0664-4A04-9DB6-A75D7062927B}" sibTransId="{E6E1A9C2-0B32-41A6-9C86-019513DAB54A}"/>
+    <dgm:cxn modelId="{1D04369A-8BAF-4B72-A4EF-13FF5BF8C15C}" type="presOf" srcId="{0A004E0A-132E-498B-BD09-A2E91A550276}" destId="{343E3C84-C2BB-4FF8-9AEE-0A4FEAFED655}" srcOrd="0" destOrd="0" presId="urn:microsoft.com/office/officeart/2018/2/layout/IconVerticalSolidList"/>
+    <dgm:cxn modelId="{940A509F-A631-40C2-BD4D-E5902D948EFE}" srcId="{5155CA6A-1D70-4F88-916F-CB235E585B55}" destId="{1977887C-AB74-4E1D-B3DE-BBC3816A122D}" srcOrd="2" destOrd="0" parTransId="{5AA00BAD-0218-4D51-B9BB-BD94F6D662EF}" sibTransId="{D9381459-E9CA-4109-A545-9E5428643B6B}"/>
+    <dgm:cxn modelId="{C4164FAB-DD94-403B-AA3B-64851B7382C1}" srcId="{5155CA6A-1D70-4F88-916F-CB235E585B55}" destId="{4BB839E4-309A-41E3-8328-8A4D91F3254C}" srcOrd="3" destOrd="0" parTransId="{7477CAC1-549F-4C1F-BF90-A9311FA6F264}" sibTransId="{FCBD1832-E53B-4C84-9B31-7CD3519AC083}"/>
+    <dgm:cxn modelId="{8415C7B0-FD34-4C9B-8ECA-73DE7A4BBC18}" type="presOf" srcId="{C497D504-C13D-479C-9E01-BF3B98CEDD5F}" destId="{7A94F198-2DBF-472D-8903-E844F42EC443}" srcOrd="0" destOrd="0" presId="urn:microsoft.com/office/officeart/2018/2/layout/IconVerticalSolidList"/>
+    <dgm:cxn modelId="{B3FAB9D0-6A01-4934-B524-5BAF8483D750}" srcId="{5155CA6A-1D70-4F88-916F-CB235E585B55}" destId="{0A004E0A-132E-498B-BD09-A2E91A550276}" srcOrd="1" destOrd="0" parTransId="{753A5306-497A-488D-B97C-D051A04F4E03}" sibTransId="{CCCCA724-6707-402C-8A65-002ADC9A5AE1}"/>
+    <dgm:cxn modelId="{BB9BA3D4-A427-48BE-AFBB-024E2DD8DDD7}" type="presOf" srcId="{3E883DFA-9D6D-485F-8C43-1819B38582E9}" destId="{F825BD00-9EE7-49EC-BE4D-84B7F641D966}" srcOrd="0" destOrd="0" presId="urn:microsoft.com/office/officeart/2018/2/layout/IconVerticalSolidList"/>
+    <dgm:cxn modelId="{06A05DDA-7873-4E1A-844C-68E5E0E479E0}" srcId="{5155CA6A-1D70-4F88-916F-CB235E585B55}" destId="{3E883DFA-9D6D-485F-8C43-1819B38582E9}" srcOrd="4" destOrd="0" parTransId="{A249E2FD-D888-4622-BD06-276E987E9F7C}" sibTransId="{8C6F0A60-2E38-4F1C-87B1-616AFCD73952}"/>
+    <dgm:cxn modelId="{567C9582-EE68-4C82-878B-BB0CB12F082E}" type="presParOf" srcId="{0FB8262B-5D5B-4E45-B7C4-C43436F6A838}" destId="{F9B1C5CE-2807-464F-8625-319B849ECCCA}" srcOrd="0" destOrd="0" presId="urn:microsoft.com/office/officeart/2018/2/layout/IconVerticalSolidList"/>
+    <dgm:cxn modelId="{40738AE9-8766-4471-9993-0883BDB6144A}" type="presParOf" srcId="{F9B1C5CE-2807-464F-8625-319B849ECCCA}" destId="{6985E87B-B784-4ED1-9DDE-CA550B24DCC7}" srcOrd="0" destOrd="0" presId="urn:microsoft.com/office/officeart/2018/2/layout/IconVerticalSolidList"/>
+    <dgm:cxn modelId="{B9EF5CB2-DEB1-4754-A23B-45385728BC19}" type="presParOf" srcId="{F9B1C5CE-2807-464F-8625-319B849ECCCA}" destId="{E65168C7-7CC6-44C7-9FF9-14DE36BC4509}" srcOrd="1" destOrd="0" presId="urn:microsoft.com/office/officeart/2018/2/layout/IconVerticalSolidList"/>
+    <dgm:cxn modelId="{BC032A67-1ED1-4C2C-ABE3-2AA1447AF249}" type="presParOf" srcId="{F9B1C5CE-2807-464F-8625-319B849ECCCA}" destId="{7BB42803-0821-4288-BA75-98B1AFB07EAE}" srcOrd="2" destOrd="0" presId="urn:microsoft.com/office/officeart/2018/2/layout/IconVerticalSolidList"/>
+    <dgm:cxn modelId="{4A83B309-F103-4B72-BCAD-9CBA244B92E4}" type="presParOf" srcId="{F9B1C5CE-2807-464F-8625-319B849ECCCA}" destId="{7A94F198-2DBF-472D-8903-E844F42EC443}" srcOrd="3" destOrd="0" presId="urn:microsoft.com/office/officeart/2018/2/layout/IconVerticalSolidList"/>
+    <dgm:cxn modelId="{AFEBC919-957C-43F4-8FFB-DD9478F5F6C5}" type="presParOf" srcId="{0FB8262B-5D5B-4E45-B7C4-C43436F6A838}" destId="{2318FB9F-9BC0-4E20-808F-51C7606E5E33}" srcOrd="1" destOrd="0" presId="urn:microsoft.com/office/officeart/2018/2/layout/IconVerticalSolidList"/>
+    <dgm:cxn modelId="{11B42EAD-0069-468A-A54C-2842C9D91B8E}" type="presParOf" srcId="{0FB8262B-5D5B-4E45-B7C4-C43436F6A838}" destId="{05223F07-F757-4881-83B9-24278D11CAE5}" srcOrd="2" destOrd="0" presId="urn:microsoft.com/office/officeart/2018/2/layout/IconVerticalSolidList"/>
+    <dgm:cxn modelId="{F6A8C24E-BF34-44A2-9160-EE5BDE5857A5}" type="presParOf" srcId="{05223F07-F757-4881-83B9-24278D11CAE5}" destId="{9BB550AD-3D84-4F49-AC8D-5CCAA22AD631}" srcOrd="0" destOrd="0" presId="urn:microsoft.com/office/officeart/2018/2/layout/IconVerticalSolidList"/>
+    <dgm:cxn modelId="{E44FCDBB-271E-441E-B12D-7822FCCE40DC}" type="presParOf" srcId="{05223F07-F757-4881-83B9-24278D11CAE5}" destId="{9A3F33B1-5943-49A0-85C2-589113AD5F8D}" srcOrd="1" destOrd="0" presId="urn:microsoft.com/office/officeart/2018/2/layout/IconVerticalSolidList"/>
+    <dgm:cxn modelId="{D4A86E67-AFF5-46CD-B795-62696DC47E28}" type="presParOf" srcId="{05223F07-F757-4881-83B9-24278D11CAE5}" destId="{8240CB53-644C-4471-9C5C-38511E2B7282}" srcOrd="2" destOrd="0" presId="urn:microsoft.com/office/officeart/2018/2/layout/IconVerticalSolidList"/>
+    <dgm:cxn modelId="{2125A79C-ED05-4C25-B9A5-E0C35093AB80}" type="presParOf" srcId="{05223F07-F757-4881-83B9-24278D11CAE5}" destId="{343E3C84-C2BB-4FF8-9AEE-0A4FEAFED655}" srcOrd="3" destOrd="0" presId="urn:microsoft.com/office/officeart/2018/2/layout/IconVerticalSolidList"/>
+    <dgm:cxn modelId="{59A4556C-F52B-4253-963F-46CBAC90EDEC}" type="presParOf" srcId="{0FB8262B-5D5B-4E45-B7C4-C43436F6A838}" destId="{6A47D5DA-A201-4646-BD6C-DAE34DD71232}" srcOrd="3" destOrd="0" presId="urn:microsoft.com/office/officeart/2018/2/layout/IconVerticalSolidList"/>
+    <dgm:cxn modelId="{56343E70-387C-4A2B-A84C-1C8ACA37FDB4}" type="presParOf" srcId="{0FB8262B-5D5B-4E45-B7C4-C43436F6A838}" destId="{AD3D4D7A-03A4-426E-8FAE-A83FC45CE159}" srcOrd="4" destOrd="0" presId="urn:microsoft.com/office/officeart/2018/2/layout/IconVerticalSolidList"/>
+    <dgm:cxn modelId="{638744B4-1A4D-43B7-BC46-B9117D99B9A9}" type="presParOf" srcId="{AD3D4D7A-03A4-426E-8FAE-A83FC45CE159}" destId="{50559EEF-7FE4-4135-802D-75A852885540}" srcOrd="0" destOrd="0" presId="urn:microsoft.com/office/officeart/2018/2/layout/IconVerticalSolidList"/>
+    <dgm:cxn modelId="{2843991A-9CC0-443A-B65D-EE6DBF8A680F}" type="presParOf" srcId="{AD3D4D7A-03A4-426E-8FAE-A83FC45CE159}" destId="{746D16A7-D527-4D2A-97D2-F9E327DD352B}" srcOrd="1" destOrd="0" presId="urn:microsoft.com/office/officeart/2018/2/layout/IconVerticalSolidList"/>
+    <dgm:cxn modelId="{014FAAE6-C2E6-437B-9BA9-27401350079E}" type="presParOf" srcId="{AD3D4D7A-03A4-426E-8FAE-A83FC45CE159}" destId="{6A5F29BD-819A-4E3A-BACF-70E0DF7AF28A}" srcOrd="2" destOrd="0" presId="urn:microsoft.com/office/officeart/2018/2/layout/IconVerticalSolidList"/>
+    <dgm:cxn modelId="{7DEB4A5A-5648-4468-BB0C-275283C4A600}" type="presParOf" srcId="{AD3D4D7A-03A4-426E-8FAE-A83FC45CE159}" destId="{6B2A3384-ADA7-4E45-A1F6-CFD120D5B353}" srcOrd="3" destOrd="0" presId="urn:microsoft.com/office/officeart/2018/2/layout/IconVerticalSolidList"/>
+    <dgm:cxn modelId="{E4F1E532-D48B-4856-960B-F486CB94F62A}" type="presParOf" srcId="{0FB8262B-5D5B-4E45-B7C4-C43436F6A838}" destId="{935C5F15-7978-4E12-9562-5737F3496129}" srcOrd="5" destOrd="0" presId="urn:microsoft.com/office/officeart/2018/2/layout/IconVerticalSolidList"/>
+    <dgm:cxn modelId="{AFEFFC9D-BE5E-4E93-95E4-87093F50DAC7}" type="presParOf" srcId="{0FB8262B-5D5B-4E45-B7C4-C43436F6A838}" destId="{A0E60CCE-4D69-47ED-87A2-0AC096956D32}" srcOrd="6" destOrd="0" presId="urn:microsoft.com/office/officeart/2018/2/layout/IconVerticalSolidList"/>
+    <dgm:cxn modelId="{7162F2A0-3838-417C-A7E5-478AEE5EB54F}" type="presParOf" srcId="{A0E60CCE-4D69-47ED-87A2-0AC096956D32}" destId="{5C5B1C79-5FD0-4696-A454-FFD93F4DF835}" srcOrd="0" destOrd="0" presId="urn:microsoft.com/office/officeart/2018/2/layout/IconVerticalSolidList"/>
+    <dgm:cxn modelId="{F900A7E1-1095-4002-B7C0-5432F58EEFE4}" type="presParOf" srcId="{A0E60CCE-4D69-47ED-87A2-0AC096956D32}" destId="{AEEAA5F2-895D-42F3-9C12-BCCD9A5CF247}" srcOrd="1" destOrd="0" presId="urn:microsoft.com/office/officeart/2018/2/layout/IconVerticalSolidList"/>
+    <dgm:cxn modelId="{5D765A81-F787-474B-BD3B-0BB3F4CDABFB}" type="presParOf" srcId="{A0E60CCE-4D69-47ED-87A2-0AC096956D32}" destId="{B4CF7937-259A-4802-AC9C-CE88FFF1F580}" srcOrd="2" destOrd="0" presId="urn:microsoft.com/office/officeart/2018/2/layout/IconVerticalSolidList"/>
+    <dgm:cxn modelId="{A948B986-68AF-40A8-A781-FAAD33311B6F}" type="presParOf" srcId="{A0E60CCE-4D69-47ED-87A2-0AC096956D32}" destId="{4A1F8146-9E05-4165-8CD2-3B72AFEB9874}" srcOrd="3" destOrd="0" presId="urn:microsoft.com/office/officeart/2018/2/layout/IconVerticalSolidList"/>
+    <dgm:cxn modelId="{F886BA02-0EA6-4B2E-B408-2C3AFE26F6BD}" type="presParOf" srcId="{0FB8262B-5D5B-4E45-B7C4-C43436F6A838}" destId="{611613F7-F807-4B33-9C70-0275D1FE9E52}" srcOrd="7" destOrd="0" presId="urn:microsoft.com/office/officeart/2018/2/layout/IconVerticalSolidList"/>
+    <dgm:cxn modelId="{AFD2CB01-2614-4E7E-A2A9-3742572FA9FB}" type="presParOf" srcId="{0FB8262B-5D5B-4E45-B7C4-C43436F6A838}" destId="{46E3C6E0-E493-49F0-B48A-4BFF78092EAD}" srcOrd="8" destOrd="0" presId="urn:microsoft.com/office/officeart/2018/2/layout/IconVerticalSolidList"/>
+    <dgm:cxn modelId="{500368FA-E4CB-43C7-A43C-CAEB9688B08E}" type="presParOf" srcId="{46E3C6E0-E493-49F0-B48A-4BFF78092EAD}" destId="{2AC38445-E862-4018-9132-8B005DCE8038}" srcOrd="0" destOrd="0" presId="urn:microsoft.com/office/officeart/2018/2/layout/IconVerticalSolidList"/>
+    <dgm:cxn modelId="{17A12629-D975-488E-BAE9-B1BF7F336904}" type="presParOf" srcId="{46E3C6E0-E493-49F0-B48A-4BFF78092EAD}" destId="{45F9E6BC-D948-4749-9AE4-94D5D334BB72}" srcOrd="1" destOrd="0" presId="urn:microsoft.com/office/officeart/2018/2/layout/IconVerticalSolidList"/>
+    <dgm:cxn modelId="{7490D5C8-DFFA-4C18-B5DC-FEA4768ABFEA}" type="presParOf" srcId="{46E3C6E0-E493-49F0-B48A-4BFF78092EAD}" destId="{BF27EE40-F6D2-4583-B65A-A230605C0258}" srcOrd="2" destOrd="0" presId="urn:microsoft.com/office/officeart/2018/2/layout/IconVerticalSolidList"/>
+    <dgm:cxn modelId="{227C9DDC-84E0-4B63-9AD1-F664881CD9C3}" type="presParOf" srcId="{46E3C6E0-E493-49F0-B48A-4BFF78092EAD}" destId="{F825BD00-9EE7-49EC-BE4D-84B7F641D966}" srcOrd="3" destOrd="0" presId="urn:microsoft.com/office/officeart/2018/2/layout/IconVerticalSolidList"/>
+    <dgm:cxn modelId="{B1F20F94-A44A-4EAB-9495-D01E94F46D4E}" type="presParOf" srcId="{0FB8262B-5D5B-4E45-B7C4-C43436F6A838}" destId="{29642E87-3C7A-4D74-B24A-7DF89E6EA5EC}" srcOrd="9" destOrd="0" presId="urn:microsoft.com/office/officeart/2018/2/layout/IconVerticalSolidList"/>
+    <dgm:cxn modelId="{25EA526E-1544-415F-A89D-E57D63C7B133}" type="presParOf" srcId="{0FB8262B-5D5B-4E45-B7C4-C43436F6A838}" destId="{EF69E85E-CCBF-4617-B21E-91B63F46FCA1}" srcOrd="10" destOrd="0" presId="urn:microsoft.com/office/officeart/2018/2/layout/IconVerticalSolidList"/>
+    <dgm:cxn modelId="{C129E9B7-5C82-47AC-ABDF-CD571ED1E33D}" type="presParOf" srcId="{EF69E85E-CCBF-4617-B21E-91B63F46FCA1}" destId="{EAE309C7-70D7-45D9-9665-71F7ECAACF8F}" srcOrd="0" destOrd="0" presId="urn:microsoft.com/office/officeart/2018/2/layout/IconVerticalSolidList"/>
+    <dgm:cxn modelId="{6292DAF0-2495-41FB-B093-D8539B674ADC}" type="presParOf" srcId="{EF69E85E-CCBF-4617-B21E-91B63F46FCA1}" destId="{19D60BDE-9529-4EAB-B8AC-106CF495B81C}" srcOrd="1" destOrd="0" presId="urn:microsoft.com/office/officeart/2018/2/layout/IconVerticalSolidList"/>
+    <dgm:cxn modelId="{0364F16E-B391-4FD5-846B-1347DFA2DAA9}" type="presParOf" srcId="{EF69E85E-CCBF-4617-B21E-91B63F46FCA1}" destId="{B0D4B8E2-67A2-43E9-B1DA-93FDFCA3FE83}" srcOrd="2" destOrd="0" presId="urn:microsoft.com/office/officeart/2018/2/layout/IconVerticalSolidList"/>
+    <dgm:cxn modelId="{FC177683-DE3F-4C76-B644-DEA24ED0D9CA}" type="presParOf" srcId="{EF69E85E-CCBF-4617-B21E-91B63F46FCA1}" destId="{8C3770C9-8795-4352-A16A-56A268FA1C2F}" srcOrd="3" destOrd="0" presId="urn:microsoft.com/office/officeart/2018/2/layout/IconVerticalSolidList"/>
+  </dgm:cxnLst>
+  <dgm:bg/>
+  <dgm:whole/>
+  <dgm:extLst>
+    <a:ext uri="http://schemas.microsoft.com/office/drawing/2008/diagram">
+      <dsp:dataModelExt xmlns:dsp="http://schemas.microsoft.com/office/drawing/2008/diagram" relId="rId6" minVer="http://schemas.openxmlformats.org/drawingml/2006/diagram"/>
+    </a:ext>
+  </dgm:extLst>
+</dgm:dataModel>
+</file>
+
+<file path=ppt/diagrams/drawing1.xml><?xml version="1.0" encoding="utf-8"?>
+<dsp:drawing xmlns:dgm="http://schemas.openxmlformats.org/drawingml/2006/diagram" xmlns:dsp="http://schemas.microsoft.com/office/drawing/2008/diagram" xmlns:a="http://schemas.openxmlformats.org/drawingml/2006/main">
+  <dsp:spTree>
+    <dsp:nvGrpSpPr>
+      <dsp:cNvPr id="0" name=""/>
+      <dsp:cNvGrpSpPr/>
+    </dsp:nvGrpSpPr>
+    <dsp:grpSpPr/>
+    <dsp:sp modelId="{6985E87B-B784-4ED1-9DDE-CA550B24DCC7}">
+      <dsp:nvSpPr>
+        <dsp:cNvPr id="0" name=""/>
+        <dsp:cNvSpPr/>
+      </dsp:nvSpPr>
+      <dsp:spPr>
+        <a:xfrm>
+          <a:off x="0" y="1903"/>
+          <a:ext cx="6513603" cy="811257"/>
+        </a:xfrm>
+        <a:prstGeom prst="roundRect">
+          <a:avLst>
+            <a:gd name="adj" fmla="val 10000"/>
+          </a:avLst>
+        </a:prstGeom>
+        <a:solidFill>
+          <a:schemeClr val="accent2">
+            <a:hueOff val="0"/>
+            <a:satOff val="0"/>
+            <a:lumOff val="0"/>
+            <a:alphaOff val="0"/>
+          </a:schemeClr>
+        </a:solidFill>
+        <a:ln>
+          <a:noFill/>
+        </a:ln>
+        <a:effectLst/>
+      </dsp:spPr>
+      <dsp:style>
+        <a:lnRef idx="0">
+          <a:scrgbClr r="0" g="0" b="0"/>
+        </a:lnRef>
+        <a:fillRef idx="1">
+          <a:scrgbClr r="0" g="0" b="0"/>
+        </a:fillRef>
+        <a:effectRef idx="0">
+          <a:scrgbClr r="0" g="0" b="0"/>
+        </a:effectRef>
+        <a:fontRef idx="minor"/>
+      </dsp:style>
+    </dsp:sp>
+    <dsp:sp modelId="{E65168C7-7CC6-44C7-9FF9-14DE36BC4509}">
+      <dsp:nvSpPr>
+        <dsp:cNvPr id="0" name=""/>
+        <dsp:cNvSpPr/>
+      </dsp:nvSpPr>
+      <dsp:spPr>
+        <a:xfrm>
+          <a:off x="245405" y="184436"/>
+          <a:ext cx="446191" cy="446191"/>
+        </a:xfrm>
+        <a:prstGeom prst="rect">
+          <a:avLst/>
+        </a:prstGeom>
+        <a:blipFill>
+          <a:blip xmlns:r="http://schemas.openxmlformats.org/officeDocument/2006/relationships" r:embed="rId1">
+            <a:extLst>
+              <a:ext uri="{28A0092B-C50C-407E-A947-70E740481C1C}">
+                <a14:useLocalDpi xmlns:a14="http://schemas.microsoft.com/office/drawing/2010/main" val="0"/>
+              </a:ext>
+              <a:ext uri="{96DAC541-7B7A-43D3-8B79-37D633B846F1}">
+                <asvg:svgBlip xmlns:asvg="http://schemas.microsoft.com/office/drawing/2016/SVG/main" r:embed="rId2"/>
+              </a:ext>
+            </a:extLst>
+          </a:blip>
+          <a:stretch>
+            <a:fillRect/>
+          </a:stretch>
+        </a:blipFill>
+        <a:ln w="12700" cap="flat" cmpd="sng" algn="ctr">
+          <a:noFill/>
+          <a:prstDash val="solid"/>
+          <a:miter lim="800000"/>
+        </a:ln>
+        <a:effectLst/>
+      </dsp:spPr>
+      <dsp:style>
+        <a:lnRef idx="2">
+          <a:scrgbClr r="0" g="0" b="0"/>
+        </a:lnRef>
+        <a:fillRef idx="1">
+          <a:scrgbClr r="0" g="0" b="0"/>
+        </a:fillRef>
+        <a:effectRef idx="0">
+          <a:scrgbClr r="0" g="0" b="0"/>
+        </a:effectRef>
+        <a:fontRef idx="minor">
+          <a:schemeClr val="lt1"/>
+        </a:fontRef>
+      </dsp:style>
+    </dsp:sp>
+    <dsp:sp modelId="{7A94F198-2DBF-472D-8903-E844F42EC443}">
+      <dsp:nvSpPr>
+        <dsp:cNvPr id="0" name=""/>
+        <dsp:cNvSpPr/>
+      </dsp:nvSpPr>
+      <dsp:spPr>
+        <a:xfrm>
+          <a:off x="937002" y="1903"/>
+          <a:ext cx="5576601" cy="811257"/>
+        </a:xfrm>
+        <a:prstGeom prst="rect">
+          <a:avLst/>
+        </a:prstGeom>
+        <a:noFill/>
+        <a:ln>
+          <a:noFill/>
+        </a:ln>
+        <a:effectLst/>
+      </dsp:spPr>
+      <dsp:style>
+        <a:lnRef idx="0">
+          <a:scrgbClr r="0" g="0" b="0"/>
+        </a:lnRef>
+        <a:fillRef idx="0">
+          <a:scrgbClr r="0" g="0" b="0"/>
+        </a:fillRef>
+        <a:effectRef idx="0">
+          <a:scrgbClr r="0" g="0" b="0"/>
+        </a:effectRef>
+        <a:fontRef idx="minor"/>
+      </dsp:style>
+      <dsp:txBody>
+        <a:bodyPr spcFirstLastPara="0" vert="horz" wrap="square" lIns="85858" tIns="85858" rIns="85858" bIns="85858" numCol="1" spcCol="1270" anchor="ctr" anchorCtr="0">
+          <a:noAutofit/>
+        </a:bodyPr>
+        <a:lstStyle/>
+        <a:p>
+          <a:pPr marL="0" lvl="0" indent="0" algn="l" defTabSz="844550">
+            <a:lnSpc>
+              <a:spcPct val="90000"/>
+            </a:lnSpc>
+            <a:spcBef>
+              <a:spcPct val="0"/>
+            </a:spcBef>
+            <a:spcAft>
+              <a:spcPct val="35000"/>
+            </a:spcAft>
+            <a:buNone/>
+          </a:pPr>
+          <a:r>
+            <a:rPr lang="en-US" sz="1900" b="1" kern="1200"/>
+            <a:t>Setup</a:t>
+          </a:r>
+          <a:endParaRPr lang="en-US" sz="1900" kern="1200"/>
+        </a:p>
+      </dsp:txBody>
+      <dsp:txXfrm>
+        <a:off x="937002" y="1903"/>
+        <a:ext cx="5576601" cy="811257"/>
+      </dsp:txXfrm>
+    </dsp:sp>
+    <dsp:sp modelId="{9BB550AD-3D84-4F49-AC8D-5CCAA22AD631}">
+      <dsp:nvSpPr>
+        <dsp:cNvPr id="0" name=""/>
+        <dsp:cNvSpPr/>
+      </dsp:nvSpPr>
+      <dsp:spPr>
+        <a:xfrm>
+          <a:off x="0" y="1015975"/>
+          <a:ext cx="6513603" cy="811257"/>
+        </a:xfrm>
+        <a:prstGeom prst="roundRect">
+          <a:avLst>
+            <a:gd name="adj" fmla="val 10000"/>
+          </a:avLst>
+        </a:prstGeom>
+        <a:solidFill>
+          <a:schemeClr val="accent3">
+            <a:hueOff val="0"/>
+            <a:satOff val="0"/>
+            <a:lumOff val="0"/>
+            <a:alphaOff val="0"/>
+          </a:schemeClr>
+        </a:solidFill>
+        <a:ln>
+          <a:noFill/>
+        </a:ln>
+        <a:effectLst/>
+      </dsp:spPr>
+      <dsp:style>
+        <a:lnRef idx="0">
+          <a:scrgbClr r="0" g="0" b="0"/>
+        </a:lnRef>
+        <a:fillRef idx="1">
+          <a:scrgbClr r="0" g="0" b="0"/>
+        </a:fillRef>
+        <a:effectRef idx="0">
+          <a:scrgbClr r="0" g="0" b="0"/>
+        </a:effectRef>
+        <a:fontRef idx="minor"/>
+      </dsp:style>
+    </dsp:sp>
+    <dsp:sp modelId="{9A3F33B1-5943-49A0-85C2-589113AD5F8D}">
+      <dsp:nvSpPr>
+        <dsp:cNvPr id="0" name=""/>
+        <dsp:cNvSpPr/>
+      </dsp:nvSpPr>
+      <dsp:spPr>
+        <a:xfrm>
+          <a:off x="245405" y="1198508"/>
+          <a:ext cx="446191" cy="446191"/>
+        </a:xfrm>
+        <a:prstGeom prst="rect">
+          <a:avLst/>
+        </a:prstGeom>
+        <a:blipFill>
+          <a:blip xmlns:r="http://schemas.openxmlformats.org/officeDocument/2006/relationships" r:embed="rId3">
+            <a:extLst>
+              <a:ext uri="{28A0092B-C50C-407E-A947-70E740481C1C}">
+                <a14:useLocalDpi xmlns:a14="http://schemas.microsoft.com/office/drawing/2010/main" val="0"/>
+              </a:ext>
+              <a:ext uri="{96DAC541-7B7A-43D3-8B79-37D633B846F1}">
+                <asvg:svgBlip xmlns:asvg="http://schemas.microsoft.com/office/drawing/2016/SVG/main" r:embed="rId4"/>
+              </a:ext>
+            </a:extLst>
+          </a:blip>
+          <a:stretch>
+            <a:fillRect/>
+          </a:stretch>
+        </a:blipFill>
+        <a:ln w="12700" cap="flat" cmpd="sng" algn="ctr">
+          <a:noFill/>
+          <a:prstDash val="solid"/>
+          <a:miter lim="800000"/>
+        </a:ln>
+        <a:effectLst/>
+      </dsp:spPr>
+      <dsp:style>
+        <a:lnRef idx="2">
+          <a:scrgbClr r="0" g="0" b="0"/>
+        </a:lnRef>
+        <a:fillRef idx="1">
+          <a:scrgbClr r="0" g="0" b="0"/>
+        </a:fillRef>
+        <a:effectRef idx="0">
+          <a:scrgbClr r="0" g="0" b="0"/>
+        </a:effectRef>
+        <a:fontRef idx="minor">
+          <a:schemeClr val="lt1"/>
+        </a:fontRef>
+      </dsp:style>
+    </dsp:sp>
+    <dsp:sp modelId="{343E3C84-C2BB-4FF8-9AEE-0A4FEAFED655}">
+      <dsp:nvSpPr>
+        <dsp:cNvPr id="0" name=""/>
+        <dsp:cNvSpPr/>
+      </dsp:nvSpPr>
+      <dsp:spPr>
+        <a:xfrm>
+          <a:off x="937002" y="1015975"/>
+          <a:ext cx="5576601" cy="811257"/>
+        </a:xfrm>
+        <a:prstGeom prst="rect">
+          <a:avLst/>
+        </a:prstGeom>
+        <a:noFill/>
+        <a:ln>
+          <a:noFill/>
+        </a:ln>
+        <a:effectLst/>
+      </dsp:spPr>
+      <dsp:style>
+        <a:lnRef idx="0">
+          <a:scrgbClr r="0" g="0" b="0"/>
+        </a:lnRef>
+        <a:fillRef idx="0">
+          <a:scrgbClr r="0" g="0" b="0"/>
+        </a:fillRef>
+        <a:effectRef idx="0">
+          <a:scrgbClr r="0" g="0" b="0"/>
+        </a:effectRef>
+        <a:fontRef idx="minor"/>
+      </dsp:style>
+      <dsp:txBody>
+        <a:bodyPr spcFirstLastPara="0" vert="horz" wrap="square" lIns="85858" tIns="85858" rIns="85858" bIns="85858" numCol="1" spcCol="1270" anchor="ctr" anchorCtr="0">
+          <a:noAutofit/>
+        </a:bodyPr>
+        <a:lstStyle/>
+        <a:p>
+          <a:pPr marL="0" lvl="0" indent="0" algn="l" defTabSz="844550">
+            <a:lnSpc>
+              <a:spcPct val="90000"/>
+            </a:lnSpc>
+            <a:spcBef>
+              <a:spcPct val="0"/>
+            </a:spcBef>
+            <a:spcAft>
+              <a:spcPct val="35000"/>
+            </a:spcAft>
+            <a:buNone/>
+          </a:pPr>
+          <a:r>
+            <a:rPr lang="en-US" sz="1900" b="1" kern="1200" dirty="0"/>
+            <a:t>Take a Skeptical Stance, and Clearly State This Hypothesis</a:t>
+          </a:r>
+          <a:endParaRPr lang="en-US" sz="1900" kern="1200" dirty="0"/>
+        </a:p>
+      </dsp:txBody>
+      <dsp:txXfrm>
+        <a:off x="937002" y="1015975"/>
+        <a:ext cx="5576601" cy="811257"/>
+      </dsp:txXfrm>
+    </dsp:sp>
+    <dsp:sp modelId="{50559EEF-7FE4-4135-802D-75A852885540}">
+      <dsp:nvSpPr>
+        <dsp:cNvPr id="0" name=""/>
+        <dsp:cNvSpPr/>
+      </dsp:nvSpPr>
+      <dsp:spPr>
+        <a:xfrm>
+          <a:off x="0" y="2030048"/>
+          <a:ext cx="6513603" cy="811257"/>
+        </a:xfrm>
+        <a:prstGeom prst="roundRect">
+          <a:avLst>
+            <a:gd name="adj" fmla="val 10000"/>
+          </a:avLst>
+        </a:prstGeom>
+        <a:solidFill>
+          <a:schemeClr val="accent4">
+            <a:hueOff val="0"/>
+            <a:satOff val="0"/>
+            <a:lumOff val="0"/>
+            <a:alphaOff val="0"/>
+          </a:schemeClr>
+        </a:solidFill>
+        <a:ln>
+          <a:noFill/>
+        </a:ln>
+        <a:effectLst/>
+      </dsp:spPr>
+      <dsp:style>
+        <a:lnRef idx="0">
+          <a:scrgbClr r="0" g="0" b="0"/>
+        </a:lnRef>
+        <a:fillRef idx="1">
+          <a:scrgbClr r="0" g="0" b="0"/>
+        </a:fillRef>
+        <a:effectRef idx="0">
+          <a:scrgbClr r="0" g="0" b="0"/>
+        </a:effectRef>
+        <a:fontRef idx="minor"/>
+      </dsp:style>
+    </dsp:sp>
+    <dsp:sp modelId="{746D16A7-D527-4D2A-97D2-F9E327DD352B}">
+      <dsp:nvSpPr>
+        <dsp:cNvPr id="0" name=""/>
+        <dsp:cNvSpPr/>
+      </dsp:nvSpPr>
+      <dsp:spPr>
+        <a:xfrm>
+          <a:off x="245405" y="2212581"/>
+          <a:ext cx="446191" cy="446191"/>
+        </a:xfrm>
+        <a:prstGeom prst="rect">
+          <a:avLst/>
+        </a:prstGeom>
+        <a:blipFill>
+          <a:blip xmlns:r="http://schemas.openxmlformats.org/officeDocument/2006/relationships" r:embed="rId5">
+            <a:extLst>
+              <a:ext uri="{28A0092B-C50C-407E-A947-70E740481C1C}">
+                <a14:useLocalDpi xmlns:a14="http://schemas.microsoft.com/office/drawing/2010/main" val="0"/>
+              </a:ext>
+              <a:ext uri="{96DAC541-7B7A-43D3-8B79-37D633B846F1}">
+                <asvg:svgBlip xmlns:asvg="http://schemas.microsoft.com/office/drawing/2016/SVG/main" r:embed="rId6"/>
+              </a:ext>
+            </a:extLst>
+          </a:blip>
+          <a:stretch>
+            <a:fillRect/>
+          </a:stretch>
+        </a:blipFill>
+        <a:ln w="12700" cap="flat" cmpd="sng" algn="ctr">
+          <a:noFill/>
+          <a:prstDash val="solid"/>
+          <a:miter lim="800000"/>
+        </a:ln>
+        <a:effectLst/>
+      </dsp:spPr>
+      <dsp:style>
+        <a:lnRef idx="2">
+          <a:scrgbClr r="0" g="0" b="0"/>
+        </a:lnRef>
+        <a:fillRef idx="1">
+          <a:scrgbClr r="0" g="0" b="0"/>
+        </a:fillRef>
+        <a:effectRef idx="0">
+          <a:scrgbClr r="0" g="0" b="0"/>
+        </a:effectRef>
+        <a:fontRef idx="minor">
+          <a:schemeClr val="lt1"/>
+        </a:fontRef>
+      </dsp:style>
+    </dsp:sp>
+    <dsp:sp modelId="{6B2A3384-ADA7-4E45-A1F6-CFD120D5B353}">
+      <dsp:nvSpPr>
+        <dsp:cNvPr id="0" name=""/>
+        <dsp:cNvSpPr/>
+      </dsp:nvSpPr>
+      <dsp:spPr>
+        <a:xfrm>
+          <a:off x="937002" y="2030048"/>
+          <a:ext cx="5576601" cy="811257"/>
+        </a:xfrm>
+        <a:prstGeom prst="rect">
+          <a:avLst/>
+        </a:prstGeom>
+        <a:noFill/>
+        <a:ln>
+          <a:noFill/>
+        </a:ln>
+        <a:effectLst/>
+      </dsp:spPr>
+      <dsp:style>
+        <a:lnRef idx="0">
+          <a:scrgbClr r="0" g="0" b="0"/>
+        </a:lnRef>
+        <a:fillRef idx="0">
+          <a:scrgbClr r="0" g="0" b="0"/>
+        </a:fillRef>
+        <a:effectRef idx="0">
+          <a:scrgbClr r="0" g="0" b="0"/>
+        </a:effectRef>
+        <a:fontRef idx="minor"/>
+      </dsp:style>
+      <dsp:txBody>
+        <a:bodyPr spcFirstLastPara="0" vert="horz" wrap="square" lIns="85858" tIns="85858" rIns="85858" bIns="85858" numCol="1" spcCol="1270" anchor="ctr" anchorCtr="0">
+          <a:noAutofit/>
+        </a:bodyPr>
+        <a:lstStyle/>
+        <a:p>
+          <a:pPr marL="0" lvl="0" indent="0" algn="l" defTabSz="844550">
+            <a:lnSpc>
+              <a:spcPct val="90000"/>
+            </a:lnSpc>
+            <a:spcBef>
+              <a:spcPct val="0"/>
+            </a:spcBef>
+            <a:spcAft>
+              <a:spcPct val="35000"/>
+            </a:spcAft>
+            <a:buNone/>
+          </a:pPr>
+          <a:r>
+            <a:rPr lang="en-US" sz="1900" b="1" kern="1200" dirty="0"/>
+            <a:t>Create a Probabilistic Model of the Situation Assuming the Null Hypothesis is True</a:t>
+          </a:r>
+          <a:endParaRPr lang="en-US" sz="1900" kern="1200" dirty="0"/>
+        </a:p>
+      </dsp:txBody>
+      <dsp:txXfrm>
+        <a:off x="937002" y="2030048"/>
+        <a:ext cx="5576601" cy="811257"/>
+      </dsp:txXfrm>
+    </dsp:sp>
+    <dsp:sp modelId="{5C5B1C79-5FD0-4696-A454-FFD93F4DF835}">
+      <dsp:nvSpPr>
+        <dsp:cNvPr id="0" name=""/>
+        <dsp:cNvSpPr/>
+      </dsp:nvSpPr>
+      <dsp:spPr>
+        <a:xfrm>
+          <a:off x="0" y="3044120"/>
+          <a:ext cx="6513603" cy="811257"/>
+        </a:xfrm>
+        <a:prstGeom prst="roundRect">
+          <a:avLst>
+            <a:gd name="adj" fmla="val 10000"/>
+          </a:avLst>
+        </a:prstGeom>
+        <a:solidFill>
+          <a:schemeClr val="accent5">
+            <a:hueOff val="0"/>
+            <a:satOff val="0"/>
+            <a:lumOff val="0"/>
+            <a:alphaOff val="0"/>
+          </a:schemeClr>
+        </a:solidFill>
+        <a:ln>
+          <a:noFill/>
+        </a:ln>
+        <a:effectLst/>
+      </dsp:spPr>
+      <dsp:style>
+        <a:lnRef idx="0">
+          <a:scrgbClr r="0" g="0" b="0"/>
+        </a:lnRef>
+        <a:fillRef idx="1">
+          <a:scrgbClr r="0" g="0" b="0"/>
+        </a:fillRef>
+        <a:effectRef idx="0">
+          <a:scrgbClr r="0" g="0" b="0"/>
+        </a:effectRef>
+        <a:fontRef idx="minor"/>
+      </dsp:style>
+    </dsp:sp>
+    <dsp:sp modelId="{AEEAA5F2-895D-42F3-9C12-BCCD9A5CF247}">
+      <dsp:nvSpPr>
+        <dsp:cNvPr id="0" name=""/>
+        <dsp:cNvSpPr/>
+      </dsp:nvSpPr>
+      <dsp:spPr>
+        <a:xfrm>
+          <a:off x="245405" y="3226653"/>
+          <a:ext cx="446191" cy="446191"/>
+        </a:xfrm>
+        <a:prstGeom prst="rect">
+          <a:avLst/>
+        </a:prstGeom>
+        <a:blipFill>
+          <a:blip xmlns:r="http://schemas.openxmlformats.org/officeDocument/2006/relationships" r:embed="rId7">
+            <a:extLst>
+              <a:ext uri="{28A0092B-C50C-407E-A947-70E740481C1C}">
+                <a14:useLocalDpi xmlns:a14="http://schemas.microsoft.com/office/drawing/2010/main" val="0"/>
+              </a:ext>
+              <a:ext uri="{96DAC541-7B7A-43D3-8B79-37D633B846F1}">
+                <asvg:svgBlip xmlns:asvg="http://schemas.microsoft.com/office/drawing/2016/SVG/main" r:embed="rId8"/>
+              </a:ext>
+            </a:extLst>
+          </a:blip>
+          <a:stretch>
+            <a:fillRect/>
+          </a:stretch>
+        </a:blipFill>
+        <a:ln w="12700" cap="flat" cmpd="sng" algn="ctr">
+          <a:noFill/>
+          <a:prstDash val="solid"/>
+          <a:miter lim="800000"/>
+        </a:ln>
+        <a:effectLst/>
+      </dsp:spPr>
+      <dsp:style>
+        <a:lnRef idx="2">
+          <a:scrgbClr r="0" g="0" b="0"/>
+        </a:lnRef>
+        <a:fillRef idx="1">
+          <a:scrgbClr r="0" g="0" b="0"/>
+        </a:fillRef>
+        <a:effectRef idx="0">
+          <a:scrgbClr r="0" g="0" b="0"/>
+        </a:effectRef>
+        <a:fontRef idx="minor">
+          <a:schemeClr val="lt1"/>
+        </a:fontRef>
+      </dsp:style>
+    </dsp:sp>
+    <dsp:sp modelId="{4A1F8146-9E05-4165-8CD2-3B72AFEB9874}">
+      <dsp:nvSpPr>
+        <dsp:cNvPr id="0" name=""/>
+        <dsp:cNvSpPr/>
+      </dsp:nvSpPr>
+      <dsp:spPr>
+        <a:xfrm>
+          <a:off x="937002" y="3044120"/>
+          <a:ext cx="5576601" cy="811257"/>
+        </a:xfrm>
+        <a:prstGeom prst="rect">
+          <a:avLst/>
+        </a:prstGeom>
+        <a:noFill/>
+        <a:ln>
+          <a:noFill/>
+        </a:ln>
+        <a:effectLst/>
+      </dsp:spPr>
+      <dsp:style>
+        <a:lnRef idx="0">
+          <a:scrgbClr r="0" g="0" b="0"/>
+        </a:lnRef>
+        <a:fillRef idx="0">
+          <a:scrgbClr r="0" g="0" b="0"/>
+        </a:fillRef>
+        <a:effectRef idx="0">
+          <a:scrgbClr r="0" g="0" b="0"/>
+        </a:effectRef>
+        <a:fontRef idx="minor"/>
+      </dsp:style>
+      <dsp:txBody>
+        <a:bodyPr spcFirstLastPara="0" vert="horz" wrap="square" lIns="85858" tIns="85858" rIns="85858" bIns="85858" numCol="1" spcCol="1270" anchor="ctr" anchorCtr="0">
+          <a:noAutofit/>
+        </a:bodyPr>
+        <a:lstStyle/>
+        <a:p>
+          <a:pPr marL="0" lvl="0" indent="0" algn="l" defTabSz="844550">
+            <a:lnSpc>
+              <a:spcPct val="90000"/>
+            </a:lnSpc>
+            <a:spcBef>
+              <a:spcPct val="0"/>
+            </a:spcBef>
+            <a:spcAft>
+              <a:spcPct val="35000"/>
+            </a:spcAft>
+            <a:buNone/>
+          </a:pPr>
+          <a:r>
+            <a:rPr lang="en-US" sz="1900" b="1" kern="1200"/>
+            <a:t>Decide how certain You Need to Be to Reject Your Skeptical Assumption</a:t>
+          </a:r>
+          <a:endParaRPr lang="en-US" sz="1900" kern="1200"/>
+        </a:p>
+      </dsp:txBody>
+      <dsp:txXfrm>
+        <a:off x="937002" y="3044120"/>
+        <a:ext cx="5576601" cy="811257"/>
+      </dsp:txXfrm>
+    </dsp:sp>
+    <dsp:sp modelId="{2AC38445-E862-4018-9132-8B005DCE8038}">
+      <dsp:nvSpPr>
+        <dsp:cNvPr id="0" name=""/>
+        <dsp:cNvSpPr/>
+      </dsp:nvSpPr>
+      <dsp:spPr>
+        <a:xfrm>
+          <a:off x="0" y="4058192"/>
+          <a:ext cx="6513603" cy="811257"/>
+        </a:xfrm>
+        <a:prstGeom prst="roundRect">
+          <a:avLst>
+            <a:gd name="adj" fmla="val 10000"/>
+          </a:avLst>
+        </a:prstGeom>
+        <a:solidFill>
+          <a:schemeClr val="accent6">
+            <a:hueOff val="0"/>
+            <a:satOff val="0"/>
+            <a:lumOff val="0"/>
+            <a:alphaOff val="0"/>
+          </a:schemeClr>
+        </a:solidFill>
+        <a:ln>
+          <a:noFill/>
+        </a:ln>
+        <a:effectLst/>
+      </dsp:spPr>
+      <dsp:style>
+        <a:lnRef idx="0">
+          <a:scrgbClr r="0" g="0" b="0"/>
+        </a:lnRef>
+        <a:fillRef idx="1">
+          <a:scrgbClr r="0" g="0" b="0"/>
+        </a:fillRef>
+        <a:effectRef idx="0">
+          <a:scrgbClr r="0" g="0" b="0"/>
+        </a:effectRef>
+        <a:fontRef idx="minor"/>
+      </dsp:style>
+    </dsp:sp>
+    <dsp:sp modelId="{45F9E6BC-D948-4749-9AE4-94D5D334BB72}">
+      <dsp:nvSpPr>
+        <dsp:cNvPr id="0" name=""/>
+        <dsp:cNvSpPr/>
+      </dsp:nvSpPr>
+      <dsp:spPr>
+        <a:xfrm>
+          <a:off x="245405" y="4240725"/>
+          <a:ext cx="446191" cy="446191"/>
+        </a:xfrm>
+        <a:prstGeom prst="rect">
+          <a:avLst/>
+        </a:prstGeom>
+        <a:blipFill>
+          <a:blip xmlns:r="http://schemas.openxmlformats.org/officeDocument/2006/relationships" r:embed="rId9">
+            <a:extLst>
+              <a:ext uri="{28A0092B-C50C-407E-A947-70E740481C1C}">
+                <a14:useLocalDpi xmlns:a14="http://schemas.microsoft.com/office/drawing/2010/main" val="0"/>
+              </a:ext>
+              <a:ext uri="{96DAC541-7B7A-43D3-8B79-37D633B846F1}">
+                <asvg:svgBlip xmlns:asvg="http://schemas.microsoft.com/office/drawing/2016/SVG/main" r:embed="rId10"/>
+              </a:ext>
+            </a:extLst>
+          </a:blip>
+          <a:stretch>
+            <a:fillRect/>
+          </a:stretch>
+        </a:blipFill>
+        <a:ln w="12700" cap="flat" cmpd="sng" algn="ctr">
+          <a:noFill/>
+          <a:prstDash val="solid"/>
+          <a:miter lim="800000"/>
+        </a:ln>
+        <a:effectLst/>
+      </dsp:spPr>
+      <dsp:style>
+        <a:lnRef idx="2">
+          <a:scrgbClr r="0" g="0" b="0"/>
+        </a:lnRef>
+        <a:fillRef idx="1">
+          <a:scrgbClr r="0" g="0" b="0"/>
+        </a:fillRef>
+        <a:effectRef idx="0">
+          <a:scrgbClr r="0" g="0" b="0"/>
+        </a:effectRef>
+        <a:fontRef idx="minor">
+          <a:schemeClr val="lt1"/>
+        </a:fontRef>
+      </dsp:style>
+    </dsp:sp>
+    <dsp:sp modelId="{F825BD00-9EE7-49EC-BE4D-84B7F641D966}">
+      <dsp:nvSpPr>
+        <dsp:cNvPr id="0" name=""/>
+        <dsp:cNvSpPr/>
+      </dsp:nvSpPr>
+      <dsp:spPr>
+        <a:xfrm>
+          <a:off x="937002" y="4058192"/>
+          <a:ext cx="5576601" cy="811257"/>
+        </a:xfrm>
+        <a:prstGeom prst="rect">
+          <a:avLst/>
+        </a:prstGeom>
+        <a:noFill/>
+        <a:ln>
+          <a:noFill/>
+        </a:ln>
+        <a:effectLst/>
+      </dsp:spPr>
+      <dsp:style>
+        <a:lnRef idx="0">
+          <a:scrgbClr r="0" g="0" b="0"/>
+        </a:lnRef>
+        <a:fillRef idx="0">
+          <a:scrgbClr r="0" g="0" b="0"/>
+        </a:fillRef>
+        <a:effectRef idx="0">
+          <a:scrgbClr r="0" g="0" b="0"/>
+        </a:effectRef>
+        <a:fontRef idx="minor"/>
+      </dsp:style>
+      <dsp:txBody>
+        <a:bodyPr spcFirstLastPara="0" vert="horz" wrap="square" lIns="85858" tIns="85858" rIns="85858" bIns="85858" numCol="1" spcCol="1270" anchor="ctr" anchorCtr="0">
+          <a:noAutofit/>
+        </a:bodyPr>
+        <a:lstStyle/>
+        <a:p>
+          <a:pPr marL="0" lvl="0" indent="0" algn="l" defTabSz="844550">
+            <a:lnSpc>
+              <a:spcPct val="90000"/>
+            </a:lnSpc>
+            <a:spcBef>
+              <a:spcPct val="0"/>
+            </a:spcBef>
+            <a:spcAft>
+              <a:spcPct val="35000"/>
+            </a:spcAft>
+            <a:buNone/>
+          </a:pPr>
+          <a:r>
+            <a:rPr lang="en-US" sz="1900" b="1" kern="1200"/>
+            <a:t>Collect Your Data</a:t>
+          </a:r>
+          <a:endParaRPr lang="en-US" sz="1900" kern="1200"/>
+        </a:p>
+      </dsp:txBody>
+      <dsp:txXfrm>
+        <a:off x="937002" y="4058192"/>
+        <a:ext cx="5576601" cy="811257"/>
+      </dsp:txXfrm>
+    </dsp:sp>
+    <dsp:sp modelId="{EAE309C7-70D7-45D9-9665-71F7ECAACF8F}">
+      <dsp:nvSpPr>
+        <dsp:cNvPr id="0" name=""/>
+        <dsp:cNvSpPr/>
+      </dsp:nvSpPr>
+      <dsp:spPr>
+        <a:xfrm>
+          <a:off x="0" y="5072264"/>
+          <a:ext cx="6513603" cy="811257"/>
+        </a:xfrm>
+        <a:prstGeom prst="roundRect">
+          <a:avLst>
+            <a:gd name="adj" fmla="val 10000"/>
+          </a:avLst>
+        </a:prstGeom>
+        <a:solidFill>
+          <a:schemeClr val="accent2">
+            <a:hueOff val="0"/>
+            <a:satOff val="0"/>
+            <a:lumOff val="0"/>
+            <a:alphaOff val="0"/>
+          </a:schemeClr>
+        </a:solidFill>
+        <a:ln>
+          <a:noFill/>
+        </a:ln>
+        <a:effectLst/>
+      </dsp:spPr>
+      <dsp:style>
+        <a:lnRef idx="0">
+          <a:scrgbClr r="0" g="0" b="0"/>
+        </a:lnRef>
+        <a:fillRef idx="1">
+          <a:scrgbClr r="0" g="0" b="0"/>
+        </a:fillRef>
+        <a:effectRef idx="0">
+          <a:scrgbClr r="0" g="0" b="0"/>
+        </a:effectRef>
+        <a:fontRef idx="minor"/>
+      </dsp:style>
+    </dsp:sp>
+    <dsp:sp modelId="{19D60BDE-9529-4EAB-B8AC-106CF495B81C}">
+      <dsp:nvSpPr>
+        <dsp:cNvPr id="0" name=""/>
+        <dsp:cNvSpPr/>
+      </dsp:nvSpPr>
+      <dsp:spPr>
+        <a:xfrm>
+          <a:off x="245405" y="5254797"/>
+          <a:ext cx="446191" cy="446191"/>
+        </a:xfrm>
+        <a:prstGeom prst="rect">
+          <a:avLst/>
+        </a:prstGeom>
+        <a:blipFill>
+          <a:blip xmlns:r="http://schemas.openxmlformats.org/officeDocument/2006/relationships" r:embed="rId11">
+            <a:extLst>
+              <a:ext uri="{28A0092B-C50C-407E-A947-70E740481C1C}">
+                <a14:useLocalDpi xmlns:a14="http://schemas.microsoft.com/office/drawing/2010/main" val="0"/>
+              </a:ext>
+              <a:ext uri="{96DAC541-7B7A-43D3-8B79-37D633B846F1}">
+                <asvg:svgBlip xmlns:asvg="http://schemas.microsoft.com/office/drawing/2016/SVG/main" r:embed="rId12"/>
+              </a:ext>
+            </a:extLst>
+          </a:blip>
+          <a:stretch>
+            <a:fillRect/>
+          </a:stretch>
+        </a:blipFill>
+        <a:ln w="12700" cap="flat" cmpd="sng" algn="ctr">
+          <a:noFill/>
+          <a:prstDash val="solid"/>
+          <a:miter lim="800000"/>
+        </a:ln>
+        <a:effectLst/>
+      </dsp:spPr>
+      <dsp:style>
+        <a:lnRef idx="2">
+          <a:scrgbClr r="0" g="0" b="0"/>
+        </a:lnRef>
+        <a:fillRef idx="1">
+          <a:scrgbClr r="0" g="0" b="0"/>
+        </a:fillRef>
+        <a:effectRef idx="0">
+          <a:scrgbClr r="0" g="0" b="0"/>
+        </a:effectRef>
+        <a:fontRef idx="minor">
+          <a:schemeClr val="lt1"/>
+        </a:fontRef>
+      </dsp:style>
+    </dsp:sp>
+    <dsp:sp modelId="{8C3770C9-8795-4352-A16A-56A268FA1C2F}">
+      <dsp:nvSpPr>
+        <dsp:cNvPr id="0" name=""/>
+        <dsp:cNvSpPr/>
+      </dsp:nvSpPr>
+      <dsp:spPr>
+        <a:xfrm>
+          <a:off x="937002" y="5072264"/>
+          <a:ext cx="5576601" cy="811257"/>
+        </a:xfrm>
+        <a:prstGeom prst="rect">
+          <a:avLst/>
+        </a:prstGeom>
+        <a:noFill/>
+        <a:ln>
+          <a:noFill/>
+        </a:ln>
+        <a:effectLst/>
+      </dsp:spPr>
+      <dsp:style>
+        <a:lnRef idx="0">
+          <a:scrgbClr r="0" g="0" b="0"/>
+        </a:lnRef>
+        <a:fillRef idx="0">
+          <a:scrgbClr r="0" g="0" b="0"/>
+        </a:fillRef>
+        <a:effectRef idx="0">
+          <a:scrgbClr r="0" g="0" b="0"/>
+        </a:effectRef>
+        <a:fontRef idx="minor"/>
+      </dsp:style>
+      <dsp:txBody>
+        <a:bodyPr spcFirstLastPara="0" vert="horz" wrap="square" lIns="85858" tIns="85858" rIns="85858" bIns="85858" numCol="1" spcCol="1270" anchor="ctr" anchorCtr="0">
+          <a:noAutofit/>
+        </a:bodyPr>
+        <a:lstStyle/>
+        <a:p>
+          <a:pPr marL="0" lvl="0" indent="0" algn="l" defTabSz="844550">
+            <a:lnSpc>
+              <a:spcPct val="90000"/>
+            </a:lnSpc>
+            <a:spcBef>
+              <a:spcPct val="0"/>
+            </a:spcBef>
+            <a:spcAft>
+              <a:spcPct val="35000"/>
+            </a:spcAft>
+            <a:buNone/>
+          </a:pPr>
+          <a:r>
+            <a:rPr lang="en-US" sz="1900" b="1" kern="1200"/>
+            <a:t>Calculate the Probability of Finding a Result Equally or More Extreme than Actually Observed</a:t>
+          </a:r>
+          <a:endParaRPr lang="en-US" sz="1900" kern="1200"/>
+        </a:p>
+      </dsp:txBody>
+      <dsp:txXfrm>
+        <a:off x="937002" y="5072264"/>
+        <a:ext cx="5576601" cy="811257"/>
+      </dsp:txXfrm>
+    </dsp:sp>
+  </dsp:spTree>
+</dsp:drawing>
+</file>
+
+<file path=ppt/diagrams/layout1.xml><?xml version="1.0" encoding="utf-8"?>
+<dgm:layoutDef xmlns:dgm="http://schemas.openxmlformats.org/drawingml/2006/diagram" xmlns:a="http://schemas.openxmlformats.org/drawingml/2006/main" uniqueId="urn:microsoft.com/office/officeart/2018/2/layout/IconVerticalSolidList">
+  <dgm:title val="Icon Vertical Solid List"/>
+  <dgm:desc val="Use to show a series of visuals from top to bottom with Level 1 or Level 1 and Level 2 text grouped in a shape. Works best with icons or small pictures with lengthier descriptions."/>
+  <dgm:catLst>
+    <dgm:cat type="icon" pri="500"/>
+  </dgm:catLst>
+  <dgm:sampData useDef="1">
+    <dgm:dataModel>
+      <dgm:ptLst/>
+      <dgm:bg/>
+      <dgm:whole/>
+    </dgm:dataModel>
+  </dgm:sampData>
+  <dgm:styleData useDef="1">
+    <dgm:dataModel>
+      <dgm:ptLst/>
+      <dgm:bg/>
+      <dgm:whole/>
+    </dgm:dataModel>
+  </dgm:styleData>
+  <dgm:clrData useDef="1">
+    <dgm:dataModel>
+      <dgm:ptLst/>
+      <dgm:bg/>
+      <dgm:whole/>
+    </dgm:dataModel>
+  </dgm:clrData>
+  <dgm:layoutNode name="root">
+    <dgm:varLst>
+      <dgm:dir/>
+      <dgm:resizeHandles val="exact"/>
+    </dgm:varLst>
+    <dgm:choose name="Name0">
+      <dgm:if name="Name1" axis="self" func="var" arg="dir" op="equ" val="norm">
+        <dgm:alg type="lin">
+          <dgm:param type="linDir" val="fromT"/>
+          <dgm:param type="nodeHorzAlign" val="l"/>
+        </dgm:alg>
+      </dgm:if>
+      <dgm:else name="Name2">
+        <dgm:alg type="lin">
+          <dgm:param type="linDir" val="fromT"/>
+          <dgm:param type="nodeHorzAlign" val="r"/>
+        </dgm:alg>
+      </dgm:else>
+    </dgm:choose>
+    <dgm:shape xmlns:r="http://schemas.openxmlformats.org/officeDocument/2006/relationships" r:blip="">
+      <dgm:adjLst/>
+    </dgm:shape>
+    <dgm:presOf/>
+    <dgm:choose name="Name3">
+      <dgm:if name="Name4" axis="ch" ptType="node" func="cnt" op="lte" val="3">
+        <dgm:constrLst>
+          <dgm:constr type="h" for="ch" forName="compNode" refType="h" fact="0.3"/>
+          <dgm:constr type="w" for="ch" forName="compNode" refType="w"/>
+          <dgm:constr type="h" for="ch" forName="sibTrans" refType="h" refFor="ch" refForName="compNode" fact="0.25"/>
+          <dgm:constr type="primFontSz" for="des" forName="parTx" val="25"/>
+          <dgm:constr type="primFontSz" for="des" forName="desTx" refType="primFontSz" refFor="des" refForName="parTx" op="lte" fact="0.75"/>
+          <dgm:constr type="h" for="des" forName="compNode" op="equ"/>
+          <dgm:constr type="h" for="des" forName="bgRect" op="equ"/>
+          <dgm:constr type="h" for="des" forName="iconRect" op="equ"/>
+          <dgm:constr type="w" for="des" forName="iconRect" op="equ"/>
+          <dgm:constr type="h" for="des" forName="spaceRect" op="equ"/>
+          <dgm:constr type="h" for="des" forName="parTx" op="equ"/>
+          <dgm:constr type="h" for="des" forName="desTx" op="equ"/>
+        </dgm:constrLst>
+      </dgm:if>
+      <dgm:if name="Name5" axis="ch" ptType="node" func="cnt" op="lte" val="4">
+        <dgm:constrLst>
+          <dgm:constr type="h" for="ch" forName="compNode" refType="h" fact="0.3"/>
+          <dgm:constr type="w" for="ch" forName="compNode" refType="w"/>
+          <dgm:constr type="h" for="ch" forName="sibTrans" refType="h" refFor="ch" refForName="compNode" fact="0.25"/>
+          <dgm:constr type="primFontSz" for="des" forName="parTx" val="22"/>
+          <dgm:constr type="primFontSz" for="des" forName="desTx" refType="primFontSz" refFor="des" refForName="parTx" op="lte" fact="0.75"/>
+          <dgm:constr type="h" for="des" forName="compNode" op="equ"/>
+          <dgm:constr type="h" for="des" forName="bgRect" op="equ"/>
+          <dgm:constr type="h" for="des" forName="iconRect" op="equ"/>
+          <dgm:constr type="w" for="des" forName="iconRect" op="equ"/>
+          <dgm:constr type="h" for="des" forName="spaceRect" op="equ"/>
+          <dgm:constr type="h" for="des" forName="parTx" op="equ"/>
+          <dgm:constr type="h" for="des" forName="desTx" op="equ"/>
+        </dgm:constrLst>
+      </dgm:if>
+      <dgm:if name="Name6" axis="ch" ptType="node" func="cnt" op="lte" val="6">
+        <dgm:constrLst>
+          <dgm:constr type="h" for="ch" forName="compNode" refType="h" fact="0.3"/>
+          <dgm:constr type="w" for="ch" forName="compNode" refType="w"/>
+          <dgm:constr type="h" for="ch" forName="sibTrans" refType="h" refFor="ch" refForName="compNode" fact="0.25"/>
+          <dgm:constr type="primFontSz" for="des" forName="parTx" val="19"/>
+          <dgm:constr type="primFontSz" for="des" forName="desTx" refType="primFontSz" refFor="des" refForName="parTx" op="lte" fact="0.75"/>
+          <dgm:constr type="h" for="des" forName="compNode" op="equ"/>
+          <dgm:constr type="h" for="des" forName="bgRect" op="equ"/>
+          <dgm:constr type="h" for="des" forName="iconRect" op="equ"/>
+          <dgm:constr type="w" for="des" forName="iconRect" op="equ"/>
+          <dgm:constr type="h" for="des" forName="spaceRect" op="equ"/>
+          <dgm:constr type="h" for="des" forName="parTx" op="equ"/>
+          <dgm:constr type="h" for="des" forName="desTx" op="equ"/>
+        </dgm:constrLst>
+      </dgm:if>
+      <dgm:else name="Name7">
+        <dgm:constrLst>
+          <dgm:constr type="h" for="ch" forName="compNode" refType="h" fact="0.3"/>
+          <dgm:constr type="w" for="ch" forName="compNode" refType="w"/>
+          <dgm:constr type="h" for="ch" forName="sibTrans" refType="h" refFor="ch" refForName="compNode" fact="0.25"/>
+          <dgm:constr type="primFontSz" for="des" forName="parTx" val="16"/>
+          <dgm:constr type="primFontSz" for="des" forName="desTx" refType="primFontSz" refFor="des" refForName="parTx" op="lte" fact="0.75"/>
+          <dgm:constr type="h" for="des" forName="compNode" op="equ"/>
+          <dgm:constr type="h" for="des" forName="bgRect" op="equ"/>
+          <dgm:constr type="h" for="des" forName="iconRect" op="equ"/>
+          <dgm:constr type="w" for="des" forName="iconRect" op="equ"/>
+          <dgm:constr type="h" for="des" forName="spaceRect" op="equ"/>
+          <dgm:constr type="h" for="des" forName="parTx" op="equ"/>
+          <dgm:constr type="h" for="des" forName="desTx" op="equ"/>
+        </dgm:constrLst>
+      </dgm:else>
+    </dgm:choose>
+    <dgm:ruleLst>
+      <dgm:rule type="h" for="ch" forName="compNode" val="0" fact="NaN" max="NaN"/>
+    </dgm:ruleLst>
+    <dgm:forEach name="Name8" axis="ch" ptType="node">
+      <dgm:layoutNode name="compNode">
+        <dgm:alg type="composite"/>
+        <dgm:shape xmlns:r="http://schemas.openxmlformats.org/officeDocument/2006/relationships" r:blip="">
+          <dgm:adjLst/>
+        </dgm:shape>
+        <dgm:presOf axis="self"/>
+        <dgm:choose name="Name9">
+          <dgm:if name="Name10" axis="ch" ptType="node" func="cnt" op="gte" val="1">
+            <dgm:constrLst>
+              <dgm:constr type="w" for="ch" forName="bgRect" refType="w"/>
+              <dgm:constr type="h" for="ch" forName="bgRect" refType="h"/>
+              <dgm:constr type="l" for="ch" forName="bgRect"/>
+              <dgm:constr type="t" for="ch" forName="bgRect"/>
+              <dgm:constr type="h" for="ch" forName="iconRect" refType="h" fact="0.55"/>
+              <dgm:constr type="w" for="ch" forName="iconRect" refType="h" refFor="ch" refForName="iconRect"/>
+              <dgm:constr type="l" for="ch" forName="iconRect" refType="h" refFor="ch" refForName="iconRect" fact="0.55"/>
+              <dgm:constr type="ctrY" for="ch" forName="iconRect" refType="ctrY" refFor="ch" refForName="bgRect"/>
+              <dgm:constr type="w" for="ch" forName="spaceRect" refType="l" refFor="ch" refForName="iconRect"/>
+              <dgm:constr type="h" for="ch" forName="spaceRect" refType="h"/>
+              <dgm:constr type="l" for="ch" forName="spaceRect" refType="r" refFor="ch" refForName="iconRect"/>
+              <dgm:constr type="t" for="ch" forName="spaceRect"/>
+              <dgm:constr type="w" for="ch" forName="parTx" refType="w" fact="0.45"/>
+              <dgm:constr type="h" for="ch" forName="parTx" refType="h"/>
+              <dgm:constr type="l" for="ch" forName="parTx" refType="r" refFor="ch" refForName="spaceRect"/>
+              <dgm:constr type="t" for="ch" forName="parTx"/>
+              <dgm:constr type="h" for="ch" forName="desTx" refType="h"/>
+              <dgm:constr type="l" for="ch" forName="desTx" refType="r" refFor="ch" refForName="parTx"/>
+              <dgm:constr type="t" for="ch" forName="desTx"/>
+            </dgm:constrLst>
+          </dgm:if>
+          <dgm:else name="Name11">
+            <dgm:constrLst>
+              <dgm:constr type="w" for="ch" forName="bgRect" refType="w"/>
+              <dgm:constr type="h" for="ch" forName="bgRect" refType="h"/>
+              <dgm:constr type="l" for="ch" forName="bgRect"/>
+              <dgm:constr type="t" for="ch" forName="bgRect"/>
+              <dgm:constr type="h" for="ch" forName="iconRect" refType="h" fact="0.55"/>
+              <dgm:constr type="w" for="ch" forName="iconRect" refType="h" refFor="ch" refForName="iconRect"/>
+              <dgm:constr type="l" for="ch" forName="iconRect" refType="h" refFor="ch" refForName="iconRect" fact="0.55"/>
+              <dgm:constr type="ctrY" for="ch" forName="iconRect" refType="ctrY" refFor="ch" refForName="bgRect"/>
+              <dgm:constr type="w" for="ch" forName="spaceRect" refType="l" refFor="ch" refForName="iconRect"/>
+              <dgm:constr type="h" for="ch" forName="spaceRect" refType="h"/>
+              <dgm:constr type="l" for="ch" forName="spaceRect" refType="r" refFor="ch" refForName="iconRect"/>
+              <dgm:constr type="t" for="ch" forName="spaceRect"/>
+              <dgm:constr type="h" for="ch" forName="parTx" refType="h"/>
+              <dgm:constr type="l" for="ch" forName="parTx" refType="r" refFor="ch" refForName="spaceRect"/>
+              <dgm:constr type="t" for="ch" forName="parTx"/>
+            </dgm:constrLst>
+          </dgm:else>
+        </dgm:choose>
+        <dgm:ruleLst>
+          <dgm:rule type="h" val="INF" fact="NaN" max="NaN"/>
+        </dgm:ruleLst>
+        <dgm:layoutNode name="bgRect" styleLbl="bgShp">
+          <dgm:alg type="sp"/>
+          <dgm:shape xmlns:r="http://schemas.openxmlformats.org/officeDocument/2006/relationships" type="roundRect" r:blip="">
+            <dgm:adjLst>
+              <dgm:adj idx="1" val="0.1"/>
+            </dgm:adjLst>
+          </dgm:shape>
+          <dgm:presOf/>
+          <dgm:constrLst/>
+          <dgm:ruleLst/>
+        </dgm:layoutNode>
+        <dgm:layoutNode name="iconRect" styleLbl="node1">
+          <dgm:alg type="sp"/>
+          <dgm:shape xmlns:r="http://schemas.openxmlformats.org/officeDocument/2006/relationships" type="rect" r:blip="" blipPhldr="1">
+            <dgm:adjLst/>
+          </dgm:shape>
+          <dgm:presOf/>
+          <dgm:constrLst/>
+          <dgm:ruleLst/>
+        </dgm:layoutNode>
+        <dgm:layoutNode name="spaceRect">
+          <dgm:alg type="sp"/>
+          <dgm:shape xmlns:r="http://schemas.openxmlformats.org/officeDocument/2006/relationships" r:blip="">
+            <dgm:adjLst/>
+          </dgm:shape>
+          <dgm:presOf/>
+          <dgm:constrLst/>
+          <dgm:ruleLst/>
+        </dgm:layoutNode>
+        <dgm:layoutNode name="parTx" styleLbl="revTx">
+          <dgm:varLst>
+            <dgm:chMax val="0"/>
+            <dgm:chPref val="0"/>
+          </dgm:varLst>
+          <dgm:alg type="tx">
+            <dgm:param type="txAnchorVert" val="mid"/>
+            <dgm:param type="parTxLTRAlign" val="l"/>
+            <dgm:param type="shpTxLTRAlignCh" val="l"/>
+            <dgm:param type="parTxRTLAlign" val="r"/>
+            <dgm:param type="shpTxRTLAlignCh" val="r"/>
+          </dgm:alg>
+          <dgm:shape xmlns:r="http://schemas.openxmlformats.org/officeDocument/2006/relationships" type="rect" r:blip="">
+            <dgm:adjLst/>
+          </dgm:shape>
+          <dgm:presOf axis="self" ptType="node"/>
+          <dgm:constrLst>
+            <dgm:constr type="lMarg" refType="h" fact="0.3"/>
+            <dgm:constr type="rMarg" refType="h" fact="0.3"/>
+            <dgm:constr type="tMarg" refType="h" fact="0.3"/>
+            <dgm:constr type="bMarg" refType="h" fact="0.3"/>
+          </dgm:constrLst>
+          <dgm:ruleLst>
+            <dgm:rule type="primFontSz" val="14" fact="NaN" max="NaN"/>
+            <dgm:rule type="h" val="INF" fact="NaN" max="NaN"/>
+          </dgm:ruleLst>
+        </dgm:layoutNode>
+        <dgm:choose name="Name12">
+          <dgm:if name="Name13" axis="ch" ptType="node" func="cnt" op="gte" val="1">
+            <dgm:layoutNode name="desTx" styleLbl="revTx">
+              <dgm:varLst/>
+              <dgm:alg type="tx">
+                <dgm:param type="txAnchorVertCh" val="mid"/>
+                <dgm:param type="parTxLTRAlign" val="l"/>
+                <dgm:param type="shpTxLTRAlignCh" val="l"/>
+                <dgm:param type="parTxRTLAlign" val="r"/>
+                <dgm:param type="shpTxRTLAlignCh" val="r"/>
+                <dgm:param type="stBulletLvl" val="0"/>
+              </dgm:alg>
+              <dgm:shape xmlns:r="http://schemas.openxmlformats.org/officeDocument/2006/relationships" type="rect" r:blip="">
+                <dgm:adjLst/>
+              </dgm:shape>
+              <dgm:presOf axis="des" ptType="node"/>
+              <dgm:constrLst>
+                <dgm:constr type="primFontSz" val="18"/>
+                <dgm:constr type="secFontSz" refType="primFontSz"/>
+                <dgm:constr type="lMarg" refType="h" fact="0.3"/>
+                <dgm:constr type="rMarg" refType="h" fact="0.3"/>
+                <dgm:constr type="tMarg" refType="h" fact="0.3"/>
+                <dgm:constr type="bMarg" refType="h" fact="0.3"/>
+              </dgm:constrLst>
+              <dgm:ruleLst>
+                <dgm:rule type="primFontSz" val="11" fact="NaN" max="NaN"/>
+              </dgm:ruleLst>
+            </dgm:layoutNode>
+          </dgm:if>
+          <dgm:else name="Name14"/>
+        </dgm:choose>
+      </dgm:layoutNode>
+      <dgm:forEach name="Name15" axis="followSib" ptType="sibTrans" cnt="1">
+        <dgm:layoutNode name="sibTrans">
+          <dgm:alg type="sp"/>
+          <dgm:shape xmlns:r="http://schemas.openxmlformats.org/officeDocument/2006/relationships" r:blip="">
+            <dgm:adjLst/>
+          </dgm:shape>
+          <dgm:presOf axis="self"/>
+          <dgm:constrLst/>
+          <dgm:ruleLst/>
+        </dgm:layoutNode>
+      </dgm:forEach>
+    </dgm:forEach>
+  </dgm:layoutNode>
+  <dgm:extLst>
+    <a:ext uri="{68A01E43-0DF5-4B5B-8FA6-DAF915123BFB}">
+      <dgm1612:lstStyle xmlns:dgm1612="http://schemas.microsoft.com/office/drawing/2016/12/diagram">
+        <a:lvl1pPr>
+          <a:lnSpc>
+            <a:spcPct val="100000"/>
+          </a:lnSpc>
+        </a:lvl1pPr>
+        <a:lvl2pPr>
+          <a:lnSpc>
+            <a:spcPct val="100000"/>
+          </a:lnSpc>
+        </a:lvl2pPr>
+      </dgm1612:lstStyle>
+    </a:ext>
+  </dgm:extLst>
+</dgm:layoutDef>
+</file>
+
+<file path=ppt/diagrams/quickStyle1.xml><?xml version="1.0" encoding="utf-8"?>
+<dgm:styleDef xmlns:dgm="http://schemas.openxmlformats.org/drawingml/2006/diagram" xmlns:a="http://schemas.openxmlformats.org/drawingml/2006/main" uniqueId="urn:microsoft.com/office/officeart/2005/8/quickstyle/simple1">
+  <dgm:title val=""/>
+  <dgm:desc val=""/>
+  <dgm:catLst>
+    <dgm:cat type="simple" pri="10100"/>
+  </dgm:catLst>
+  <dgm:scene3d>
+    <a:camera prst="orthographicFront"/>
+    <a:lightRig rig="threePt" dir="t"/>
+  </dgm:scene3d>
+  <dgm:styleLbl name="node0">
+    <dgm:scene3d>
+      <a:camera prst="orthographicFront"/>
+      <a:lightRig rig="threePt" dir="t"/>
+    </dgm:scene3d>
+    <dgm:sp3d/>
+    <dgm:txPr/>
+    <dgm:style>
+      <a:lnRef idx="2">
+        <a:scrgbClr r="0" g="0" b="0"/>
+      </a:lnRef>
+      <a:fillRef idx="1">
+        <a:scrgbClr r="0" g="0" b="0"/>
+      </a:fillRef>
+      <a:effectRef idx="0">
+        <a:scrgbClr r="0" g="0" b="0"/>
+      </a:effectRef>
+      <a:fontRef idx="minor">
+        <a:schemeClr val="lt1"/>
+      </a:fontRef>
+    </dgm:style>
+  </dgm:styleLbl>
+  <dgm:styleLbl name="lnNode1">
+    <dgm:scene3d>
+      <a:camera prst="orthographicFront"/>
+      <a:lightRig rig="threePt" dir="t"/>
+    </dgm:scene3d>
+    <dgm:sp3d/>
+    <dgm:txPr/>
+    <dgm:style>
+      <a:lnRef idx="2">
+        <a:scrgbClr r="0" g="0" b="0"/>
+      </a:lnRef>
+      <a:fillRef idx="1">
+        <a:scrgbClr r="0" g="0" b="0"/>
+      </a:fillRef>
+      <a:effectRef idx="0">
+        <a:scrgbClr r="0" g="0" b="0"/>
+      </a:effectRef>
+      <a:fontRef idx="minor">
+        <a:schemeClr val="lt1"/>
+      </a:fontRef>
+    </dgm:style>
+  </dgm:styleLbl>
+  <dgm:styleLbl name="vennNode1">
+    <dgm:scene3d>
+      <a:camera prst="orthographicFront"/>
+      <a:lightRig rig="threePt" dir="t"/>
+    </dgm:scene3d>
+    <dgm:sp3d/>
+    <dgm:txPr/>
+    <dgm:style>
+      <a:lnRef idx="2">
+        <a:scrgbClr r="0" g="0" b="0"/>
+      </a:lnRef>
+      <a:fillRef idx="1">
+        <a:scrgbClr r="0" g="0" b="0"/>
+      </a:fillRef>
+      <a:effectRef idx="0">
+        <a:scrgbClr r="0" g="0" b="0"/>
+      </a:effectRef>
+      <a:fontRef idx="minor">
+        <a:schemeClr val="tx1"/>
+      </a:fontRef>
+    </dgm:style>
+  </dgm:styleLbl>
+  <dgm:styleLbl name="alignNode1">
+    <dgm:scene3d>
+      <a:camera prst="orthographicFront"/>
+      <a:lightRig rig="threePt" dir="t"/>
+    </dgm:scene3d>
+    <dgm:sp3d/>
+    <dgm:txPr/>
+    <dgm:style>
+      <a:lnRef idx="2">
+        <a:scrgbClr r="0" g="0" b="0"/>
+      </a:lnRef>
+      <a:fillRef idx="1">
+        <a:scrgbClr r="0" g="0" b="0"/>
+      </a:fillRef>
+      <a:effectRef idx="0">
+        <a:scrgbClr r="0" g="0" b="0"/>
+      </a:effectRef>
+      <a:fontRef idx="minor">
+        <a:schemeClr val="lt1"/>
+      </a:fontRef>
+    </dgm:style>
+  </dgm:styleLbl>
+  <dgm:styleLbl name="node1">
+    <dgm:scene3d>
+      <a:camera prst="orthographicFront"/>
+      <a:lightRig rig="threePt" dir="t"/>
+    </dgm:scene3d>
+    <dgm:sp3d/>
+    <dgm:txPr/>
+    <dgm:style>
+      <a:lnRef idx="2">
+        <a:scrgbClr r="0" g="0" b="0"/>
+      </a:lnRef>
+      <a:fillRef idx="1">
+        <a:scrgbClr r="0" g="0" b="0"/>
+      </a:fillRef>
+      <a:effectRef idx="0">
+        <a:scrgbClr r="0" g="0" b="0"/>
+      </a:effectRef>
+      <a:fontRef idx="minor">
+        <a:schemeClr val="lt1"/>
+      </a:fontRef>
+    </dgm:style>
+  </dgm:styleLbl>
+  <dgm:styleLbl name="node2">
+    <dgm:scene3d>
+      <a:camera prst="orthographicFront"/>
+      <a:lightRig rig="threePt" dir="t"/>
+    </dgm:scene3d>
+    <dgm:sp3d/>
+    <dgm:txPr/>
+    <dgm:style>
+      <a:lnRef idx="2">
+        <a:scrgbClr r="0" g="0" b="0"/>
+      </a:lnRef>
+      <a:fillRef idx="1">
+        <a:scrgbClr r="0" g="0" b="0"/>
+      </a:fillRef>
+      <a:effectRef idx="0">
+        <a:scrgbClr r="0" g="0" b="0"/>
+      </a:effectRef>
+      <a:fontRef idx="minor">
+        <a:schemeClr val="lt1"/>
+      </a:fontRef>
+    </dgm:style>
+  </dgm:styleLbl>
+  <dgm:styleLbl name="node3">
+    <dgm:scene3d>
+      <a:camera prst="orthographicFront"/>
+      <a:lightRig rig="threePt" dir="t"/>
+    </dgm:scene3d>
+    <dgm:sp3d/>
+    <dgm:txPr/>
+    <dgm:style>
+      <a:lnRef idx="2">
+        <a:scrgbClr r="0" g="0" b="0"/>
+      </a:lnRef>
+      <a:fillRef idx="1">
+        <a:scrgbClr r="0" g="0" b="0"/>
+      </a:fillRef>
+      <a:effectRef idx="0">
+        <a:scrgbClr r="0" g="0" b="0"/>
+      </a:effectRef>
+      <a:fontRef idx="minor">
+        <a:schemeClr val="lt1"/>
+      </a:fontRef>
+    </dgm:style>
+  </dgm:styleLbl>
+  <dgm:styleLbl name="node4">
+    <dgm:scene3d>
+      <a:camera prst="orthographicFront"/>
+      <a:lightRig rig="threePt" dir="t"/>
+    </dgm:scene3d>
+    <dgm:sp3d/>
+    <dgm:txPr/>
+    <dgm:style>
+      <a:lnRef idx="2">
+        <a:scrgbClr r="0" g="0" b="0"/>
+      </a:lnRef>
+      <a:fillRef idx="1">
+        <a:scrgbClr r="0" g="0" b="0"/>
+      </a:fillRef>
+      <a:effectRef idx="0">
+        <a:scrgbClr r="0" g="0" b="0"/>
+      </a:effectRef>
+      <a:fontRef idx="minor">
+        <a:schemeClr val="lt1"/>
+      </a:fontRef>
+    </dgm:style>
+  </dgm:styleLbl>
+  <dgm:styleLbl name="fgImgPlace1">
+    <dgm:scene3d>
+      <a:camera prst="orthographicFront"/>
+      <a:lightRig rig="threePt" dir="t"/>
+    </dgm:scene3d>
+    <dgm:sp3d/>
+    <dgm:txPr/>
+    <dgm:style>
+      <a:lnRef idx="2">
+        <a:scrgbClr r="0" g="0" b="0"/>
+      </a:lnRef>
+      <a:fillRef idx="1">
+        <a:scrgbClr r="0" g="0" b="0"/>
+      </a:fillRef>
+      <a:effectRef idx="0">
+        <a:scrgbClr r="0" g="0" b="0"/>
+      </a:effectRef>
+      <a:fontRef idx="minor"/>
+    </dgm:style>
+  </dgm:styleLbl>
+  <dgm:styleLbl name="alignImgPlace1">
+    <dgm:scene3d>
+      <a:camera prst="orthographicFront"/>
+      <a:lightRig rig="threePt" dir="t"/>
+    </dgm:scene3d>
+    <dgm:sp3d/>
+    <dgm:txPr/>
+    <dgm:style>
+      <a:lnRef idx="2">
+        <a:scrgbClr r="0" g="0" b="0"/>
+      </a:lnRef>
+      <a:fillRef idx="1">
+        <a:scrgbClr r="0" g="0" b="0"/>
+      </a:fillRef>
+      <a:effectRef idx="0">
+        <a:scrgbClr r="0" g="0" b="0"/>
+      </a:effectRef>
+      <a:fontRef idx="minor"/>
+    </dgm:style>
+  </dgm:styleLbl>
+  <dgm:styleLbl name="bgImgPlace1">
+    <dgm:scene3d>
+      <a:camera prst="orthographicFront"/>
+      <a:lightRig rig="threePt" dir="t"/>
+    </dgm:scene3d>
+    <dgm:sp3d/>
+    <dgm:txPr/>
+    <dgm:style>
+      <a:lnRef idx="2">
+        <a:scrgbClr r="0" g="0" b="0"/>
+      </a:lnRef>
+      <a:fillRef idx="1">
+        <a:scrgbClr r="0" g="0" b="0"/>
+      </a:fillRef>
+      <a:effectRef idx="0">
+        <a:scrgbClr r="0" g="0" b="0"/>
+      </a:effectRef>
+      <a:fontRef idx="minor"/>
+    </dgm:style>
+  </dgm:styleLbl>
+  <dgm:styleLbl name="sibTrans2D1">
+    <dgm:scene3d>
+      <a:camera prst="orthographicFront"/>
+      <a:lightRig rig="threePt" dir="t"/>
+    </dgm:scene3d>
+    <dgm:sp3d/>
+    <dgm:txPr/>
+    <dgm:style>
+      <a:lnRef idx="0">
+        <a:scrgbClr r="0" g="0" b="0"/>
+      </a:lnRef>
+      <a:fillRef idx="1">
+        <a:scrgbClr r="0" g="0" b="0"/>
+      </a:fillRef>
+      <a:effectRef idx="0">
+        <a:scrgbClr r="0" g="0" b="0"/>
+      </a:effectRef>
+      <a:fontRef idx="minor">
+        <a:schemeClr val="lt1"/>
+      </a:fontRef>
+    </dgm:style>
+  </dgm:styleLbl>
+  <dgm:styleLbl name="fgSibTrans2D1">
+    <dgm:scene3d>
+      <a:camera prst="orthographicFront"/>
+      <a:lightRig rig="threePt" dir="t"/>
+    </dgm:scene3d>
+    <dgm:sp3d/>
+    <dgm:txPr/>
+    <dgm:style>
+      <a:lnRef idx="0">
+        <a:scrgbClr r="0" g="0" b="0"/>
+      </a:lnRef>
+      <a:fillRef idx="1">
+        <a:scrgbClr r="0" g="0" b="0"/>
+      </a:fillRef>
+      <a:effectRef idx="0">
+        <a:scrgbClr r="0" g="0" b="0"/>
+      </a:effectRef>
+      <a:fontRef idx="minor">
+        <a:schemeClr val="lt1"/>
+      </a:fontRef>
+    </dgm:style>
+  </dgm:styleLbl>
+  <dgm:styleLbl name="bgSibTrans2D1">
+    <dgm:scene3d>
+      <a:camera prst="orthographicFront"/>
+      <a:lightRig rig="threePt" dir="t"/>
+    </dgm:scene3d>
+    <dgm:sp3d/>
+    <dgm:txPr/>
+    <dgm:style>
+      <a:lnRef idx="0">
+        <a:scrgbClr r="0" g="0" b="0"/>
+      </a:lnRef>
+      <a:fillRef idx="1">
+        <a:scrgbClr r="0" g="0" b="0"/>
+      </a:fillRef>
+      <a:effectRef idx="0">
+        <a:scrgbClr r="0" g="0" b="0"/>
+      </a:effectRef>
+      <a:fontRef idx="minor">
+        <a:schemeClr val="lt1"/>
+      </a:fontRef>
+    </dgm:style>
+  </dgm:styleLbl>
+  <dgm:styleLbl name="sibTrans1D1">
+    <dgm:scene3d>
+      <a:camera prst="orthographicFront"/>
+      <a:lightRig rig="threePt" dir="t"/>
+    </dgm:scene3d>
+    <dgm:sp3d/>
+    <dgm:txPr/>
+    <dgm:style>
+      <a:lnRef idx="1">
+        <a:scrgbClr r="0" g="0" b="0"/>
+      </a:lnRef>
+      <a:fillRef idx="0">
+        <a:scrgbClr r="0" g="0" b="0"/>
+      </a:fillRef>
+      <a:effectRef idx="0">
+        <a:scrgbClr r="0" g="0" b="0"/>
+      </a:effectRef>
+      <a:fontRef idx="minor"/>
+    </dgm:style>
+  </dgm:styleLbl>
+  <dgm:styleLbl name="callout">
+    <dgm:scene3d>
+      <a:camera prst="orthographicFront"/>
+      <a:lightRig rig="threePt" dir="t"/>
+    </dgm:scene3d>
+    <dgm:sp3d/>
+    <dgm:txPr/>
+    <dgm:style>
+      <a:lnRef idx="2">
+        <a:scrgbClr r="0" g="0" b="0"/>
+      </a:lnRef>
+      <a:fillRef idx="1">
+        <a:scrgbClr r="0" g="0" b="0"/>
+      </a:fillRef>
+      <a:effectRef idx="0">
+        <a:scrgbClr r="0" g="0" b="0"/>
+      </a:effectRef>
+      <a:fontRef idx="minor"/>
+    </dgm:style>
+  </dgm:styleLbl>
+  <dgm:styleLbl name="asst0">
+    <dgm:scene3d>
+      <a:camera prst="orthographicFront"/>
+      <a:lightRig rig="threePt" dir="t"/>
+    </dgm:scene3d>
+    <dgm:sp3d/>
+    <dgm:txPr/>
+    <dgm:style>
+      <a:lnRef idx="2">
+        <a:scrgbClr r="0" g="0" b="0"/>
+      </a:lnRef>
+      <a:fillRef idx="1">
+        <a:scrgbClr r="0" g="0" b="0"/>
+      </a:fillRef>
+      <a:effectRef idx="0">
+        <a:scrgbClr r="0" g="0" b="0"/>
+      </a:effectRef>
+      <a:fontRef idx="minor">
+        <a:schemeClr val="lt1"/>
+      </a:fontRef>
+    </dgm:style>
+  </dgm:styleLbl>
+  <dgm:styleLbl name="asst1">
+    <dgm:scene3d>
+      <a:camera prst="orthographicFront"/>
+      <a:lightRig rig="threePt" dir="t"/>
+    </dgm:scene3d>
+    <dgm:sp3d/>
+    <dgm:txPr/>
+    <dgm:style>
+      <a:lnRef idx="2">
+        <a:scrgbClr r="0" g="0" b="0"/>
+      </a:lnRef>
+      <a:fillRef idx="1">
+        <a:scrgbClr r="0" g="0" b="0"/>
+      </a:fillRef>
+      <a:effectRef idx="0">
+        <a:scrgbClr r="0" g="0" b="0"/>
+      </a:effectRef>
+      <a:fontRef idx="minor">
+        <a:schemeClr val="lt1"/>
+      </a:fontRef>
+    </dgm:style>
+  </dgm:styleLbl>
+  <dgm:styleLbl name="asst2">
+    <dgm:scene3d>
+      <a:camera prst="orthographicFront"/>
+      <a:lightRig rig="threePt" dir="t"/>
+    </dgm:scene3d>
+    <dgm:sp3d/>
+    <dgm:txPr/>
+    <dgm:style>
+      <a:lnRef idx="2">
+        <a:scrgbClr r="0" g="0" b="0"/>
+      </a:lnRef>
+      <a:fillRef idx="1">
+        <a:scrgbClr r="0" g="0" b="0"/>
+      </a:fillRef>
+      <a:effectRef idx="0">
+        <a:scrgbClr r="0" g="0" b="0"/>
+      </a:effectRef>
+      <a:fontRef idx="minor">
+        <a:schemeClr val="lt1"/>
+      </a:fontRef>
+    </dgm:style>
+  </dgm:styleLbl>
+  <dgm:styleLbl name="asst3">
+    <dgm:scene3d>
+      <a:camera prst="orthographicFront"/>
+      <a:lightRig rig="threePt" dir="t"/>
+    </dgm:scene3d>
+    <dgm:sp3d/>
+    <dgm:txPr/>
+    <dgm:style>
+      <a:lnRef idx="2">
+        <a:scrgbClr r="0" g="0" b="0"/>
+      </a:lnRef>
+      <a:fillRef idx="1">
+        <a:scrgbClr r="0" g="0" b="0"/>
+      </a:fillRef>
+      <a:effectRef idx="0">
+        <a:scrgbClr r="0" g="0" b="0"/>
+      </a:effectRef>
+      <a:fontRef idx="minor">
+        <a:schemeClr val="lt1"/>
+      </a:fontRef>
+    </dgm:style>
+  </dgm:styleLbl>
+  <dgm:styleLbl name="asst4">
+    <dgm:scene3d>
+      <a:camera prst="orthographicFront"/>
+      <a:lightRig rig="threePt" dir="t"/>
+    </dgm:scene3d>
+    <dgm:sp3d/>
+    <dgm:txPr/>
+    <dgm:style>
+      <a:lnRef idx="2">
+        <a:scrgbClr r="0" g="0" b="0"/>
+      </a:lnRef>
+      <a:fillRef idx="1">
+        <a:scrgbClr r="0" g="0" b="0"/>
+      </a:fillRef>
+      <a:effectRef idx="0">
+        <a:scrgbClr r="0" g="0" b="0"/>
+      </a:effectRef>
+      <a:fontRef idx="minor">
+        <a:schemeClr val="lt1"/>
+      </a:fontRef>
+    </dgm:style>
+  </dgm:styleLbl>
+  <dgm:styleLbl name="parChTrans2D1">
+    <dgm:scene3d>
+      <a:camera prst="orthographicFront"/>
+      <a:lightRig rig="threePt" dir="t"/>
+    </dgm:scene3d>
+    <dgm:sp3d/>
+    <dgm:txPr/>
+    <dgm:style>
+      <a:lnRef idx="2">
+        <a:scrgbClr r="0" g="0" b="0"/>
+      </a:lnRef>
+      <a:fillRef idx="1">
+        <a:scrgbClr r="0" g="0" b="0"/>
+      </a:fillRef>
+      <a:effectRef idx="0">
+        <a:scrgbClr r="0" g="0" b="0"/>
+      </a:effectRef>
+      <a:fontRef idx="minor">
+        <a:schemeClr val="lt1"/>
+      </a:fontRef>
+    </dgm:style>
+  </dgm:styleLbl>
+  <dgm:styleLbl name="parChTrans2D2">
+    <dgm:scene3d>
+      <a:camera prst="orthographicFront"/>
+      <a:lightRig rig="threePt" dir="t"/>
+    </dgm:scene3d>
+    <dgm:sp3d/>
+    <dgm:txPr/>
+    <dgm:style>
+      <a:lnRef idx="2">
+        <a:scrgbClr r="0" g="0" b="0"/>
+      </a:lnRef>
+      <a:fillRef idx="1">
+        <a:scrgbClr r="0" g="0" b="0"/>
+      </a:fillRef>
+      <a:effectRef idx="0">
+        <a:scrgbClr r="0" g="0" b="0"/>
+      </a:effectRef>
+      <a:fontRef idx="minor">
+        <a:schemeClr val="lt1"/>
+      </a:fontRef>
+    </dgm:style>
+  </dgm:styleLbl>
+  <dgm:styleLbl name="parChTrans2D3">
+    <dgm:scene3d>
+      <a:camera prst="orthographicFront"/>
+      <a:lightRig rig="threePt" dir="t"/>
+    </dgm:scene3d>
+    <dgm:sp3d/>
+    <dgm:txPr/>
+    <dgm:style>
+      <a:lnRef idx="2">
+        <a:scrgbClr r="0" g="0" b="0"/>
+      </a:lnRef>
+      <a:fillRef idx="1">
+        <a:scrgbClr r="0" g="0" b="0"/>
+      </a:fillRef>
+      <a:effectRef idx="0">
+        <a:scrgbClr r="0" g="0" b="0"/>
+      </a:effectRef>
+      <a:fontRef idx="minor">
+        <a:schemeClr val="lt1"/>
+      </a:fontRef>
+    </dgm:style>
+  </dgm:styleLbl>
+  <dgm:styleLbl name="parChTrans2D4">
+    <dgm:scene3d>
+      <a:camera prst="orthographicFront"/>
+      <a:lightRig rig="threePt" dir="t"/>
+    </dgm:scene3d>
+    <dgm:sp3d/>
+    <dgm:txPr/>
+    <dgm:style>
+      <a:lnRef idx="2">
+        <a:scrgbClr r="0" g="0" b="0"/>
+      </a:lnRef>
+      <a:fillRef idx="1">
+        <a:scrgbClr r="0" g="0" b="0"/>
+      </a:fillRef>
+      <a:effectRef idx="0">
+        <a:scrgbClr r="0" g="0" b="0"/>
+      </a:effectRef>
+      <a:fontRef idx="minor">
+        <a:schemeClr val="lt1"/>
+      </a:fontRef>
+    </dgm:style>
+  </dgm:styleLbl>
+  <dgm:styleLbl name="parChTrans1D1">
+    <dgm:scene3d>
+      <a:camera prst="orthographicFront"/>
+      <a:lightRig rig="threePt" dir="t"/>
+    </dgm:scene3d>
+    <dgm:sp3d/>
+    <dgm:txPr/>
+    <dgm:style>
+      <a:lnRef idx="2">
+        <a:scrgbClr r="0" g="0" b="0"/>
+      </a:lnRef>
+      <a:fillRef idx="0">
+        <a:scrgbClr r="0" g="0" b="0"/>
+      </a:fillRef>
+      <a:effectRef idx="0">
+        <a:scrgbClr r="0" g="0" b="0"/>
+      </a:effectRef>
+      <a:fontRef idx="minor"/>
+    </dgm:style>
+  </dgm:styleLbl>
+  <dgm:styleLbl name="parChTrans1D2">
+    <dgm:scene3d>
+      <a:camera prst="orthographicFront"/>
+      <a:lightRig rig="threePt" dir="t"/>
+    </dgm:scene3d>
+    <dgm:sp3d/>
+    <dgm:txPr/>
+    <dgm:style>
+      <a:lnRef idx="2">
+        <a:scrgbClr r="0" g="0" b="0"/>
+      </a:lnRef>
+      <a:fillRef idx="0">
+        <a:scrgbClr r="0" g="0" b="0"/>
+      </a:fillRef>
+      <a:effectRef idx="0">
+        <a:scrgbClr r="0" g="0" b="0"/>
+      </a:effectRef>
+      <a:fontRef idx="minor"/>
+    </dgm:style>
+  </dgm:styleLbl>
+  <dgm:styleLbl name="parChTrans1D3">
+    <dgm:scene3d>
+      <a:camera prst="orthographicFront"/>
+      <a:lightRig rig="threePt" dir="t"/>
+    </dgm:scene3d>
+    <dgm:sp3d/>
+    <dgm:txPr/>
+    <dgm:style>
+      <a:lnRef idx="2">
+        <a:scrgbClr r="0" g="0" b="0"/>
+      </a:lnRef>
+      <a:fillRef idx="0">
+        <a:scrgbClr r="0" g="0" b="0"/>
+      </a:fillRef>
+      <a:effectRef idx="0">
+        <a:scrgbClr r="0" g="0" b="0"/>
+      </a:effectRef>
+      <a:fontRef idx="minor"/>
+    </dgm:style>
+  </dgm:styleLbl>
+  <dgm:styleLbl name="parChTrans1D4">
+    <dgm:scene3d>
+      <a:camera prst="orthographicFront"/>
+      <a:lightRig rig="threePt" dir="t"/>
+    </dgm:scene3d>
+    <dgm:sp3d/>
+    <dgm:txPr/>
+    <dgm:style>
+      <a:lnRef idx="2">
+        <a:scrgbClr r="0" g="0" b="0"/>
+      </a:lnRef>
+      <a:fillRef idx="0">
+        <a:scrgbClr r="0" g="0" b="0"/>
+      </a:fillRef>
+      <a:effectRef idx="0">
+        <a:scrgbClr r="0" g="0" b="0"/>
+      </a:effectRef>
+      <a:fontRef idx="minor"/>
+    </dgm:style>
+  </dgm:styleLbl>
+  <dgm:styleLbl name="fgAcc1">
+    <dgm:scene3d>
+      <a:camera prst="orthographicFront"/>
+      <a:lightRig rig="threePt" dir="t"/>
+    </dgm:scene3d>
+    <dgm:sp3d/>
+    <dgm:txPr/>
+    <dgm:style>
+      <a:lnRef idx="2">
+        <a:scrgbClr r="0" g="0" b="0"/>
+      </a:lnRef>
+      <a:fillRef idx="1">
+        <a:scrgbClr r="0" g="0" b="0"/>
+      </a:fillRef>
+      <a:effectRef idx="0">
+        <a:scrgbClr r="0" g="0" b="0"/>
+      </a:effectRef>
+      <a:fontRef idx="minor"/>
+    </dgm:style>
+  </dgm:styleLbl>
+  <dgm:styleLbl name="conFgAcc1">
+    <dgm:scene3d>
+      <a:camera prst="orthographicFront"/>
+      <a:lightRig rig="threePt" dir="t"/>
+    </dgm:scene3d>
+    <dgm:sp3d/>
+    <dgm:txPr/>
+    <dgm:style>
+      <a:lnRef idx="2">
+        <a:scrgbClr r="0" g="0" b="0"/>
+      </a:lnRef>
+      <a:fillRef idx="1">
+        <a:scrgbClr r="0" g="0" b="0"/>
+      </a:fillRef>
+      <a:effectRef idx="0">
+        <a:scrgbClr r="0" g="0" b="0"/>
+      </a:effectRef>
+      <a:fontRef idx="minor"/>
+    </dgm:style>
+  </dgm:styleLbl>
+  <dgm:styleLbl name="alignAcc1">
+    <dgm:scene3d>
+      <a:camera prst="orthographicFront"/>
+      <a:lightRig rig="threePt" dir="t"/>
+    </dgm:scene3d>
+    <dgm:sp3d/>
+    <dgm:txPr/>
+    <dgm:style>
+      <a:lnRef idx="2">
+        <a:scrgbClr r="0" g="0" b="0"/>
+      </a:lnRef>
+      <a:fillRef idx="1">
+        <a:scrgbClr r="0" g="0" b="0"/>
+      </a:fillRef>
+      <a:effectRef idx="0">
+        <a:scrgbClr r="0" g="0" b="0"/>
+      </a:effectRef>
+      <a:fontRef idx="minor"/>
+    </dgm:style>
+  </dgm:styleLbl>
+  <dgm:styleLbl name="trAlignAcc1">
+    <dgm:scene3d>
+      <a:camera prst="orthographicFront"/>
+      <a:lightRig rig="threePt" dir="t"/>
+    </dgm:scene3d>
+    <dgm:sp3d/>
+    <dgm:txPr/>
+    <dgm:style>
+      <a:lnRef idx="1">
+        <a:scrgbClr r="0" g="0" b="0"/>
+      </a:lnRef>
+      <a:fillRef idx="1">
+        <a:scrgbClr r="0" g="0" b="0"/>
+      </a:fillRef>
+      <a:effectRef idx="0">
+        <a:scrgbClr r="0" g="0" b="0"/>
+      </a:effectRef>
+      <a:fontRef idx="minor"/>
+    </dgm:style>
+  </dgm:styleLbl>
+  <dgm:styleLbl name="bgAcc1">
+    <dgm:scene3d>
+      <a:camera prst="orthographicFront"/>
+      <a:lightRig rig="threePt" dir="t"/>
+    </dgm:scene3d>
+    <dgm:sp3d/>
+    <dgm:txPr/>
+    <dgm:style>
+      <a:lnRef idx="2">
+        <a:scrgbClr r="0" g="0" b="0"/>
+      </a:lnRef>
+      <a:fillRef idx="1">
+        <a:scrgbClr r="0" g="0" b="0"/>
+      </a:fillRef>
+      <a:effectRef idx="0">
+        <a:scrgbClr r="0" g="0" b="0"/>
+      </a:effectRef>
+      <a:fontRef idx="minor"/>
+    </dgm:style>
+  </dgm:styleLbl>
+  <dgm:styleLbl name="solidFgAcc1">
+    <dgm:scene3d>
+      <a:camera prst="orthographicFront"/>
+      <a:lightRig rig="threePt" dir="t"/>
+    </dgm:scene3d>
+    <dgm:sp3d/>
+    <dgm:txPr/>
+    <dgm:style>
+      <a:lnRef idx="2">
+        <a:scrgbClr r="0" g="0" b="0"/>
+      </a:lnRef>
+      <a:fillRef idx="1">
+        <a:scrgbClr r="0" g="0" b="0"/>
+      </a:fillRef>
+      <a:effectRef idx="0">
+        <a:scrgbClr r="0" g="0" b="0"/>
+      </a:effectRef>
+      <a:fontRef idx="minor"/>
+    </dgm:style>
+  </dgm:styleLbl>
+  <dgm:styleLbl name="solidAlignAcc1">
+    <dgm:scene3d>
+      <a:camera prst="orthographicFront"/>
+      <a:lightRig rig="threePt" dir="t"/>
+    </dgm:scene3d>
+    <dgm:sp3d/>
+    <dgm:txPr/>
+    <dgm:style>
+      <a:lnRef idx="2">
+        <a:scrgbClr r="0" g="0" b="0"/>
+      </a:lnRef>
+      <a:fillRef idx="1">
+        <a:scrgbClr r="0" g="0" b="0"/>
+      </a:fillRef>
+      <a:effectRef idx="0">
+        <a:scrgbClr r="0" g="0" b="0"/>
+      </a:effectRef>
+      <a:fontRef idx="minor"/>
+    </dgm:style>
+  </dgm:styleLbl>
+  <dgm:styleLbl name="solidBgAcc1">
+    <dgm:scene3d>
+      <a:camera prst="orthographicFront"/>
+      <a:lightRig rig="threePt" dir="t"/>
+    </dgm:scene3d>
+    <dgm:sp3d/>
+    <dgm:txPr/>
+    <dgm:style>
+      <a:lnRef idx="2">
+        <a:scrgbClr r="0" g="0" b="0"/>
+      </a:lnRef>
+      <a:fillRef idx="1">
+        <a:scrgbClr r="0" g="0" b="0"/>
+      </a:fillRef>
+      <a:effectRef idx="0">
+        <a:scrgbClr r="0" g="0" b="0"/>
+      </a:effectRef>
+      <a:fontRef idx="minor"/>
+    </dgm:style>
+  </dgm:styleLbl>
+  <dgm:styleLbl name="fgAccFollowNode1">
+    <dgm:scene3d>
+      <a:camera prst="orthographicFront"/>
+      <a:lightRig rig="threePt" dir="t"/>
+    </dgm:scene3d>
+    <dgm:sp3d/>
+    <dgm:txPr/>
+    <dgm:style>
+      <a:lnRef idx="2">
+        <a:scrgbClr r="0" g="0" b="0"/>
+      </a:lnRef>
+      <a:fillRef idx="1">
+        <a:scrgbClr r="0" g="0" b="0"/>
+      </a:fillRef>
+      <a:effectRef idx="0">
+        <a:scrgbClr r="0" g="0" b="0"/>
+      </a:effectRef>
+      <a:fontRef idx="minor"/>
+    </dgm:style>
+  </dgm:styleLbl>
+  <dgm:styleLbl name="alignAccFollowNode1">
+    <dgm:scene3d>
+      <a:camera prst="orthographicFront"/>
+      <a:lightRig rig="threePt" dir="t"/>
+    </dgm:scene3d>
+    <dgm:sp3d/>
+    <dgm:txPr/>
+    <dgm:style>
+      <a:lnRef idx="2">
+        <a:scrgbClr r="0" g="0" b="0"/>
+      </a:lnRef>
+      <a:fillRef idx="1">
+        <a:scrgbClr r="0" g="0" b="0"/>
+      </a:fillRef>
+      <a:effectRef idx="0">
+        <a:scrgbClr r="0" g="0" b="0"/>
+      </a:effectRef>
+      <a:fontRef idx="minor"/>
+    </dgm:style>
+  </dgm:styleLbl>
+  <dgm:styleLbl name="bgAccFollowNode1">
+    <dgm:scene3d>
+      <a:camera prst="orthographicFront"/>
+      <a:lightRig rig="threePt" dir="t"/>
+    </dgm:scene3d>
+    <dgm:sp3d/>
+    <dgm:txPr/>
+    <dgm:style>
+      <a:lnRef idx="2">
+        <a:scrgbClr r="0" g="0" b="0"/>
+      </a:lnRef>
+      <a:fillRef idx="1">
+        <a:scrgbClr r="0" g="0" b="0"/>
+      </a:fillRef>
+      <a:effectRef idx="0">
+        <a:scrgbClr r="0" g="0" b="0"/>
+      </a:effectRef>
+      <a:fontRef idx="minor"/>
+    </dgm:style>
+  </dgm:styleLbl>
+  <dgm:styleLbl name="fgAcc0">
+    <dgm:scene3d>
+      <a:camera prst="orthographicFront"/>
+      <a:lightRig rig="threePt" dir="t"/>
+    </dgm:scene3d>
+    <dgm:sp3d/>
+    <dgm:txPr/>
+    <dgm:style>
+      <a:lnRef idx="2">
+        <a:scrgbClr r="0" g="0" b="0"/>
+      </a:lnRef>
+      <a:fillRef idx="1">
+        <a:scrgbClr r="0" g="0" b="0"/>
+      </a:fillRef>
+      <a:effectRef idx="0">
+        <a:scrgbClr r="0" g="0" b="0"/>
+      </a:effectRef>
+      <a:fontRef idx="minor"/>
+    </dgm:style>
+  </dgm:styleLbl>
+  <dgm:styleLbl name="fgAcc2">
+    <dgm:scene3d>
+      <a:camera prst="orthographicFront"/>
+      <a:lightRig rig="threePt" dir="t"/>
+    </dgm:scene3d>
+    <dgm:sp3d/>
+    <dgm:txPr/>
+    <dgm:style>
+      <a:lnRef idx="2">
+        <a:scrgbClr r="0" g="0" b="0"/>
+      </a:lnRef>
+      <a:fillRef idx="1">
+        <a:scrgbClr r="0" g="0" b="0"/>
+      </a:fillRef>
+      <a:effectRef idx="0">
+        <a:scrgbClr r="0" g="0" b="0"/>
+      </a:effectRef>
+      <a:fontRef idx="minor"/>
+    </dgm:style>
+  </dgm:styleLbl>
+  <dgm:styleLbl name="fgAcc3">
+    <dgm:scene3d>
+      <a:camera prst="orthographicFront"/>
+      <a:lightRig rig="threePt" dir="t"/>
+    </dgm:scene3d>
+    <dgm:sp3d/>
+    <dgm:txPr/>
+    <dgm:style>
+      <a:lnRef idx="2">
+        <a:scrgbClr r="0" g="0" b="0"/>
+      </a:lnRef>
+      <a:fillRef idx="1">
+        <a:scrgbClr r="0" g="0" b="0"/>
+      </a:fillRef>
+      <a:effectRef idx="0">
+        <a:scrgbClr r="0" g="0" b="0"/>
+      </a:effectRef>
+      <a:fontRef idx="minor"/>
+    </dgm:style>
+  </dgm:styleLbl>
+  <dgm:styleLbl name="fgAcc4">
+    <dgm:scene3d>
+      <a:camera prst="orthographicFront"/>
+      <a:lightRig rig="threePt" dir="t"/>
+    </dgm:scene3d>
+    <dgm:sp3d/>
+    <dgm:txPr/>
+    <dgm:style>
+      <a:lnRef idx="2">
+        <a:scrgbClr r="0" g="0" b="0"/>
+      </a:lnRef>
+      <a:fillRef idx="1">
+        <a:scrgbClr r="0" g="0" b="0"/>
+      </a:fillRef>
+      <a:effectRef idx="0">
+        <a:scrgbClr r="0" g="0" b="0"/>
+      </a:effectRef>
+      <a:fontRef idx="minor"/>
+    </dgm:style>
+  </dgm:styleLbl>
+  <dgm:styleLbl name="bgShp">
+    <dgm:scene3d>
+      <a:camera prst="orthographicFront"/>
+      <a:lightRig rig="threePt" dir="t"/>
+    </dgm:scene3d>
+    <dgm:sp3d/>
+    <dgm:txPr/>
+    <dgm:style>
+      <a:lnRef idx="0">
+        <a:scrgbClr r="0" g="0" b="0"/>
+      </a:lnRef>
+      <a:fillRef idx="1">
+        <a:scrgbClr r="0" g="0" b="0"/>
+      </a:fillRef>
+      <a:effectRef idx="0">
+        <a:scrgbClr r="0" g="0" b="0"/>
+      </a:effectRef>
+      <a:fontRef idx="minor"/>
+    </dgm:style>
+  </dgm:styleLbl>
+  <dgm:styleLbl name="dkBgShp">
+    <dgm:scene3d>
+      <a:camera prst="orthographicFront"/>
+      <a:lightRig rig="threePt" dir="t"/>
+    </dgm:scene3d>
+    <dgm:sp3d/>
+    <dgm:txPr/>
+    <dgm:style>
+      <a:lnRef idx="0">
+        <a:scrgbClr r="0" g="0" b="0"/>
+      </a:lnRef>
+      <a:fillRef idx="1">
+        <a:scrgbClr r="0" g="0" b="0"/>
+      </a:fillRef>
+      <a:effectRef idx="0">
+        <a:scrgbClr r="0" g="0" b="0"/>
+      </a:effectRef>
+      <a:fontRef idx="minor"/>
+    </dgm:style>
+  </dgm:styleLbl>
+  <dgm:styleLbl name="trBgShp">
+    <dgm:scene3d>
+      <a:camera prst="orthographicFront"/>
+      <a:lightRig rig="threePt" dir="t"/>
+    </dgm:scene3d>
+    <dgm:sp3d/>
+    <dgm:txPr/>
+    <dgm:style>
+      <a:lnRef idx="0">
+        <a:scrgbClr r="0" g="0" b="0"/>
+      </a:lnRef>
+      <a:fillRef idx="1">
+        <a:scrgbClr r="0" g="0" b="0"/>
+      </a:fillRef>
+      <a:effectRef idx="0">
+        <a:scrgbClr r="0" g="0" b="0"/>
+      </a:effectRef>
+      <a:fontRef idx="minor"/>
+    </dgm:style>
+  </dgm:styleLbl>
+  <dgm:styleLbl name="fgShp">
+    <dgm:scene3d>
+      <a:camera prst="orthographicFront"/>
+      <a:lightRig rig="threePt" dir="t"/>
+    </dgm:scene3d>
+    <dgm:sp3d/>
+    <dgm:txPr/>
+    <dgm:style>
+      <a:lnRef idx="2">
+        <a:scrgbClr r="0" g="0" b="0"/>
+      </a:lnRef>
+      <a:fillRef idx="1">
+        <a:scrgbClr r="0" g="0" b="0"/>
+      </a:fillRef>
+      <a:effectRef idx="0">
+        <a:scrgbClr r="0" g="0" b="0"/>
+      </a:effectRef>
+      <a:fontRef idx="minor"/>
+    </dgm:style>
+  </dgm:styleLbl>
+  <dgm:styleLbl name="revTx">
+    <dgm:scene3d>
+      <a:camera prst="orthographicFront"/>
+      <a:lightRig rig="threePt" dir="t"/>
+    </dgm:scene3d>
+    <dgm:sp3d/>
+    <dgm:txPr/>
+    <dgm:style>
+      <a:lnRef idx="0">
+        <a:scrgbClr r="0" g="0" b="0"/>
+      </a:lnRef>
+      <a:fillRef idx="0">
+        <a:scrgbClr r="0" g="0" b="0"/>
+      </a:fillRef>
+      <a:effectRef idx="0">
+        <a:scrgbClr r="0" g="0" b="0"/>
+      </a:effectRef>
+      <a:fontRef idx="minor"/>
+    </dgm:style>
+  </dgm:styleLbl>
+</dgm:styleDef>
 </file>
 
 <file path=ppt/slideLayouts/slideLayout1.xml><?xml version="1.0" encoding="utf-8"?>
@@ -258,7 +4061,7 @@
           <a:p>
             <a:fld id="{58027FAB-7136-7A4A-ABCB-105EDC9B17DB}" type="datetimeFigureOut">
               <a:rPr lang="en-US" smtClean="0"/>
-              <a:t>4/7/20</a:t>
+              <a:t>4/8/20</a:t>
             </a:fld>
             <a:endParaRPr lang="en-US"/>
           </a:p>
@@ -456,7 +4259,7 @@
           <a:p>
             <a:fld id="{58027FAB-7136-7A4A-ABCB-105EDC9B17DB}" type="datetimeFigureOut">
               <a:rPr lang="en-US" smtClean="0"/>
-              <a:t>4/7/20</a:t>
+              <a:t>4/8/20</a:t>
             </a:fld>
             <a:endParaRPr lang="en-US"/>
           </a:p>
@@ -664,7 +4467,7 @@
           <a:p>
             <a:fld id="{58027FAB-7136-7A4A-ABCB-105EDC9B17DB}" type="datetimeFigureOut">
               <a:rPr lang="en-US" smtClean="0"/>
-              <a:t>4/7/20</a:t>
+              <a:t>4/8/20</a:t>
             </a:fld>
             <a:endParaRPr lang="en-US"/>
           </a:p>
@@ -862,7 +4665,7 @@
           <a:p>
             <a:fld id="{58027FAB-7136-7A4A-ABCB-105EDC9B17DB}" type="datetimeFigureOut">
               <a:rPr lang="en-US" smtClean="0"/>
-              <a:t>4/7/20</a:t>
+              <a:t>4/8/20</a:t>
             </a:fld>
             <a:endParaRPr lang="en-US"/>
           </a:p>
@@ -1137,7 +4940,7 @@
           <a:p>
             <a:fld id="{58027FAB-7136-7A4A-ABCB-105EDC9B17DB}" type="datetimeFigureOut">
               <a:rPr lang="en-US" smtClean="0"/>
-              <a:t>4/7/20</a:t>
+              <a:t>4/8/20</a:t>
             </a:fld>
             <a:endParaRPr lang="en-US"/>
           </a:p>
@@ -1402,7 +5205,7 @@
           <a:p>
             <a:fld id="{58027FAB-7136-7A4A-ABCB-105EDC9B17DB}" type="datetimeFigureOut">
               <a:rPr lang="en-US" smtClean="0"/>
-              <a:t>4/7/20</a:t>
+              <a:t>4/8/20</a:t>
             </a:fld>
             <a:endParaRPr lang="en-US"/>
           </a:p>
@@ -1814,7 +5617,7 @@
           <a:p>
             <a:fld id="{58027FAB-7136-7A4A-ABCB-105EDC9B17DB}" type="datetimeFigureOut">
               <a:rPr lang="en-US" smtClean="0"/>
-              <a:t>4/7/20</a:t>
+              <a:t>4/8/20</a:t>
             </a:fld>
             <a:endParaRPr lang="en-US"/>
           </a:p>
@@ -1955,7 +5758,7 @@
           <a:p>
             <a:fld id="{58027FAB-7136-7A4A-ABCB-105EDC9B17DB}" type="datetimeFigureOut">
               <a:rPr lang="en-US" smtClean="0"/>
-              <a:t>4/7/20</a:t>
+              <a:t>4/8/20</a:t>
             </a:fld>
             <a:endParaRPr lang="en-US"/>
           </a:p>
@@ -2068,7 +5871,7 @@
           <a:p>
             <a:fld id="{58027FAB-7136-7A4A-ABCB-105EDC9B17DB}" type="datetimeFigureOut">
               <a:rPr lang="en-US" smtClean="0"/>
-              <a:t>4/7/20</a:t>
+              <a:t>4/8/20</a:t>
             </a:fld>
             <a:endParaRPr lang="en-US"/>
           </a:p>
@@ -2379,7 +6182,7 @@
           <a:p>
             <a:fld id="{58027FAB-7136-7A4A-ABCB-105EDC9B17DB}" type="datetimeFigureOut">
               <a:rPr lang="en-US" smtClean="0"/>
-              <a:t>4/7/20</a:t>
+              <a:t>4/8/20</a:t>
             </a:fld>
             <a:endParaRPr lang="en-US"/>
           </a:p>
@@ -2667,7 +6470,7 @@
           <a:p>
             <a:fld id="{58027FAB-7136-7A4A-ABCB-105EDC9B17DB}" type="datetimeFigureOut">
               <a:rPr lang="en-US" smtClean="0"/>
-              <a:t>4/7/20</a:t>
+              <a:t>4/8/20</a:t>
             </a:fld>
             <a:endParaRPr lang="en-US"/>
           </a:p>
@@ -2908,7 +6711,7 @@
           <a:p>
             <a:fld id="{58027FAB-7136-7A4A-ABCB-105EDC9B17DB}" type="datetimeFigureOut">
               <a:rPr lang="en-US" smtClean="0"/>
-              <a:t>4/7/20</a:t>
+              <a:t>4/8/20</a:t>
             </a:fld>
             <a:endParaRPr lang="en-US"/>
           </a:p>
@@ -3394,6 +7197,96 @@
 </p:sld>
 </file>
 
+<file path=ppt/slides/slide10.xml><?xml version="1.0" encoding="utf-8"?>
+<p:sld xmlns:a="http://schemas.openxmlformats.org/drawingml/2006/main" xmlns:r="http://schemas.openxmlformats.org/officeDocument/2006/relationships" xmlns:p="http://schemas.openxmlformats.org/presentationml/2006/main">
+  <p:cSld>
+    <p:spTree>
+      <p:nvGrpSpPr>
+        <p:cNvPr id="1" name=""/>
+        <p:cNvGrpSpPr/>
+        <p:nvPr/>
+      </p:nvGrpSpPr>
+      <p:grpSpPr>
+        <a:xfrm>
+          <a:off x="0" y="0"/>
+          <a:ext cx="0" cy="0"/>
+          <a:chOff x="0" y="0"/>
+          <a:chExt cx="0" cy="0"/>
+        </a:xfrm>
+      </p:grpSpPr>
+      <p:sp>
+        <p:nvSpPr>
+          <p:cNvPr id="2" name="Title 1">
+            <a:extLst>
+              <a:ext uri="{FF2B5EF4-FFF2-40B4-BE49-F238E27FC236}">
+                <a16:creationId xmlns:a16="http://schemas.microsoft.com/office/drawing/2014/main" id="{1687F124-D2F7-404B-BDF0-05B8EAAEF146}"/>
+              </a:ext>
+            </a:extLst>
+          </p:cNvPr>
+          <p:cNvSpPr>
+            <a:spLocks noGrp="1"/>
+          </p:cNvSpPr>
+          <p:nvPr>
+            <p:ph type="title"/>
+          </p:nvPr>
+        </p:nvSpPr>
+        <p:spPr/>
+        <p:txBody>
+          <a:bodyPr/>
+          <a:lstStyle/>
+          <a:p>
+            <a:r>
+              <a:rPr lang="en-US" dirty="0"/>
+              <a:t>P Value</a:t>
+            </a:r>
+          </a:p>
+        </p:txBody>
+      </p:sp>
+      <p:pic>
+        <p:nvPicPr>
+          <p:cNvPr id="4" name="Content Placeholder 3">
+            <a:extLst>
+              <a:ext uri="{FF2B5EF4-FFF2-40B4-BE49-F238E27FC236}">
+                <a16:creationId xmlns:a16="http://schemas.microsoft.com/office/drawing/2014/main" id="{27EDCDA8-5DBA-674D-8D12-AA2C3AD37824}"/>
+              </a:ext>
+            </a:extLst>
+          </p:cNvPr>
+          <p:cNvPicPr>
+            <a:picLocks noGrp="1" noChangeAspect="1"/>
+          </p:cNvPicPr>
+          <p:nvPr>
+            <p:ph idx="1"/>
+          </p:nvPr>
+        </p:nvPicPr>
+        <p:blipFill>
+          <a:blip r:embed="rId2"/>
+          <a:stretch>
+            <a:fillRect/>
+          </a:stretch>
+        </p:blipFill>
+        <p:spPr>
+          <a:xfrm>
+            <a:off x="1447800" y="2153444"/>
+            <a:ext cx="9296400" cy="3695700"/>
+          </a:xfrm>
+          <a:prstGeom prst="rect">
+            <a:avLst/>
+          </a:prstGeom>
+        </p:spPr>
+      </p:pic>
+    </p:spTree>
+    <p:extLst>
+      <p:ext uri="{BB962C8B-B14F-4D97-AF65-F5344CB8AC3E}">
+        <p14:creationId xmlns:p14="http://schemas.microsoft.com/office/powerpoint/2010/main" val="3383033073"/>
+      </p:ext>
+    </p:extLst>
+  </p:cSld>
+  <p:clrMapOvr>
+    <a:masterClrMapping/>
+  </p:clrMapOvr>
+</p:sld>
+</file>
+
 <file path=ppt/slides/slide2.xml><?xml version="1.0" encoding="utf-8"?>
 <p:sld xmlns:a="http://schemas.openxmlformats.org/drawingml/2006/main" xmlns:r="http://schemas.openxmlformats.org/officeDocument/2006/relationships" xmlns:p="http://schemas.openxmlformats.org/presentationml/2006/main">
   <p:cSld>
@@ -3695,6 +7588,14 @@
 <file path=ppt/slides/slide4.xml><?xml version="1.0" encoding="utf-8"?>
 <p:sld xmlns:a="http://schemas.openxmlformats.org/drawingml/2006/main" xmlns:r="http://schemas.openxmlformats.org/officeDocument/2006/relationships" xmlns:p="http://schemas.openxmlformats.org/presentationml/2006/main">
   <p:cSld>
+    <p:bg>
+      <p:bgPr>
+        <a:solidFill>
+          <a:schemeClr val="bg1"/>
+        </a:solidFill>
+        <a:effectLst/>
+      </p:bgPr>
+    </p:bg>
     <p:spTree>
       <p:nvGrpSpPr>
         <p:cNvPr id="1" name=""/>
@@ -3711,10 +7612,491 @@
       </p:grpSpPr>
       <p:sp>
         <p:nvSpPr>
-          <p:cNvPr id="4" name="Title 3">
+          <p:cNvPr id="10" name="Freeform: Shape 9">
             <a:extLst>
               <a:ext uri="{FF2B5EF4-FFF2-40B4-BE49-F238E27FC236}">
-                <a16:creationId xmlns:a16="http://schemas.microsoft.com/office/drawing/2014/main" id="{C7CB0D51-2476-F24F-839C-36105967CE0A}"/>
+                <a16:creationId xmlns:a16="http://schemas.microsoft.com/office/drawing/2014/main" id="{46C2E80F-49A6-4372-B103-219D417A55ED}"/>
+              </a:ext>
+              <a:ext uri="{C183D7F6-B498-43B3-948B-1728B52AA6E4}">
+                <adec:decorative xmlns:adec="http://schemas.microsoft.com/office/drawing/2017/decorative" val="1"/>
+              </a:ext>
+            </a:extLst>
+          </p:cNvPr>
+          <p:cNvSpPr>
+            <a:spLocks noGrp="1" noRot="1" noChangeAspect="1" noMove="1" noResize="1" noEditPoints="1" noAdjustHandles="1" noChangeArrowheads="1" noChangeShapeType="1" noTextEdit="1"/>
+          </p:cNvSpPr>
+          <p:nvPr>
+            <p:extLst>
+              <p:ext uri="{386F3935-93C4-4BCD-93E2-E3B085C9AB24}">
+                <p16:designElem xmlns:p16="http://schemas.microsoft.com/office/powerpoint/2015/main" val="1"/>
+              </p:ext>
+            </p:extLst>
+          </p:nvPr>
+        </p:nvSpPr>
+        <p:spPr>
+          <a:xfrm>
+            <a:off x="484096" y="470925"/>
+            <a:ext cx="4381009" cy="5892104"/>
+          </a:xfrm>
+          <a:custGeom>
+            <a:avLst/>
+            <a:gdLst>
+              <a:gd name="connsiteX0" fmla="*/ 0 w 4381009"/>
+              <a:gd name="connsiteY0" fmla="*/ 0 h 5892104"/>
+              <a:gd name="connsiteX1" fmla="*/ 4157628 w 4381009"/>
+              <a:gd name="connsiteY1" fmla="*/ 0 h 5892104"/>
+              <a:gd name="connsiteX2" fmla="*/ 4169302 w 4381009"/>
+              <a:gd name="connsiteY2" fmla="*/ 68659 h 5892104"/>
+              <a:gd name="connsiteX3" fmla="*/ 4191571 w 4381009"/>
+              <a:gd name="connsiteY3" fmla="*/ 205472 h 5892104"/>
+              <a:gd name="connsiteX4" fmla="*/ 4213368 w 4381009"/>
+              <a:gd name="connsiteY4" fmla="*/ 342890 h 5892104"/>
+              <a:gd name="connsiteX5" fmla="*/ 4232030 w 4381009"/>
+              <a:gd name="connsiteY5" fmla="*/ 480913 h 5892104"/>
+              <a:gd name="connsiteX6" fmla="*/ 4250848 w 4381009"/>
+              <a:gd name="connsiteY6" fmla="*/ 618332 h 5892104"/>
+              <a:gd name="connsiteX7" fmla="*/ 4268412 w 4381009"/>
+              <a:gd name="connsiteY7" fmla="*/ 756355 h 5892104"/>
+              <a:gd name="connsiteX8" fmla="*/ 4283467 w 4381009"/>
+              <a:gd name="connsiteY8" fmla="*/ 892563 h 5892104"/>
+              <a:gd name="connsiteX9" fmla="*/ 4297737 w 4381009"/>
+              <a:gd name="connsiteY9" fmla="*/ 1030587 h 5892104"/>
+              <a:gd name="connsiteX10" fmla="*/ 4310754 w 4381009"/>
+              <a:gd name="connsiteY10" fmla="*/ 1168005 h 5892104"/>
+              <a:gd name="connsiteX11" fmla="*/ 4322045 w 4381009"/>
+              <a:gd name="connsiteY11" fmla="*/ 1303002 h 5892104"/>
+              <a:gd name="connsiteX12" fmla="*/ 4333336 w 4381009"/>
+              <a:gd name="connsiteY12" fmla="*/ 1439815 h 5892104"/>
+              <a:gd name="connsiteX13" fmla="*/ 4342745 w 4381009"/>
+              <a:gd name="connsiteY13" fmla="*/ 1574812 h 5892104"/>
+              <a:gd name="connsiteX14" fmla="*/ 4350115 w 4381009"/>
+              <a:gd name="connsiteY14" fmla="*/ 1709808 h 5892104"/>
+              <a:gd name="connsiteX15" fmla="*/ 4357799 w 4381009"/>
+              <a:gd name="connsiteY15" fmla="*/ 1844200 h 5892104"/>
+              <a:gd name="connsiteX16" fmla="*/ 4364229 w 4381009"/>
+              <a:gd name="connsiteY16" fmla="*/ 1977381 h 5892104"/>
+              <a:gd name="connsiteX17" fmla="*/ 4368777 w 4381009"/>
+              <a:gd name="connsiteY17" fmla="*/ 2109351 h 5892104"/>
+              <a:gd name="connsiteX18" fmla="*/ 4372697 w 4381009"/>
+              <a:gd name="connsiteY18" fmla="*/ 2241321 h 5892104"/>
+              <a:gd name="connsiteX19" fmla="*/ 4376461 w 4381009"/>
+              <a:gd name="connsiteY19" fmla="*/ 2372080 h 5892104"/>
+              <a:gd name="connsiteX20" fmla="*/ 4378186 w 4381009"/>
+              <a:gd name="connsiteY20" fmla="*/ 2501023 h 5892104"/>
+              <a:gd name="connsiteX21" fmla="*/ 4380068 w 4381009"/>
+              <a:gd name="connsiteY21" fmla="*/ 2629966 h 5892104"/>
+              <a:gd name="connsiteX22" fmla="*/ 4381009 w 4381009"/>
+              <a:gd name="connsiteY22" fmla="*/ 2757093 h 5892104"/>
+              <a:gd name="connsiteX23" fmla="*/ 4380068 w 4381009"/>
+              <a:gd name="connsiteY23" fmla="*/ 2883010 h 5892104"/>
+              <a:gd name="connsiteX24" fmla="*/ 4380068 w 4381009"/>
+              <a:gd name="connsiteY24" fmla="*/ 3007715 h 5892104"/>
+              <a:gd name="connsiteX25" fmla="*/ 4378186 w 4381009"/>
+              <a:gd name="connsiteY25" fmla="*/ 3131210 h 5892104"/>
+              <a:gd name="connsiteX26" fmla="*/ 4375363 w 4381009"/>
+              <a:gd name="connsiteY26" fmla="*/ 3252283 h 5892104"/>
+              <a:gd name="connsiteX27" fmla="*/ 4372697 w 4381009"/>
+              <a:gd name="connsiteY27" fmla="*/ 3372146 h 5892104"/>
+              <a:gd name="connsiteX28" fmla="*/ 4369718 w 4381009"/>
+              <a:gd name="connsiteY28" fmla="*/ 3489587 h 5892104"/>
+              <a:gd name="connsiteX29" fmla="*/ 4365170 w 4381009"/>
+              <a:gd name="connsiteY29" fmla="*/ 3606423 h 5892104"/>
+              <a:gd name="connsiteX30" fmla="*/ 4360309 w 4381009"/>
+              <a:gd name="connsiteY30" fmla="*/ 3721443 h 5892104"/>
+              <a:gd name="connsiteX31" fmla="*/ 4355918 w 4381009"/>
+              <a:gd name="connsiteY31" fmla="*/ 3834041 h 5892104"/>
+              <a:gd name="connsiteX32" fmla="*/ 4343529 w 4381009"/>
+              <a:gd name="connsiteY32" fmla="*/ 4053789 h 5892104"/>
+              <a:gd name="connsiteX33" fmla="*/ 4330356 w 4381009"/>
+              <a:gd name="connsiteY33" fmla="*/ 4264457 h 5892104"/>
+              <a:gd name="connsiteX34" fmla="*/ 4316556 w 4381009"/>
+              <a:gd name="connsiteY34" fmla="*/ 4466650 h 5892104"/>
+              <a:gd name="connsiteX35" fmla="*/ 4301344 w 4381009"/>
+              <a:gd name="connsiteY35" fmla="*/ 4657946 h 5892104"/>
+              <a:gd name="connsiteX36" fmla="*/ 4285506 w 4381009"/>
+              <a:gd name="connsiteY36" fmla="*/ 4840767 h 5892104"/>
+              <a:gd name="connsiteX37" fmla="*/ 4268412 w 4381009"/>
+              <a:gd name="connsiteY37" fmla="*/ 5010269 h 5892104"/>
+              <a:gd name="connsiteX38" fmla="*/ 4251633 w 4381009"/>
+              <a:gd name="connsiteY38" fmla="*/ 5169481 h 5892104"/>
+              <a:gd name="connsiteX39" fmla="*/ 4234853 w 4381009"/>
+              <a:gd name="connsiteY39" fmla="*/ 5315980 h 5892104"/>
+              <a:gd name="connsiteX40" fmla="*/ 4219014 w 4381009"/>
+              <a:gd name="connsiteY40" fmla="*/ 5450371 h 5892104"/>
+              <a:gd name="connsiteX41" fmla="*/ 4203959 w 4381009"/>
+              <a:gd name="connsiteY41" fmla="*/ 5569628 h 5892104"/>
+              <a:gd name="connsiteX42" fmla="*/ 4189689 w 4381009"/>
+              <a:gd name="connsiteY42" fmla="*/ 5677384 h 5892104"/>
+              <a:gd name="connsiteX43" fmla="*/ 4177770 w 4381009"/>
+              <a:gd name="connsiteY43" fmla="*/ 5768189 h 5892104"/>
+              <a:gd name="connsiteX44" fmla="*/ 4166479 w 4381009"/>
+              <a:gd name="connsiteY44" fmla="*/ 5844465 h 5892104"/>
+              <a:gd name="connsiteX45" fmla="*/ 4159132 w 4381009"/>
+              <a:gd name="connsiteY45" fmla="*/ 5892104 h 5892104"/>
+              <a:gd name="connsiteX46" fmla="*/ 0 w 4381009"/>
+              <a:gd name="connsiteY46" fmla="*/ 5892104 h 5892104"/>
+            </a:gdLst>
+            <a:ahLst/>
+            <a:cxnLst>
+              <a:cxn ang="0">
+                <a:pos x="connsiteX0" y="connsiteY0"/>
+              </a:cxn>
+              <a:cxn ang="0">
+                <a:pos x="connsiteX1" y="connsiteY1"/>
+              </a:cxn>
+              <a:cxn ang="0">
+                <a:pos x="connsiteX2" y="connsiteY2"/>
+              </a:cxn>
+              <a:cxn ang="0">
+                <a:pos x="connsiteX3" y="connsiteY3"/>
+              </a:cxn>
+              <a:cxn ang="0">
+                <a:pos x="connsiteX4" y="connsiteY4"/>
+              </a:cxn>
+              <a:cxn ang="0">
+                <a:pos x="connsiteX5" y="connsiteY5"/>
+              </a:cxn>
+              <a:cxn ang="0">
+                <a:pos x="connsiteX6" y="connsiteY6"/>
+              </a:cxn>
+              <a:cxn ang="0">
+                <a:pos x="connsiteX7" y="connsiteY7"/>
+              </a:cxn>
+              <a:cxn ang="0">
+                <a:pos x="connsiteX8" y="connsiteY8"/>
+              </a:cxn>
+              <a:cxn ang="0">
+                <a:pos x="connsiteX9" y="connsiteY9"/>
+              </a:cxn>
+              <a:cxn ang="0">
+                <a:pos x="connsiteX10" y="connsiteY10"/>
+              </a:cxn>
+              <a:cxn ang="0">
+                <a:pos x="connsiteX11" y="connsiteY11"/>
+              </a:cxn>
+              <a:cxn ang="0">
+                <a:pos x="connsiteX12" y="connsiteY12"/>
+              </a:cxn>
+              <a:cxn ang="0">
+                <a:pos x="connsiteX13" y="connsiteY13"/>
+              </a:cxn>
+              <a:cxn ang="0">
+                <a:pos x="connsiteX14" y="connsiteY14"/>
+              </a:cxn>
+              <a:cxn ang="0">
+                <a:pos x="connsiteX15" y="connsiteY15"/>
+              </a:cxn>
+              <a:cxn ang="0">
+                <a:pos x="connsiteX16" y="connsiteY16"/>
+              </a:cxn>
+              <a:cxn ang="0">
+                <a:pos x="connsiteX17" y="connsiteY17"/>
+              </a:cxn>
+              <a:cxn ang="0">
+                <a:pos x="connsiteX18" y="connsiteY18"/>
+              </a:cxn>
+              <a:cxn ang="0">
+                <a:pos x="connsiteX19" y="connsiteY19"/>
+              </a:cxn>
+              <a:cxn ang="0">
+                <a:pos x="connsiteX20" y="connsiteY20"/>
+              </a:cxn>
+              <a:cxn ang="0">
+                <a:pos x="connsiteX21" y="connsiteY21"/>
+              </a:cxn>
+              <a:cxn ang="0">
+                <a:pos x="connsiteX22" y="connsiteY22"/>
+              </a:cxn>
+              <a:cxn ang="0">
+                <a:pos x="connsiteX23" y="connsiteY23"/>
+              </a:cxn>
+              <a:cxn ang="0">
+                <a:pos x="connsiteX24" y="connsiteY24"/>
+              </a:cxn>
+              <a:cxn ang="0">
+                <a:pos x="connsiteX25" y="connsiteY25"/>
+              </a:cxn>
+              <a:cxn ang="0">
+                <a:pos x="connsiteX26" y="connsiteY26"/>
+              </a:cxn>
+              <a:cxn ang="0">
+                <a:pos x="connsiteX27" y="connsiteY27"/>
+              </a:cxn>
+              <a:cxn ang="0">
+                <a:pos x="connsiteX28" y="connsiteY28"/>
+              </a:cxn>
+              <a:cxn ang="0">
+                <a:pos x="connsiteX29" y="connsiteY29"/>
+              </a:cxn>
+              <a:cxn ang="0">
+                <a:pos x="connsiteX30" y="connsiteY30"/>
+              </a:cxn>
+              <a:cxn ang="0">
+                <a:pos x="connsiteX31" y="connsiteY31"/>
+              </a:cxn>
+              <a:cxn ang="0">
+                <a:pos x="connsiteX32" y="connsiteY32"/>
+              </a:cxn>
+              <a:cxn ang="0">
+                <a:pos x="connsiteX33" y="connsiteY33"/>
+              </a:cxn>
+              <a:cxn ang="0">
+                <a:pos x="connsiteX34" y="connsiteY34"/>
+              </a:cxn>
+              <a:cxn ang="0">
+                <a:pos x="connsiteX35" y="connsiteY35"/>
+              </a:cxn>
+              <a:cxn ang="0">
+                <a:pos x="connsiteX36" y="connsiteY36"/>
+              </a:cxn>
+              <a:cxn ang="0">
+                <a:pos x="connsiteX37" y="connsiteY37"/>
+              </a:cxn>
+              <a:cxn ang="0">
+                <a:pos x="connsiteX38" y="connsiteY38"/>
+              </a:cxn>
+              <a:cxn ang="0">
+                <a:pos x="connsiteX39" y="connsiteY39"/>
+              </a:cxn>
+              <a:cxn ang="0">
+                <a:pos x="connsiteX40" y="connsiteY40"/>
+              </a:cxn>
+              <a:cxn ang="0">
+                <a:pos x="connsiteX41" y="connsiteY41"/>
+              </a:cxn>
+              <a:cxn ang="0">
+                <a:pos x="connsiteX42" y="connsiteY42"/>
+              </a:cxn>
+              <a:cxn ang="0">
+                <a:pos x="connsiteX43" y="connsiteY43"/>
+              </a:cxn>
+              <a:cxn ang="0">
+                <a:pos x="connsiteX44" y="connsiteY44"/>
+              </a:cxn>
+              <a:cxn ang="0">
+                <a:pos x="connsiteX45" y="connsiteY45"/>
+              </a:cxn>
+              <a:cxn ang="0">
+                <a:pos x="connsiteX46" y="connsiteY46"/>
+              </a:cxn>
+            </a:cxnLst>
+            <a:rect l="l" t="t" r="r" b="b"/>
+            <a:pathLst>
+              <a:path w="4381009" h="5892104">
+                <a:moveTo>
+                  <a:pt x="0" y="0"/>
+                </a:moveTo>
+                <a:lnTo>
+                  <a:pt x="4157628" y="0"/>
+                </a:lnTo>
+                <a:lnTo>
+                  <a:pt x="4169302" y="68659"/>
+                </a:lnTo>
+                <a:lnTo>
+                  <a:pt x="4191571" y="205472"/>
+                </a:lnTo>
+                <a:lnTo>
+                  <a:pt x="4213368" y="342890"/>
+                </a:lnTo>
+                <a:lnTo>
+                  <a:pt x="4232030" y="480913"/>
+                </a:lnTo>
+                <a:lnTo>
+                  <a:pt x="4250848" y="618332"/>
+                </a:lnTo>
+                <a:lnTo>
+                  <a:pt x="4268412" y="756355"/>
+                </a:lnTo>
+                <a:lnTo>
+                  <a:pt x="4283467" y="892563"/>
+                </a:lnTo>
+                <a:lnTo>
+                  <a:pt x="4297737" y="1030587"/>
+                </a:lnTo>
+                <a:lnTo>
+                  <a:pt x="4310754" y="1168005"/>
+                </a:lnTo>
+                <a:lnTo>
+                  <a:pt x="4322045" y="1303002"/>
+                </a:lnTo>
+                <a:lnTo>
+                  <a:pt x="4333336" y="1439815"/>
+                </a:lnTo>
+                <a:lnTo>
+                  <a:pt x="4342745" y="1574812"/>
+                </a:lnTo>
+                <a:lnTo>
+                  <a:pt x="4350115" y="1709808"/>
+                </a:lnTo>
+                <a:lnTo>
+                  <a:pt x="4357799" y="1844200"/>
+                </a:lnTo>
+                <a:lnTo>
+                  <a:pt x="4364229" y="1977381"/>
+                </a:lnTo>
+                <a:lnTo>
+                  <a:pt x="4368777" y="2109351"/>
+                </a:lnTo>
+                <a:lnTo>
+                  <a:pt x="4372697" y="2241321"/>
+                </a:lnTo>
+                <a:lnTo>
+                  <a:pt x="4376461" y="2372080"/>
+                </a:lnTo>
+                <a:lnTo>
+                  <a:pt x="4378186" y="2501023"/>
+                </a:lnTo>
+                <a:lnTo>
+                  <a:pt x="4380068" y="2629966"/>
+                </a:lnTo>
+                <a:lnTo>
+                  <a:pt x="4381009" y="2757093"/>
+                </a:lnTo>
+                <a:lnTo>
+                  <a:pt x="4380068" y="2883010"/>
+                </a:lnTo>
+                <a:lnTo>
+                  <a:pt x="4380068" y="3007715"/>
+                </a:lnTo>
+                <a:lnTo>
+                  <a:pt x="4378186" y="3131210"/>
+                </a:lnTo>
+                <a:lnTo>
+                  <a:pt x="4375363" y="3252283"/>
+                </a:lnTo>
+                <a:lnTo>
+                  <a:pt x="4372697" y="3372146"/>
+                </a:lnTo>
+                <a:lnTo>
+                  <a:pt x="4369718" y="3489587"/>
+                </a:lnTo>
+                <a:lnTo>
+                  <a:pt x="4365170" y="3606423"/>
+                </a:lnTo>
+                <a:lnTo>
+                  <a:pt x="4360309" y="3721443"/>
+                </a:lnTo>
+                <a:lnTo>
+                  <a:pt x="4355918" y="3834041"/>
+                </a:lnTo>
+                <a:lnTo>
+                  <a:pt x="4343529" y="4053789"/>
+                </a:lnTo>
+                <a:lnTo>
+                  <a:pt x="4330356" y="4264457"/>
+                </a:lnTo>
+                <a:lnTo>
+                  <a:pt x="4316556" y="4466650"/>
+                </a:lnTo>
+                <a:lnTo>
+                  <a:pt x="4301344" y="4657946"/>
+                </a:lnTo>
+                <a:lnTo>
+                  <a:pt x="4285506" y="4840767"/>
+                </a:lnTo>
+                <a:lnTo>
+                  <a:pt x="4268412" y="5010269"/>
+                </a:lnTo>
+                <a:lnTo>
+                  <a:pt x="4251633" y="5169481"/>
+                </a:lnTo>
+                <a:lnTo>
+                  <a:pt x="4234853" y="5315980"/>
+                </a:lnTo>
+                <a:lnTo>
+                  <a:pt x="4219014" y="5450371"/>
+                </a:lnTo>
+                <a:lnTo>
+                  <a:pt x="4203959" y="5569628"/>
+                </a:lnTo>
+                <a:lnTo>
+                  <a:pt x="4189689" y="5677384"/>
+                </a:lnTo>
+                <a:lnTo>
+                  <a:pt x="4177770" y="5768189"/>
+                </a:lnTo>
+                <a:lnTo>
+                  <a:pt x="4166479" y="5844465"/>
+                </a:lnTo>
+                <a:lnTo>
+                  <a:pt x="4159132" y="5892104"/>
+                </a:lnTo>
+                <a:lnTo>
+                  <a:pt x="0" y="5892104"/>
+                </a:lnTo>
+                <a:close/>
+              </a:path>
+            </a:pathLst>
+          </a:custGeom>
+          <a:solidFill>
+            <a:srgbClr val="404040"/>
+          </a:solidFill>
+          <a:ln>
+            <a:noFill/>
+          </a:ln>
+        </p:spPr>
+        <p:style>
+          <a:lnRef idx="2">
+            <a:schemeClr val="accent1">
+              <a:shade val="50000"/>
+            </a:schemeClr>
+          </a:lnRef>
+          <a:fillRef idx="1">
+            <a:schemeClr val="accent1"/>
+          </a:fillRef>
+          <a:effectRef idx="0">
+            <a:schemeClr val="accent1"/>
+          </a:effectRef>
+          <a:fontRef idx="minor">
+            <a:schemeClr val="lt1"/>
+          </a:fontRef>
+        </p:style>
+        <p:txBody>
+          <a:bodyPr wrap="square" rtlCol="0" anchor="ctr">
+            <a:noAutofit/>
+          </a:bodyPr>
+          <a:lstStyle/>
+          <a:p>
+            <a:pPr marL="0" marR="0" lvl="0" indent="0" algn="ctr" defTabSz="457200" rtl="0" eaLnBrk="1" fontAlgn="auto" latinLnBrk="0" hangingPunct="1">
+              <a:lnSpc>
+                <a:spcPct val="100000"/>
+              </a:lnSpc>
+              <a:spcBef>
+                <a:spcPts val="0"/>
+              </a:spcBef>
+              <a:spcAft>
+                <a:spcPts val="0"/>
+              </a:spcAft>
+              <a:buClrTx/>
+              <a:buSzTx/>
+              <a:buFontTx/>
+              <a:buNone/>
+              <a:tabLst/>
+              <a:defRPr/>
+            </a:pPr>
+            <a:endParaRPr kumimoji="0" lang="en-US" sz="1800" b="0" i="0" u="none" strike="noStrike" kern="1200" cap="none" spc="0" normalizeH="0" baseline="0" noProof="0">
+              <a:ln>
+                <a:noFill/>
+              </a:ln>
+              <a:solidFill>
+                <a:prstClr val="white"/>
+              </a:solidFill>
+              <a:effectLst/>
+              <a:uLnTx/>
+              <a:uFillTx/>
+              <a:latin typeface="Calibri" panose="020F0502020204030204"/>
+              <a:ea typeface="+mn-ea"/>
+              <a:cs typeface="+mn-cs"/>
+            </a:endParaRPr>
+          </a:p>
+        </p:txBody>
+      </p:sp>
+      <p:sp>
+        <p:nvSpPr>
+          <p:cNvPr id="2" name="Title 1">
+            <a:extLst>
+              <a:ext uri="{FF2B5EF4-FFF2-40B4-BE49-F238E27FC236}">
+                <a16:creationId xmlns:a16="http://schemas.microsoft.com/office/drawing/2014/main" id="{030BF582-0945-8D4F-9612-DF40BF81E1E3}"/>
               </a:ext>
             </a:extLst>
           </p:cNvPr>
@@ -3725,137 +8107,69 @@
             <p:ph type="title"/>
           </p:nvPr>
         </p:nvSpPr>
-        <p:spPr/>
+        <p:spPr>
+          <a:xfrm>
+            <a:off x="863029" y="1012004"/>
+            <a:ext cx="3416158" cy="4795408"/>
+          </a:xfrm>
+        </p:spPr>
         <p:txBody>
-          <a:bodyPr/>
+          <a:bodyPr>
+            <a:normAutofit/>
+          </a:bodyPr>
           <a:lstStyle/>
           <a:p>
             <a:r>
-              <a:rPr lang="en-US" dirty="0"/>
-              <a:t>Hypothesis</a:t>
-            </a:r>
+              <a:rPr lang="en-US" b="1">
+                <a:solidFill>
+                  <a:srgbClr val="FFFFFF"/>
+                </a:solidFill>
+              </a:rPr>
+              <a:t>Two Sample Approximate Test of Population Proportions</a:t>
+            </a:r>
+            <a:endParaRPr lang="en-US">
+              <a:solidFill>
+                <a:srgbClr val="FFFFFF"/>
+              </a:solidFill>
+            </a:endParaRPr>
           </a:p>
         </p:txBody>
       </p:sp>
-      <p:sp>
-        <p:nvSpPr>
-          <p:cNvPr id="5" name="Text Placeholder 4">
+      <p:graphicFrame>
+        <p:nvGraphicFramePr>
+          <p:cNvPr id="6" name="Content Placeholder 2">
             <a:extLst>
               <a:ext uri="{FF2B5EF4-FFF2-40B4-BE49-F238E27FC236}">
-                <a16:creationId xmlns:a16="http://schemas.microsoft.com/office/drawing/2014/main" id="{71F46870-9FAB-AA48-BDA1-FB218DC7BB64}"/>
+                <a16:creationId xmlns:a16="http://schemas.microsoft.com/office/drawing/2014/main" id="{2A2F3F32-F381-4D35-87EB-4048537D5F97}"/>
               </a:ext>
             </a:extLst>
           </p:cNvPr>
-          <p:cNvSpPr>
-            <a:spLocks noGrp="1"/>
-          </p:cNvSpPr>
+          <p:cNvGraphicFramePr>
+            <a:graphicFrameLocks noGrp="1"/>
+          </p:cNvGraphicFramePr>
           <p:nvPr>
-            <p:ph type="body" idx="1"/>
+            <p:ph idx="1"/>
+            <p:extLst>
+              <p:ext uri="{D42A27DB-BD31-4B8C-83A1-F6EECF244321}">
+                <p14:modId xmlns:p14="http://schemas.microsoft.com/office/powerpoint/2010/main" val="4283932975"/>
+              </p:ext>
+            </p:extLst>
           </p:nvPr>
-        </p:nvSpPr>
-        <p:spPr/>
-        <p:txBody>
-          <a:bodyPr/>
-          <a:lstStyle/>
-          <a:p>
-            <a:r>
-              <a:rPr lang="en-US" dirty="0"/>
-              <a:t>Null Hypothesis</a:t>
-            </a:r>
-          </a:p>
-        </p:txBody>
-      </p:sp>
-      <p:sp>
-        <p:nvSpPr>
-          <p:cNvPr id="6" name="Content Placeholder 5">
-            <a:extLst>
-              <a:ext uri="{FF2B5EF4-FFF2-40B4-BE49-F238E27FC236}">
-                <a16:creationId xmlns:a16="http://schemas.microsoft.com/office/drawing/2014/main" id="{527F1F51-7163-4345-B035-AB0BC58D785F}"/>
-              </a:ext>
-            </a:extLst>
-          </p:cNvPr>
-          <p:cNvSpPr>
-            <a:spLocks noGrp="1"/>
-          </p:cNvSpPr>
-          <p:nvPr>
-            <p:ph sz="half" idx="2"/>
-          </p:nvPr>
-        </p:nvSpPr>
-        <p:spPr/>
-        <p:txBody>
-          <a:bodyPr/>
-          <a:lstStyle/>
-          <a:p>
-            <a:r>
-              <a:rPr lang="en-US" dirty="0"/>
-              <a:t>There is no significant difference in medication prescriptions based on population demographics.</a:t>
-            </a:r>
-          </a:p>
-        </p:txBody>
-      </p:sp>
-      <p:sp>
-        <p:nvSpPr>
-          <p:cNvPr id="7" name="Text Placeholder 6">
-            <a:extLst>
-              <a:ext uri="{FF2B5EF4-FFF2-40B4-BE49-F238E27FC236}">
-                <a16:creationId xmlns:a16="http://schemas.microsoft.com/office/drawing/2014/main" id="{FC7BEA50-7377-F540-A64B-59718373A79D}"/>
-              </a:ext>
-            </a:extLst>
-          </p:cNvPr>
-          <p:cNvSpPr>
-            <a:spLocks noGrp="1"/>
-          </p:cNvSpPr>
-          <p:nvPr>
-            <p:ph type="body" sz="quarter" idx="3"/>
-          </p:nvPr>
-        </p:nvSpPr>
-        <p:spPr/>
-        <p:txBody>
-          <a:bodyPr/>
-          <a:lstStyle/>
-          <a:p>
-            <a:r>
-              <a:rPr lang="en-US" dirty="0"/>
-              <a:t>Alternate Hypothesis</a:t>
-            </a:r>
-          </a:p>
-        </p:txBody>
-      </p:sp>
-      <p:sp>
-        <p:nvSpPr>
-          <p:cNvPr id="8" name="Content Placeholder 7">
-            <a:extLst>
-              <a:ext uri="{FF2B5EF4-FFF2-40B4-BE49-F238E27FC236}">
-                <a16:creationId xmlns:a16="http://schemas.microsoft.com/office/drawing/2014/main" id="{5EA570D4-FE85-F64A-BC90-122B9107E8FA}"/>
-              </a:ext>
-            </a:extLst>
-          </p:cNvPr>
-          <p:cNvSpPr>
-            <a:spLocks noGrp="1"/>
-          </p:cNvSpPr>
-          <p:nvPr>
-            <p:ph sz="quarter" idx="4"/>
-          </p:nvPr>
-        </p:nvSpPr>
-        <p:spPr/>
-        <p:txBody>
-          <a:bodyPr/>
-          <a:lstStyle/>
-          <a:p>
-            <a:r>
-              <a:rPr lang="en-US" dirty="0"/>
-              <a:t>There is a significant difference in medication prescriptions based on population demographics.</a:t>
-            </a:r>
-          </a:p>
-          <a:p>
-            <a:endParaRPr lang="en-US" dirty="0"/>
-          </a:p>
-        </p:txBody>
-      </p:sp>
+        </p:nvGraphicFramePr>
+        <p:xfrm>
+          <a:off x="5194300" y="470924"/>
+          <a:ext cx="6513604" cy="5885426"/>
+        </p:xfrm>
+        <a:graphic>
+          <a:graphicData uri="http://schemas.openxmlformats.org/drawingml/2006/diagram">
+            <dgm:relIds xmlns:dgm="http://schemas.openxmlformats.org/drawingml/2006/diagram" xmlns:r="http://schemas.openxmlformats.org/officeDocument/2006/relationships" r:dm="rId2" r:lo="rId3" r:qs="rId4" r:cs="rId5"/>
+          </a:graphicData>
+        </a:graphic>
+      </p:graphicFrame>
     </p:spTree>
     <p:extLst>
       <p:ext uri="{BB962C8B-B14F-4D97-AF65-F5344CB8AC3E}">
-        <p14:creationId xmlns:p14="http://schemas.microsoft.com/office/powerpoint/2010/main" val="1644881719"/>
+        <p14:creationId xmlns:p14="http://schemas.microsoft.com/office/powerpoint/2010/main" val="1432256307"/>
       </p:ext>
     </p:extLst>
   </p:cSld>
@@ -3887,7 +8201,7 @@
           <p:cNvPr id="2" name="Title 1">
             <a:extLst>
               <a:ext uri="{FF2B5EF4-FFF2-40B4-BE49-F238E27FC236}">
-                <a16:creationId xmlns:a16="http://schemas.microsoft.com/office/drawing/2014/main" id="{1687F124-D2F7-404B-BDF0-05B8EAAEF146}"/>
+                <a16:creationId xmlns:a16="http://schemas.microsoft.com/office/drawing/2014/main" id="{6FB1FC02-0EF1-F649-A316-67E9C49B28CF}"/>
               </a:ext>
             </a:extLst>
           </p:cNvPr>
@@ -3904,48 +8218,951 @@
           <a:lstStyle/>
           <a:p>
             <a:r>
-              <a:rPr lang="en-US" dirty="0"/>
-              <a:t>P Value</a:t>
+              <a:rPr lang="en-US" b="1" dirty="0"/>
+              <a:t>Setup</a:t>
             </a:r>
           </a:p>
         </p:txBody>
       </p:sp>
-      <p:pic>
-        <p:nvPicPr>
-          <p:cNvPr id="4" name="Content Placeholder 3">
+      <p:sp>
+        <p:nvSpPr>
+          <p:cNvPr id="3" name="Content Placeholder 2">
             <a:extLst>
               <a:ext uri="{FF2B5EF4-FFF2-40B4-BE49-F238E27FC236}">
-                <a16:creationId xmlns:a16="http://schemas.microsoft.com/office/drawing/2014/main" id="{27EDCDA8-5DBA-674D-8D12-AA2C3AD37824}"/>
+                <a16:creationId xmlns:a16="http://schemas.microsoft.com/office/drawing/2014/main" id="{E8C09180-996F-774F-8F78-EE8A2CA1B974}"/>
               </a:ext>
             </a:extLst>
           </p:cNvPr>
-          <p:cNvPicPr>
-            <a:picLocks noGrp="1" noChangeAspect="1"/>
-          </p:cNvPicPr>
+          <p:cNvSpPr>
+            <a:spLocks noGrp="1"/>
+          </p:cNvSpPr>
           <p:nvPr>
             <p:ph idx="1"/>
           </p:nvPr>
-        </p:nvPicPr>
-        <p:blipFill>
-          <a:blip r:embed="rId2"/>
-          <a:stretch>
-            <a:fillRect/>
-          </a:stretch>
-        </p:blipFill>
+        </p:nvSpPr>
+        <p:spPr/>
+        <p:txBody>
+          <a:bodyPr/>
+          <a:lstStyle/>
+          <a:p>
+            <a:r>
+              <a:rPr lang="en-US" dirty="0"/>
+              <a:t>Medicare is a national health insurance program in the United States, begun in 1966 under the Social Security Administration and now administered by the Centers for Medicare and Medicaid Services (CMS).</a:t>
+            </a:r>
+          </a:p>
+          <a:p>
+            <a:r>
+              <a:rPr lang="en-US" dirty="0"/>
+              <a:t>In 2014 the CMS had 1.2 billion claims for medication prescriptions.</a:t>
+            </a:r>
+          </a:p>
+          <a:p>
+            <a:r>
+              <a:rPr lang="en-US" dirty="0"/>
+              <a:t>In 2014 the census estimated the United States population to be 318 million people</a:t>
+            </a:r>
+          </a:p>
+          <a:p>
+            <a:r>
+              <a:rPr lang="en-US" dirty="0"/>
+              <a:t>Does population demographics effect medication prescriptions?</a:t>
+            </a:r>
+          </a:p>
+        </p:txBody>
+      </p:sp>
+    </p:spTree>
+    <p:extLst>
+      <p:ext uri="{BB962C8B-B14F-4D97-AF65-F5344CB8AC3E}">
+        <p14:creationId xmlns:p14="http://schemas.microsoft.com/office/powerpoint/2010/main" val="442523693"/>
+      </p:ext>
+    </p:extLst>
+  </p:cSld>
+  <p:clrMapOvr>
+    <a:masterClrMapping/>
+  </p:clrMapOvr>
+</p:sld>
+</file>
+
+<file path=ppt/slides/slide6.xml><?xml version="1.0" encoding="utf-8"?>
+<p:sld xmlns:a="http://schemas.openxmlformats.org/drawingml/2006/main" xmlns:r="http://schemas.openxmlformats.org/officeDocument/2006/relationships" xmlns:p="http://schemas.openxmlformats.org/presentationml/2006/main">
+  <p:cSld>
+    <p:spTree>
+      <p:nvGrpSpPr>
+        <p:cNvPr id="1" name=""/>
+        <p:cNvGrpSpPr/>
+        <p:nvPr/>
+      </p:nvGrpSpPr>
+      <p:grpSpPr>
+        <a:xfrm>
+          <a:off x="0" y="0"/>
+          <a:ext cx="0" cy="0"/>
+          <a:chOff x="0" y="0"/>
+          <a:chExt cx="0" cy="0"/>
+        </a:xfrm>
+      </p:grpSpPr>
+      <p:sp>
+        <p:nvSpPr>
+          <p:cNvPr id="4" name="Title 3">
+            <a:extLst>
+              <a:ext uri="{FF2B5EF4-FFF2-40B4-BE49-F238E27FC236}">
+                <a16:creationId xmlns:a16="http://schemas.microsoft.com/office/drawing/2014/main" id="{C7CB0D51-2476-F24F-839C-36105967CE0A}"/>
+              </a:ext>
+            </a:extLst>
+          </p:cNvPr>
+          <p:cNvSpPr>
+            <a:spLocks noGrp="1"/>
+          </p:cNvSpPr>
+          <p:nvPr>
+            <p:ph type="title"/>
+          </p:nvPr>
+        </p:nvSpPr>
+        <p:spPr/>
+        <p:txBody>
+          <a:bodyPr/>
+          <a:lstStyle/>
+          <a:p>
+            <a:pPr lvl="0" algn="ctr"/>
+            <a:r>
+              <a:rPr lang="en-US" b="1" dirty="0"/>
+              <a:t>Take a Skeptical Stance, and Clearly State This Hypothesis</a:t>
+            </a:r>
+            <a:endParaRPr lang="en-US" dirty="0"/>
+          </a:p>
+        </p:txBody>
+      </p:sp>
+      <p:sp>
+        <p:nvSpPr>
+          <p:cNvPr id="5" name="Text Placeholder 4">
+            <a:extLst>
+              <a:ext uri="{FF2B5EF4-FFF2-40B4-BE49-F238E27FC236}">
+                <a16:creationId xmlns:a16="http://schemas.microsoft.com/office/drawing/2014/main" id="{71F46870-9FAB-AA48-BDA1-FB218DC7BB64}"/>
+              </a:ext>
+            </a:extLst>
+          </p:cNvPr>
+          <p:cNvSpPr>
+            <a:spLocks noGrp="1"/>
+          </p:cNvSpPr>
+          <p:nvPr>
+            <p:ph type="body" idx="1"/>
+          </p:nvPr>
+        </p:nvSpPr>
+        <p:spPr/>
+        <p:txBody>
+          <a:bodyPr/>
+          <a:lstStyle/>
+          <a:p>
+            <a:r>
+              <a:rPr lang="en-US" dirty="0"/>
+              <a:t>Null Hypothesis</a:t>
+            </a:r>
+          </a:p>
+        </p:txBody>
+      </p:sp>
+      <p:sp>
+        <p:nvSpPr>
+          <p:cNvPr id="6" name="Content Placeholder 5">
+            <a:extLst>
+              <a:ext uri="{FF2B5EF4-FFF2-40B4-BE49-F238E27FC236}">
+                <a16:creationId xmlns:a16="http://schemas.microsoft.com/office/drawing/2014/main" id="{527F1F51-7163-4345-B035-AB0BC58D785F}"/>
+              </a:ext>
+            </a:extLst>
+          </p:cNvPr>
+          <p:cNvSpPr>
+            <a:spLocks noGrp="1"/>
+          </p:cNvSpPr>
+          <p:nvPr>
+            <p:ph sz="half" idx="2"/>
+          </p:nvPr>
+        </p:nvSpPr>
+        <p:spPr/>
+        <p:txBody>
+          <a:bodyPr/>
+          <a:lstStyle/>
+          <a:p>
+            <a:r>
+              <a:rPr lang="en-US" dirty="0"/>
+              <a:t>There is no significant difference in medication prescriptions based on population demographics.</a:t>
+            </a:r>
+          </a:p>
+        </p:txBody>
+      </p:sp>
+      <p:sp>
+        <p:nvSpPr>
+          <p:cNvPr id="7" name="Text Placeholder 6">
+            <a:extLst>
+              <a:ext uri="{FF2B5EF4-FFF2-40B4-BE49-F238E27FC236}">
+                <a16:creationId xmlns:a16="http://schemas.microsoft.com/office/drawing/2014/main" id="{FC7BEA50-7377-F540-A64B-59718373A79D}"/>
+              </a:ext>
+            </a:extLst>
+          </p:cNvPr>
+          <p:cNvSpPr>
+            <a:spLocks noGrp="1"/>
+          </p:cNvSpPr>
+          <p:nvPr>
+            <p:ph type="body" sz="quarter" idx="3"/>
+          </p:nvPr>
+        </p:nvSpPr>
+        <p:spPr/>
+        <p:txBody>
+          <a:bodyPr/>
+          <a:lstStyle/>
+          <a:p>
+            <a:r>
+              <a:rPr lang="en-US" dirty="0"/>
+              <a:t>Alternate Hypothesis</a:t>
+            </a:r>
+          </a:p>
+        </p:txBody>
+      </p:sp>
+      <p:sp>
+        <p:nvSpPr>
+          <p:cNvPr id="8" name="Content Placeholder 7">
+            <a:extLst>
+              <a:ext uri="{FF2B5EF4-FFF2-40B4-BE49-F238E27FC236}">
+                <a16:creationId xmlns:a16="http://schemas.microsoft.com/office/drawing/2014/main" id="{5EA570D4-FE85-F64A-BC90-122B9107E8FA}"/>
+              </a:ext>
+            </a:extLst>
+          </p:cNvPr>
+          <p:cNvSpPr>
+            <a:spLocks noGrp="1"/>
+          </p:cNvSpPr>
+          <p:nvPr>
+            <p:ph sz="quarter" idx="4"/>
+          </p:nvPr>
+        </p:nvSpPr>
+        <p:spPr/>
+        <p:txBody>
+          <a:bodyPr/>
+          <a:lstStyle/>
+          <a:p>
+            <a:r>
+              <a:rPr lang="en-US" dirty="0"/>
+              <a:t>There is a significant difference in medication prescriptions based on population demographics.</a:t>
+            </a:r>
+          </a:p>
+          <a:p>
+            <a:endParaRPr lang="en-US" dirty="0"/>
+          </a:p>
+        </p:txBody>
+      </p:sp>
+    </p:spTree>
+    <p:extLst>
+      <p:ext uri="{BB962C8B-B14F-4D97-AF65-F5344CB8AC3E}">
+        <p14:creationId xmlns:p14="http://schemas.microsoft.com/office/powerpoint/2010/main" val="1644881719"/>
+      </p:ext>
+    </p:extLst>
+  </p:cSld>
+  <p:clrMapOvr>
+    <a:masterClrMapping/>
+  </p:clrMapOvr>
+</p:sld>
+</file>
+
+<file path=ppt/slides/slide7.xml><?xml version="1.0" encoding="utf-8"?>
+<p:sld xmlns:a="http://schemas.openxmlformats.org/drawingml/2006/main" xmlns:r="http://schemas.openxmlformats.org/officeDocument/2006/relationships" xmlns:p="http://schemas.openxmlformats.org/presentationml/2006/main">
+  <p:cSld>
+    <p:spTree>
+      <p:nvGrpSpPr>
+        <p:cNvPr id="1" name=""/>
+        <p:cNvGrpSpPr/>
+        <p:nvPr/>
+      </p:nvGrpSpPr>
+      <p:grpSpPr>
+        <a:xfrm>
+          <a:off x="0" y="0"/>
+          <a:ext cx="0" cy="0"/>
+          <a:chOff x="0" y="0"/>
+          <a:chExt cx="0" cy="0"/>
+        </a:xfrm>
+      </p:grpSpPr>
+      <p:sp>
+        <p:nvSpPr>
+          <p:cNvPr id="2" name="Title 1">
+            <a:extLst>
+              <a:ext uri="{FF2B5EF4-FFF2-40B4-BE49-F238E27FC236}">
+                <a16:creationId xmlns:a16="http://schemas.microsoft.com/office/drawing/2014/main" id="{AA551785-BE73-0D41-8466-338FDB1CB587}"/>
+              </a:ext>
+            </a:extLst>
+          </p:cNvPr>
+          <p:cNvSpPr>
+            <a:spLocks noGrp="1"/>
+          </p:cNvSpPr>
+          <p:nvPr>
+            <p:ph type="title"/>
+          </p:nvPr>
+        </p:nvSpPr>
+        <p:spPr/>
+        <p:txBody>
+          <a:bodyPr>
+            <a:normAutofit/>
+          </a:bodyPr>
+          <a:lstStyle/>
+          <a:p>
+            <a:r>
+              <a:rPr lang="en-US" b="1" dirty="0"/>
+              <a:t>Create a Probabilistic Model of the Situation Assuming the Null Hypothesis is True</a:t>
+            </a:r>
+            <a:endParaRPr lang="en-US" dirty="0"/>
+          </a:p>
+        </p:txBody>
+      </p:sp>
+      <p:sp>
+        <p:nvSpPr>
+          <p:cNvPr id="7" name="Content Placeholder 6">
+            <a:extLst>
+              <a:ext uri="{FF2B5EF4-FFF2-40B4-BE49-F238E27FC236}">
+                <a16:creationId xmlns:a16="http://schemas.microsoft.com/office/drawing/2014/main" id="{D4A7DCF2-E8EA-8147-952F-9AFEF48B15A7}"/>
+              </a:ext>
+            </a:extLst>
+          </p:cNvPr>
+          <p:cNvSpPr>
+            <a:spLocks noGrp="1"/>
+          </p:cNvSpPr>
+          <p:nvPr>
+            <p:ph sz="half" idx="1"/>
+          </p:nvPr>
+        </p:nvSpPr>
+        <p:spPr/>
+        <p:txBody>
+          <a:bodyPr/>
+          <a:lstStyle/>
+          <a:p>
+            <a:r>
+              <a:rPr lang="en-US" b="1" dirty="0"/>
+              <a:t>Drug of Focus: </a:t>
+            </a:r>
+          </a:p>
+          <a:p>
+            <a:pPr lvl="1"/>
+            <a:r>
+              <a:rPr lang="en-US" dirty="0"/>
+              <a:t>LEVOTHYROXINE SODIUM</a:t>
+            </a:r>
+          </a:p>
+          <a:p>
+            <a:pPr lvl="1"/>
+            <a:r>
+              <a:rPr lang="en-US" dirty="0"/>
+              <a:t>This treats hyperthyroidism</a:t>
+            </a:r>
+          </a:p>
+          <a:p>
+            <a:r>
+              <a:rPr lang="en-US" b="1" dirty="0"/>
+              <a:t>Demographic of Focus:</a:t>
+            </a:r>
+          </a:p>
+          <a:p>
+            <a:pPr lvl="1"/>
+            <a:r>
+              <a:rPr lang="en-US" dirty="0"/>
+              <a:t>Gender population percentage</a:t>
+            </a:r>
+          </a:p>
+          <a:p>
+            <a:r>
+              <a:rPr lang="en-US" b="1" dirty="0"/>
+              <a:t> States of Focus:</a:t>
+            </a:r>
+          </a:p>
+          <a:p>
+            <a:pPr lvl="1"/>
+            <a:r>
+              <a:rPr lang="en-US" dirty="0"/>
+              <a:t>Arkansas: </a:t>
+            </a:r>
+          </a:p>
+          <a:p>
+            <a:pPr lvl="2"/>
+            <a:r>
+              <a:rPr lang="en-US" dirty="0"/>
+              <a:t>Female= 47.6%; Male= 52.4%</a:t>
+            </a:r>
+          </a:p>
+          <a:p>
+            <a:pPr lvl="1"/>
+            <a:r>
+              <a:rPr lang="en-US" dirty="0"/>
+              <a:t>Denver:</a:t>
+            </a:r>
+          </a:p>
+          <a:p>
+            <a:pPr lvl="2"/>
+            <a:r>
+              <a:rPr lang="en-US" dirty="0"/>
+              <a:t>Female= 51.6%; Male= 48.4%</a:t>
+            </a:r>
+          </a:p>
+          <a:p>
+            <a:endParaRPr lang="en-US" dirty="0"/>
+          </a:p>
+        </p:txBody>
+      </p:sp>
+      <p:sp>
+        <p:nvSpPr>
+          <p:cNvPr id="8" name="Content Placeholder 7">
+            <a:extLst>
+              <a:ext uri="{FF2B5EF4-FFF2-40B4-BE49-F238E27FC236}">
+                <a16:creationId xmlns:a16="http://schemas.microsoft.com/office/drawing/2014/main" id="{38DDE0B5-FF4F-E944-B399-DAEB19A041E9}"/>
+              </a:ext>
+            </a:extLst>
+          </p:cNvPr>
+          <p:cNvSpPr>
+            <a:spLocks noGrp="1"/>
+          </p:cNvSpPr>
+          <p:nvPr>
+            <p:ph sz="half" idx="2"/>
+          </p:nvPr>
+        </p:nvSpPr>
+        <p:spPr/>
+        <p:txBody>
+          <a:bodyPr/>
+          <a:lstStyle/>
+          <a:p>
+            <a:r>
+              <a:rPr lang="en-US" dirty="0"/>
+              <a:t>Drugs are ranked 1 to 5</a:t>
+            </a:r>
+          </a:p>
+          <a:p>
+            <a:r>
+              <a:rPr lang="en-US" dirty="0"/>
+              <a:t>5 being highest total claims in state</a:t>
+            </a:r>
+          </a:p>
+          <a:p>
+            <a:r>
+              <a:rPr lang="en-US" dirty="0"/>
+              <a:t>1 being lowest total claims in state</a:t>
+            </a:r>
+          </a:p>
+          <a:p>
+            <a:r>
+              <a:rPr lang="en-US" dirty="0"/>
+              <a:t>The rank of LEVOTHYROXINE SODIUM will change based on gender population percentage</a:t>
+            </a:r>
+          </a:p>
+        </p:txBody>
+      </p:sp>
+    </p:spTree>
+    <p:extLst>
+      <p:ext uri="{BB962C8B-B14F-4D97-AF65-F5344CB8AC3E}">
+        <p14:creationId xmlns:p14="http://schemas.microsoft.com/office/powerpoint/2010/main" val="2530857039"/>
+      </p:ext>
+    </p:extLst>
+  </p:cSld>
+  <p:clrMapOvr>
+    <a:masterClrMapping/>
+  </p:clrMapOvr>
+</p:sld>
+</file>
+
+<file path=ppt/slides/slide8.xml><?xml version="1.0" encoding="utf-8"?>
+<p:sld xmlns:a="http://schemas.openxmlformats.org/drawingml/2006/main" xmlns:r="http://schemas.openxmlformats.org/officeDocument/2006/relationships" xmlns:p="http://schemas.openxmlformats.org/presentationml/2006/main">
+  <p:cSld>
+    <p:spTree>
+      <p:nvGrpSpPr>
+        <p:cNvPr id="1" name=""/>
+        <p:cNvGrpSpPr/>
+        <p:nvPr/>
+      </p:nvGrpSpPr>
+      <p:grpSpPr>
+        <a:xfrm>
+          <a:off x="0" y="0"/>
+          <a:ext cx="0" cy="0"/>
+          <a:chOff x="0" y="0"/>
+          <a:chExt cx="0" cy="0"/>
+        </a:xfrm>
+      </p:grpSpPr>
+      <p:sp>
+        <p:nvSpPr>
+          <p:cNvPr id="2" name="Title 1">
+            <a:extLst>
+              <a:ext uri="{FF2B5EF4-FFF2-40B4-BE49-F238E27FC236}">
+                <a16:creationId xmlns:a16="http://schemas.microsoft.com/office/drawing/2014/main" id="{D7B907BC-1548-994B-9FB5-C2EF7E4B3F66}"/>
+              </a:ext>
+            </a:extLst>
+          </p:cNvPr>
+          <p:cNvSpPr>
+            <a:spLocks noGrp="1"/>
+          </p:cNvSpPr>
+          <p:nvPr>
+            <p:ph type="title"/>
+          </p:nvPr>
+        </p:nvSpPr>
+        <p:spPr/>
+        <p:txBody>
+          <a:bodyPr/>
+          <a:lstStyle/>
+          <a:p>
+            <a:r>
+              <a:rPr lang="en-US"/>
+              <a:t>Hypothesis Testing with Pearson's r</a:t>
+            </a:r>
+            <a:endParaRPr lang="en-US" dirty="0"/>
+          </a:p>
+        </p:txBody>
+      </p:sp>
+      <p:sp>
+        <p:nvSpPr>
+          <p:cNvPr id="3" name="Content Placeholder 2">
+            <a:extLst>
+              <a:ext uri="{FF2B5EF4-FFF2-40B4-BE49-F238E27FC236}">
+                <a16:creationId xmlns:a16="http://schemas.microsoft.com/office/drawing/2014/main" id="{2CFCFB9D-4B03-694D-8200-5B79EA83B984}"/>
+              </a:ext>
+            </a:extLst>
+          </p:cNvPr>
+          <p:cNvSpPr>
+            <a:spLocks noGrp="1"/>
+          </p:cNvSpPr>
+          <p:nvPr>
+            <p:ph sz="half" idx="1"/>
+          </p:nvPr>
+        </p:nvSpPr>
+        <p:spPr/>
+        <p:txBody>
+          <a:bodyPr>
+            <a:normAutofit/>
+          </a:bodyPr>
+          <a:lstStyle/>
+          <a:p>
+            <a:pPr marL="514350" indent="-514350">
+              <a:buFont typeface="+mj-lt"/>
+              <a:buAutoNum type="arabicPeriod"/>
+            </a:pPr>
+            <a:r>
+              <a:rPr lang="en-US" dirty="0"/>
+              <a:t>Define Null and Alternative Hypotheses</a:t>
+            </a:r>
+          </a:p>
+          <a:p>
+            <a:pPr marL="514350" indent="-514350">
+              <a:buFont typeface="+mj-lt"/>
+              <a:buAutoNum type="arabicPeriod"/>
+            </a:pPr>
+            <a:r>
+              <a:rPr lang="en-US" dirty="0"/>
+              <a:t>State Alpha</a:t>
+            </a:r>
+          </a:p>
+          <a:p>
+            <a:pPr marL="514350" indent="-514350">
+              <a:buFont typeface="+mj-lt"/>
+              <a:buAutoNum type="arabicPeriod"/>
+            </a:pPr>
+            <a:r>
+              <a:rPr lang="en-US" dirty="0"/>
+              <a:t>Calculate Degrees of Freedom</a:t>
+            </a:r>
+          </a:p>
+          <a:p>
+            <a:pPr marL="514350" indent="-514350">
+              <a:buFont typeface="+mj-lt"/>
+              <a:buAutoNum type="arabicPeriod"/>
+            </a:pPr>
+            <a:r>
+              <a:rPr lang="en-US" dirty="0"/>
+              <a:t>State Decision Rule</a:t>
+            </a:r>
+          </a:p>
+          <a:p>
+            <a:pPr marL="514350" indent="-514350">
+              <a:buFont typeface="+mj-lt"/>
+              <a:buAutoNum type="arabicPeriod"/>
+            </a:pPr>
+            <a:r>
+              <a:rPr lang="en-US" dirty="0"/>
+              <a:t>Calculate Test Statistic</a:t>
+            </a:r>
+          </a:p>
+          <a:p>
+            <a:pPr marL="514350" indent="-514350">
+              <a:buFont typeface="+mj-lt"/>
+              <a:buAutoNum type="arabicPeriod"/>
+            </a:pPr>
+            <a:r>
+              <a:rPr lang="en-US" dirty="0"/>
+              <a:t>State Results</a:t>
+            </a:r>
+          </a:p>
+          <a:p>
+            <a:pPr marL="514350" indent="-514350">
+              <a:buFont typeface="+mj-lt"/>
+              <a:buAutoNum type="arabicPeriod"/>
+            </a:pPr>
+            <a:r>
+              <a:rPr lang="en-US" dirty="0"/>
+              <a:t>State Conclusion</a:t>
+            </a:r>
+          </a:p>
+        </p:txBody>
+      </p:sp>
+      <p:sp>
+        <p:nvSpPr>
+          <p:cNvPr id="4" name="Content Placeholder 3">
+            <a:extLst>
+              <a:ext uri="{FF2B5EF4-FFF2-40B4-BE49-F238E27FC236}">
+                <a16:creationId xmlns:a16="http://schemas.microsoft.com/office/drawing/2014/main" id="{3BBA2718-94BF-C041-83B2-B9E77A51BBA2}"/>
+              </a:ext>
+            </a:extLst>
+          </p:cNvPr>
+          <p:cNvSpPr>
+            <a:spLocks noGrp="1"/>
+          </p:cNvSpPr>
+          <p:nvPr>
+            <p:ph sz="half" idx="2"/>
+          </p:nvPr>
+        </p:nvSpPr>
+        <p:spPr/>
+        <p:txBody>
+          <a:bodyPr>
+            <a:normAutofit/>
+          </a:bodyPr>
+          <a:lstStyle/>
+          <a:p>
+            <a:pPr marL="514350" indent="-514350">
+              <a:buFont typeface="+mj-lt"/>
+              <a:buAutoNum type="arabicPeriod"/>
+            </a:pPr>
+            <a:r>
+              <a:rPr lang="en-US" dirty="0"/>
+              <a:t>There is no correlation between gender and drug rank</a:t>
+            </a:r>
+          </a:p>
+          <a:p>
+            <a:pPr marL="514350" indent="-514350">
+              <a:buFont typeface="+mj-lt"/>
+              <a:buAutoNum type="arabicPeriod"/>
+            </a:pPr>
+            <a:r>
+              <a:rPr lang="en-US" dirty="0"/>
+              <a:t>Alpha = .01</a:t>
+            </a:r>
+          </a:p>
+          <a:p>
+            <a:pPr marL="514350" indent="-514350">
+              <a:buFont typeface="+mj-lt"/>
+              <a:buAutoNum type="arabicPeriod"/>
+            </a:pPr>
+            <a:r>
+              <a:rPr lang="en-US" dirty="0"/>
+              <a:t>DOF = 250-2= 248</a:t>
+            </a:r>
+          </a:p>
+          <a:p>
+            <a:pPr marL="514350" indent="-514350">
+              <a:buFont typeface="+mj-lt"/>
+              <a:buAutoNum type="arabicPeriod"/>
+            </a:pPr>
+            <a:r>
+              <a:rPr lang="en-US" dirty="0"/>
+              <a:t>If r &gt; .254, then REJECT Null</a:t>
+            </a:r>
+          </a:p>
+          <a:p>
+            <a:pPr marL="514350" indent="-514350">
+              <a:buFont typeface="+mj-lt"/>
+              <a:buAutoNum type="arabicPeriod"/>
+            </a:pPr>
+            <a:r>
+              <a:rPr lang="en-US" dirty="0"/>
+              <a:t>r = .99</a:t>
+            </a:r>
+          </a:p>
+          <a:p>
+            <a:pPr marL="514350" indent="-514350">
+              <a:buFont typeface="+mj-lt"/>
+              <a:buAutoNum type="arabicPeriod"/>
+            </a:pPr>
+            <a:r>
+              <a:rPr lang="en-US" sz="2400" dirty="0"/>
+              <a:t>r(248) = .99 &gt; .195; REJECT NULL </a:t>
+            </a:r>
+          </a:p>
+          <a:p>
+            <a:pPr marL="514350" indent="-514350">
+              <a:buFont typeface="+mj-lt"/>
+              <a:buAutoNum type="arabicPeriod"/>
+            </a:pPr>
+            <a:r>
+              <a:rPr lang="en-US" dirty="0"/>
+              <a:t>There is a relationship between gender and drug rank</a:t>
+            </a:r>
+          </a:p>
+        </p:txBody>
+      </p:sp>
+      <p:sp>
+        <p:nvSpPr>
+          <p:cNvPr id="5" name="TextBox 4">
+            <a:extLst>
+              <a:ext uri="{FF2B5EF4-FFF2-40B4-BE49-F238E27FC236}">
+                <a16:creationId xmlns:a16="http://schemas.microsoft.com/office/drawing/2014/main" id="{247120E5-7D2E-F449-92AC-981ECD474D93}"/>
+              </a:ext>
+            </a:extLst>
+          </p:cNvPr>
+          <p:cNvSpPr txBox="1"/>
+          <p:nvPr/>
+        </p:nvSpPr>
         <p:spPr>
           <a:xfrm>
-            <a:off x="1447800" y="2153444"/>
-            <a:ext cx="9296400" cy="3695700"/>
+            <a:off x="685800" y="6127234"/>
+            <a:ext cx="4828181" cy="369332"/>
           </a:xfrm>
           <a:prstGeom prst="rect">
             <a:avLst/>
           </a:prstGeom>
+          <a:noFill/>
         </p:spPr>
-      </p:pic>
+        <p:txBody>
+          <a:bodyPr wrap="none" rtlCol="0">
+            <a:spAutoFit/>
+          </a:bodyPr>
+          <a:lstStyle/>
+          <a:p>
+            <a:r>
+              <a:rPr lang="en-US" dirty="0">
+                <a:hlinkClick r:id="rId2"/>
+              </a:rPr>
+              <a:t>https://www.youtube.com/watch?v=rR-jptLvhFw</a:t>
+            </a:r>
+            <a:r>
+              <a:rPr lang="en-US" dirty="0"/>
+              <a:t> </a:t>
+            </a:r>
+          </a:p>
+        </p:txBody>
+      </p:sp>
     </p:spTree>
     <p:extLst>
       <p:ext uri="{BB962C8B-B14F-4D97-AF65-F5344CB8AC3E}">
-        <p14:creationId xmlns:p14="http://schemas.microsoft.com/office/powerpoint/2010/main" val="3383033073"/>
+        <p14:creationId xmlns:p14="http://schemas.microsoft.com/office/powerpoint/2010/main" val="2253552358"/>
+      </p:ext>
+    </p:extLst>
+  </p:cSld>
+  <p:clrMapOvr>
+    <a:masterClrMapping/>
+  </p:clrMapOvr>
+</p:sld>
+</file>
+
+<file path=ppt/slides/slide9.xml><?xml version="1.0" encoding="utf-8"?>
+<p:sld xmlns:a="http://schemas.openxmlformats.org/drawingml/2006/main" xmlns:r="http://schemas.openxmlformats.org/officeDocument/2006/relationships" xmlns:p="http://schemas.openxmlformats.org/presentationml/2006/main">
+  <p:cSld>
+    <p:spTree>
+      <p:nvGrpSpPr>
+        <p:cNvPr id="1" name=""/>
+        <p:cNvGrpSpPr/>
+        <p:nvPr/>
+      </p:nvGrpSpPr>
+      <p:grpSpPr>
+        <a:xfrm>
+          <a:off x="0" y="0"/>
+          <a:ext cx="0" cy="0"/>
+          <a:chOff x="0" y="0"/>
+          <a:chExt cx="0" cy="0"/>
+        </a:xfrm>
+      </p:grpSpPr>
+      <p:sp>
+        <p:nvSpPr>
+          <p:cNvPr id="2" name="Title 1">
+            <a:extLst>
+              <a:ext uri="{FF2B5EF4-FFF2-40B4-BE49-F238E27FC236}">
+                <a16:creationId xmlns:a16="http://schemas.microsoft.com/office/drawing/2014/main" id="{32B2E050-09D7-6947-96B4-7CC706B670D5}"/>
+              </a:ext>
+            </a:extLst>
+          </p:cNvPr>
+          <p:cNvSpPr>
+            <a:spLocks noGrp="1"/>
+          </p:cNvSpPr>
+          <p:nvPr>
+            <p:ph type="title"/>
+          </p:nvPr>
+        </p:nvSpPr>
+        <p:spPr/>
+        <p:txBody>
+          <a:bodyPr/>
+          <a:lstStyle/>
+          <a:p>
+            <a:r>
+              <a:rPr lang="en-US" b="1" dirty="0"/>
+              <a:t>Wilcoxon Signed Rank Test</a:t>
+            </a:r>
+            <a:endParaRPr lang="en-US" dirty="0"/>
+          </a:p>
+        </p:txBody>
+      </p:sp>
+      <p:sp>
+        <p:nvSpPr>
+          <p:cNvPr id="3" name="Content Placeholder 2">
+            <a:extLst>
+              <a:ext uri="{FF2B5EF4-FFF2-40B4-BE49-F238E27FC236}">
+                <a16:creationId xmlns:a16="http://schemas.microsoft.com/office/drawing/2014/main" id="{98B977A6-F20C-6F46-9E28-302E8A311C8E}"/>
+              </a:ext>
+            </a:extLst>
+          </p:cNvPr>
+          <p:cNvSpPr>
+            <a:spLocks noGrp="1"/>
+          </p:cNvSpPr>
+          <p:nvPr>
+            <p:ph sz="half" idx="1"/>
+          </p:nvPr>
+        </p:nvSpPr>
+        <p:spPr/>
+        <p:txBody>
+          <a:bodyPr/>
+          <a:lstStyle/>
+          <a:p>
+            <a:pPr marL="514350" indent="-514350">
+              <a:buFont typeface="+mj-lt"/>
+              <a:buAutoNum type="arabicPeriod"/>
+            </a:pPr>
+            <a:r>
+              <a:rPr lang="en-US" dirty="0"/>
+              <a:t>Define Null and Alternative Hypotheses</a:t>
+            </a:r>
+          </a:p>
+          <a:p>
+            <a:pPr marL="514350" indent="-514350">
+              <a:buFont typeface="+mj-lt"/>
+              <a:buAutoNum type="arabicPeriod"/>
+            </a:pPr>
+            <a:r>
+              <a:rPr lang="en-US" dirty="0"/>
+              <a:t>State Alpha</a:t>
+            </a:r>
+          </a:p>
+          <a:p>
+            <a:pPr marL="514350" indent="-514350">
+              <a:buFont typeface="+mj-lt"/>
+              <a:buAutoNum type="arabicPeriod"/>
+            </a:pPr>
+            <a:r>
+              <a:rPr lang="en-US" dirty="0"/>
+              <a:t>State Decision Rule</a:t>
+            </a:r>
+          </a:p>
+          <a:p>
+            <a:pPr marL="514350" indent="-514350">
+              <a:buFont typeface="+mj-lt"/>
+              <a:buAutoNum type="arabicPeriod"/>
+            </a:pPr>
+            <a:r>
+              <a:rPr lang="en-US" dirty="0"/>
+              <a:t>Calculate Test Statistic</a:t>
+            </a:r>
+          </a:p>
+          <a:p>
+            <a:pPr marL="514350" indent="-514350">
+              <a:buFont typeface="+mj-lt"/>
+              <a:buAutoNum type="arabicPeriod"/>
+            </a:pPr>
+            <a:r>
+              <a:rPr lang="en-US" dirty="0"/>
+              <a:t>State Results</a:t>
+            </a:r>
+          </a:p>
+          <a:p>
+            <a:pPr marL="514350" indent="-514350">
+              <a:buFont typeface="+mj-lt"/>
+              <a:buAutoNum type="arabicPeriod"/>
+            </a:pPr>
+            <a:r>
+              <a:rPr lang="en-US" dirty="0"/>
+              <a:t>State Conclusion</a:t>
+            </a:r>
+          </a:p>
+          <a:p>
+            <a:endParaRPr lang="en-US" dirty="0"/>
+          </a:p>
+        </p:txBody>
+      </p:sp>
+      <p:sp>
+        <p:nvSpPr>
+          <p:cNvPr id="4" name="Content Placeholder 3">
+            <a:extLst>
+              <a:ext uri="{FF2B5EF4-FFF2-40B4-BE49-F238E27FC236}">
+                <a16:creationId xmlns:a16="http://schemas.microsoft.com/office/drawing/2014/main" id="{1096FD43-3809-D74C-8979-3A015CD359AE}"/>
+              </a:ext>
+            </a:extLst>
+          </p:cNvPr>
+          <p:cNvSpPr>
+            <a:spLocks noGrp="1"/>
+          </p:cNvSpPr>
+          <p:nvPr>
+            <p:ph sz="half" idx="2"/>
+          </p:nvPr>
+        </p:nvSpPr>
+        <p:spPr/>
+        <p:txBody>
+          <a:bodyPr/>
+          <a:lstStyle/>
+          <a:p>
+            <a:pPr marL="514350" indent="-514350">
+              <a:buFont typeface="+mj-lt"/>
+              <a:buAutoNum type="arabicPeriod"/>
+            </a:pPr>
+            <a:r>
+              <a:rPr lang="en-US" dirty="0"/>
+              <a:t>There is no correlation between gender and drug rank</a:t>
+            </a:r>
+          </a:p>
+          <a:p>
+            <a:pPr marL="514350" indent="-514350">
+              <a:buFont typeface="+mj-lt"/>
+              <a:buAutoNum type="arabicPeriod"/>
+            </a:pPr>
+            <a:r>
+              <a:rPr lang="en-US" dirty="0"/>
+              <a:t>Alpha = .05</a:t>
+            </a:r>
+          </a:p>
+          <a:p>
+            <a:pPr marL="514350" indent="-514350">
+              <a:buFont typeface="+mj-lt"/>
+              <a:buAutoNum type="arabicPeriod"/>
+            </a:pPr>
+            <a:r>
+              <a:rPr lang="en-US" dirty="0"/>
+              <a:t>If Z &gt; 1.96, then REJECT Null</a:t>
+            </a:r>
+          </a:p>
+          <a:p>
+            <a:pPr marL="514350" indent="-514350">
+              <a:buFont typeface="+mj-lt"/>
+              <a:buAutoNum type="arabicPeriod"/>
+            </a:pPr>
+            <a:endParaRPr lang="en-US" dirty="0"/>
+          </a:p>
+          <a:p>
+            <a:pPr marL="514350" indent="-514350">
+              <a:buFont typeface="+mj-lt"/>
+              <a:buAutoNum type="arabicPeriod"/>
+            </a:pPr>
+            <a:endParaRPr lang="en-US" dirty="0"/>
+          </a:p>
+          <a:p>
+            <a:pPr marL="514350" indent="-514350">
+              <a:buFont typeface="+mj-lt"/>
+              <a:buAutoNum type="arabicPeriod"/>
+            </a:pPr>
+            <a:endParaRPr lang="en-US" dirty="0"/>
+          </a:p>
+          <a:p>
+            <a:pPr marL="514350" indent="-514350">
+              <a:buFont typeface="+mj-lt"/>
+              <a:buAutoNum type="arabicPeriod"/>
+            </a:pPr>
+            <a:endParaRPr lang="en-US" dirty="0"/>
+          </a:p>
+          <a:p>
+            <a:endParaRPr lang="en-US" dirty="0"/>
+          </a:p>
+        </p:txBody>
+      </p:sp>
+    </p:spTree>
+    <p:extLst>
+      <p:ext uri="{BB962C8B-B14F-4D97-AF65-F5344CB8AC3E}">
+        <p14:creationId xmlns:p14="http://schemas.microsoft.com/office/powerpoint/2010/main" val="816678054"/>
       </p:ext>
     </p:extLst>
   </p:cSld>
